--- a/Nizi/Prezentacija/Nizi.pptx
+++ b/Nizi/Prezentacija/Nizi.pptx
@@ -4,6 +4,9 @@
   <p:sldMasterIdLst>
     <p:sldMasterId id="2147483748" r:id="rId1"/>
   </p:sldMasterIdLst>
+  <p:notesMasterIdLst>
+    <p:notesMasterId r:id="rId15"/>
+  </p:notesMasterIdLst>
   <p:sldIdLst>
     <p:sldId id="256" r:id="rId2"/>
     <p:sldId id="257" r:id="rId3"/>
@@ -11,9 +14,13 @@
     <p:sldId id="262" r:id="rId5"/>
     <p:sldId id="263" r:id="rId6"/>
     <p:sldId id="264" r:id="rId7"/>
-    <p:sldId id="260" r:id="rId8"/>
-    <p:sldId id="261" r:id="rId9"/>
-    <p:sldId id="265" r:id="rId10"/>
+    <p:sldId id="266" r:id="rId8"/>
+    <p:sldId id="269" r:id="rId9"/>
+    <p:sldId id="267" r:id="rId10"/>
+    <p:sldId id="260" r:id="rId11"/>
+    <p:sldId id="261" r:id="rId12"/>
+    <p:sldId id="265" r:id="rId13"/>
+    <p:sldId id="270" r:id="rId14"/>
   </p:sldIdLst>
   <p:sldSz cx="12192000" cy="6858000"/>
   <p:notesSz cx="6858000" cy="9144000"/>
@@ -120,6 +127,2029 @@
 </p:presentation>
 </file>
 
+<file path=ppt/commentAuthors.xml><?xml version="1.0" encoding="utf-8"?>
+<p:cmAuthorLst xmlns:a="http://schemas.openxmlformats.org/drawingml/2006/main" xmlns:r="http://schemas.openxmlformats.org/officeDocument/2006/relationships" xmlns:p="http://schemas.openxmlformats.org/presentationml/2006/main">
+  <p:cmAuthor id="1" name="david anastasov" initials="da" lastIdx="1" clrIdx="0">
+    <p:extLst>
+      <p:ext uri="{19B8F6BF-5375-455C-9EA6-DF929625EA0E}">
+        <p15:presenceInfo xmlns:p15="http://schemas.microsoft.com/office/powerpoint/2012/main" userId="25f86f8c3ff7c027" providerId="Windows Live"/>
+      </p:ext>
+    </p:extLst>
+  </p:cmAuthor>
+</p:cmAuthorLst>
+</file>
+
+<file path=ppt/notesMasters/notesMaster1.xml><?xml version="1.0" encoding="utf-8"?>
+<p:notesMaster xmlns:a="http://schemas.openxmlformats.org/drawingml/2006/main" xmlns:r="http://schemas.openxmlformats.org/officeDocument/2006/relationships" xmlns:p="http://schemas.openxmlformats.org/presentationml/2006/main">
+  <p:cSld>
+    <p:bg>
+      <p:bgRef idx="1001">
+        <a:schemeClr val="bg1"/>
+      </p:bgRef>
+    </p:bg>
+    <p:spTree>
+      <p:nvGrpSpPr>
+        <p:cNvPr id="1" name=""/>
+        <p:cNvGrpSpPr/>
+        <p:nvPr/>
+      </p:nvGrpSpPr>
+      <p:grpSpPr>
+        <a:xfrm>
+          <a:off x="0" y="0"/>
+          <a:ext cx="0" cy="0"/>
+          <a:chOff x="0" y="0"/>
+          <a:chExt cx="0" cy="0"/>
+        </a:xfrm>
+      </p:grpSpPr>
+      <p:sp>
+        <p:nvSpPr>
+          <p:cNvPr id="2" name="Header Placeholder 1"/>
+          <p:cNvSpPr>
+            <a:spLocks noGrp="1"/>
+          </p:cNvSpPr>
+          <p:nvPr>
+            <p:ph type="hdr" sz="quarter"/>
+          </p:nvPr>
+        </p:nvSpPr>
+        <p:spPr>
+          <a:xfrm>
+            <a:off x="0" y="0"/>
+            <a:ext cx="2971800" cy="458788"/>
+          </a:xfrm>
+          <a:prstGeom prst="rect">
+            <a:avLst/>
+          </a:prstGeom>
+        </p:spPr>
+        <p:txBody>
+          <a:bodyPr vert="horz" lIns="91440" tIns="45720" rIns="91440" bIns="45720" rtlCol="0"/>
+          <a:lstStyle>
+            <a:lvl1pPr algn="l">
+              <a:defRPr sz="1200"/>
+            </a:lvl1pPr>
+          </a:lstStyle>
+          <a:p>
+            <a:endParaRPr lang="en-US"/>
+          </a:p>
+        </p:txBody>
+      </p:sp>
+      <p:sp>
+        <p:nvSpPr>
+          <p:cNvPr id="3" name="Date Placeholder 2"/>
+          <p:cNvSpPr>
+            <a:spLocks noGrp="1"/>
+          </p:cNvSpPr>
+          <p:nvPr>
+            <p:ph type="dt" idx="1"/>
+          </p:nvPr>
+        </p:nvSpPr>
+        <p:spPr>
+          <a:xfrm>
+            <a:off x="3884613" y="0"/>
+            <a:ext cx="2971800" cy="458788"/>
+          </a:xfrm>
+          <a:prstGeom prst="rect">
+            <a:avLst/>
+          </a:prstGeom>
+        </p:spPr>
+        <p:txBody>
+          <a:bodyPr vert="horz" lIns="91440" tIns="45720" rIns="91440" bIns="45720" rtlCol="0"/>
+          <a:lstStyle>
+            <a:lvl1pPr algn="r">
+              <a:defRPr sz="1200"/>
+            </a:lvl1pPr>
+          </a:lstStyle>
+          <a:p>
+            <a:fld id="{1DC77471-43E6-4173-95DC-10C5900CE757}" type="datetimeFigureOut">
+              <a:rPr lang="en-US" smtClean="0"/>
+              <a:t>10/26/2020</a:t>
+            </a:fld>
+            <a:endParaRPr lang="en-US"/>
+          </a:p>
+        </p:txBody>
+      </p:sp>
+      <p:sp>
+        <p:nvSpPr>
+          <p:cNvPr id="4" name="Slide Image Placeholder 3"/>
+          <p:cNvSpPr>
+            <a:spLocks noGrp="1" noRot="1" noChangeAspect="1"/>
+          </p:cNvSpPr>
+          <p:nvPr>
+            <p:ph type="sldImg" idx="2"/>
+          </p:nvPr>
+        </p:nvSpPr>
+        <p:spPr>
+          <a:xfrm>
+            <a:off x="685800" y="1143000"/>
+            <a:ext cx="5486400" cy="3086100"/>
+          </a:xfrm>
+          <a:prstGeom prst="rect">
+            <a:avLst/>
+          </a:prstGeom>
+          <a:noFill/>
+          <a:ln w="12700">
+            <a:solidFill>
+              <a:prstClr val="black"/>
+            </a:solidFill>
+          </a:ln>
+        </p:spPr>
+        <p:txBody>
+          <a:bodyPr vert="horz" lIns="91440" tIns="45720" rIns="91440" bIns="45720" rtlCol="0" anchor="ctr"/>
+          <a:lstStyle/>
+          <a:p>
+            <a:endParaRPr lang="en-US"/>
+          </a:p>
+        </p:txBody>
+      </p:sp>
+      <p:sp>
+        <p:nvSpPr>
+          <p:cNvPr id="5" name="Notes Placeholder 4"/>
+          <p:cNvSpPr>
+            <a:spLocks noGrp="1"/>
+          </p:cNvSpPr>
+          <p:nvPr>
+            <p:ph type="body" sz="quarter" idx="3"/>
+          </p:nvPr>
+        </p:nvSpPr>
+        <p:spPr>
+          <a:xfrm>
+            <a:off x="685800" y="4400550"/>
+            <a:ext cx="5486400" cy="3600450"/>
+          </a:xfrm>
+          <a:prstGeom prst="rect">
+            <a:avLst/>
+          </a:prstGeom>
+        </p:spPr>
+        <p:txBody>
+          <a:bodyPr vert="horz" lIns="91440" tIns="45720" rIns="91440" bIns="45720" rtlCol="0"/>
+          <a:lstStyle/>
+          <a:p>
+            <a:pPr lvl="0"/>
+            <a:r>
+              <a:rPr lang="en-US"/>
+              <a:t>Click to edit Master text styles</a:t>
+            </a:r>
+          </a:p>
+          <a:p>
+            <a:pPr lvl="1"/>
+            <a:r>
+              <a:rPr lang="en-US"/>
+              <a:t>Second level</a:t>
+            </a:r>
+          </a:p>
+          <a:p>
+            <a:pPr lvl="2"/>
+            <a:r>
+              <a:rPr lang="en-US"/>
+              <a:t>Third level</a:t>
+            </a:r>
+          </a:p>
+          <a:p>
+            <a:pPr lvl="3"/>
+            <a:r>
+              <a:rPr lang="en-US"/>
+              <a:t>Fourth level</a:t>
+            </a:r>
+          </a:p>
+          <a:p>
+            <a:pPr lvl="4"/>
+            <a:r>
+              <a:rPr lang="en-US"/>
+              <a:t>Fifth level</a:t>
+            </a:r>
+          </a:p>
+        </p:txBody>
+      </p:sp>
+      <p:sp>
+        <p:nvSpPr>
+          <p:cNvPr id="6" name="Footer Placeholder 5"/>
+          <p:cNvSpPr>
+            <a:spLocks noGrp="1"/>
+          </p:cNvSpPr>
+          <p:nvPr>
+            <p:ph type="ftr" sz="quarter" idx="4"/>
+          </p:nvPr>
+        </p:nvSpPr>
+        <p:spPr>
+          <a:xfrm>
+            <a:off x="0" y="8685213"/>
+            <a:ext cx="2971800" cy="458787"/>
+          </a:xfrm>
+          <a:prstGeom prst="rect">
+            <a:avLst/>
+          </a:prstGeom>
+        </p:spPr>
+        <p:txBody>
+          <a:bodyPr vert="horz" lIns="91440" tIns="45720" rIns="91440" bIns="45720" rtlCol="0" anchor="b"/>
+          <a:lstStyle>
+            <a:lvl1pPr algn="l">
+              <a:defRPr sz="1200"/>
+            </a:lvl1pPr>
+          </a:lstStyle>
+          <a:p>
+            <a:endParaRPr lang="en-US"/>
+          </a:p>
+        </p:txBody>
+      </p:sp>
+      <p:sp>
+        <p:nvSpPr>
+          <p:cNvPr id="7" name="Slide Number Placeholder 6"/>
+          <p:cNvSpPr>
+            <a:spLocks noGrp="1"/>
+          </p:cNvSpPr>
+          <p:nvPr>
+            <p:ph type="sldNum" sz="quarter" idx="5"/>
+          </p:nvPr>
+        </p:nvSpPr>
+        <p:spPr>
+          <a:xfrm>
+            <a:off x="3884613" y="8685213"/>
+            <a:ext cx="2971800" cy="458787"/>
+          </a:xfrm>
+          <a:prstGeom prst="rect">
+            <a:avLst/>
+          </a:prstGeom>
+        </p:spPr>
+        <p:txBody>
+          <a:bodyPr vert="horz" lIns="91440" tIns="45720" rIns="91440" bIns="45720" rtlCol="0" anchor="b"/>
+          <a:lstStyle>
+            <a:lvl1pPr algn="r">
+              <a:defRPr sz="1200"/>
+            </a:lvl1pPr>
+          </a:lstStyle>
+          <a:p>
+            <a:fld id="{927A7433-3D10-4FDD-9EF2-B174CF946C18}" type="slidenum">
+              <a:rPr lang="en-US" smtClean="0"/>
+              <a:t>‹#›</a:t>
+            </a:fld>
+            <a:endParaRPr lang="en-US"/>
+          </a:p>
+        </p:txBody>
+      </p:sp>
+    </p:spTree>
+    <p:extLst>
+      <p:ext uri="{BB962C8B-B14F-4D97-AF65-F5344CB8AC3E}">
+        <p14:creationId xmlns:p14="http://schemas.microsoft.com/office/powerpoint/2010/main" val="1879918445"/>
+      </p:ext>
+    </p:extLst>
+  </p:cSld>
+  <p:clrMap bg1="lt1" tx1="dk1" bg2="lt2" tx2="dk2" accent1="accent1" accent2="accent2" accent3="accent3" accent4="accent4" accent5="accent5" accent6="accent6" hlink="hlink" folHlink="folHlink"/>
+  <p:notesStyle>
+    <a:lvl1pPr marL="0" algn="l" defTabSz="914400" rtl="0" eaLnBrk="1" latinLnBrk="0" hangingPunct="1">
+      <a:defRPr sz="1200" kern="1200">
+        <a:solidFill>
+          <a:schemeClr val="tx1"/>
+        </a:solidFill>
+        <a:latin typeface="+mn-lt"/>
+        <a:ea typeface="+mn-ea"/>
+        <a:cs typeface="+mn-cs"/>
+      </a:defRPr>
+    </a:lvl1pPr>
+    <a:lvl2pPr marL="457200" algn="l" defTabSz="914400" rtl="0" eaLnBrk="1" latinLnBrk="0" hangingPunct="1">
+      <a:defRPr sz="1200" kern="1200">
+        <a:solidFill>
+          <a:schemeClr val="tx1"/>
+        </a:solidFill>
+        <a:latin typeface="+mn-lt"/>
+        <a:ea typeface="+mn-ea"/>
+        <a:cs typeface="+mn-cs"/>
+      </a:defRPr>
+    </a:lvl2pPr>
+    <a:lvl3pPr marL="914400" algn="l" defTabSz="914400" rtl="0" eaLnBrk="1" latinLnBrk="0" hangingPunct="1">
+      <a:defRPr sz="1200" kern="1200">
+        <a:solidFill>
+          <a:schemeClr val="tx1"/>
+        </a:solidFill>
+        <a:latin typeface="+mn-lt"/>
+        <a:ea typeface="+mn-ea"/>
+        <a:cs typeface="+mn-cs"/>
+      </a:defRPr>
+    </a:lvl3pPr>
+    <a:lvl4pPr marL="1371600" algn="l" defTabSz="914400" rtl="0" eaLnBrk="1" latinLnBrk="0" hangingPunct="1">
+      <a:defRPr sz="1200" kern="1200">
+        <a:solidFill>
+          <a:schemeClr val="tx1"/>
+        </a:solidFill>
+        <a:latin typeface="+mn-lt"/>
+        <a:ea typeface="+mn-ea"/>
+        <a:cs typeface="+mn-cs"/>
+      </a:defRPr>
+    </a:lvl4pPr>
+    <a:lvl5pPr marL="1828800" algn="l" defTabSz="914400" rtl="0" eaLnBrk="1" latinLnBrk="0" hangingPunct="1">
+      <a:defRPr sz="1200" kern="1200">
+        <a:solidFill>
+          <a:schemeClr val="tx1"/>
+        </a:solidFill>
+        <a:latin typeface="+mn-lt"/>
+        <a:ea typeface="+mn-ea"/>
+        <a:cs typeface="+mn-cs"/>
+      </a:defRPr>
+    </a:lvl5pPr>
+    <a:lvl6pPr marL="2286000" algn="l" defTabSz="914400" rtl="0" eaLnBrk="1" latinLnBrk="0" hangingPunct="1">
+      <a:defRPr sz="1200" kern="1200">
+        <a:solidFill>
+          <a:schemeClr val="tx1"/>
+        </a:solidFill>
+        <a:latin typeface="+mn-lt"/>
+        <a:ea typeface="+mn-ea"/>
+        <a:cs typeface="+mn-cs"/>
+      </a:defRPr>
+    </a:lvl6pPr>
+    <a:lvl7pPr marL="2743200" algn="l" defTabSz="914400" rtl="0" eaLnBrk="1" latinLnBrk="0" hangingPunct="1">
+      <a:defRPr sz="1200" kern="1200">
+        <a:solidFill>
+          <a:schemeClr val="tx1"/>
+        </a:solidFill>
+        <a:latin typeface="+mn-lt"/>
+        <a:ea typeface="+mn-ea"/>
+        <a:cs typeface="+mn-cs"/>
+      </a:defRPr>
+    </a:lvl7pPr>
+    <a:lvl8pPr marL="3200400" algn="l" defTabSz="914400" rtl="0" eaLnBrk="1" latinLnBrk="0" hangingPunct="1">
+      <a:defRPr sz="1200" kern="1200">
+        <a:solidFill>
+          <a:schemeClr val="tx1"/>
+        </a:solidFill>
+        <a:latin typeface="+mn-lt"/>
+        <a:ea typeface="+mn-ea"/>
+        <a:cs typeface="+mn-cs"/>
+      </a:defRPr>
+    </a:lvl8pPr>
+    <a:lvl9pPr marL="3657600" algn="l" defTabSz="914400" rtl="0" eaLnBrk="1" latinLnBrk="0" hangingPunct="1">
+      <a:defRPr sz="1200" kern="1200">
+        <a:solidFill>
+          <a:schemeClr val="tx1"/>
+        </a:solidFill>
+        <a:latin typeface="+mn-lt"/>
+        <a:ea typeface="+mn-ea"/>
+        <a:cs typeface="+mn-cs"/>
+      </a:defRPr>
+    </a:lvl9pPr>
+  </p:notesStyle>
+</p:notesMaster>
+</file>
+
+<file path=ppt/notesSlides/notesSlide1.xml><?xml version="1.0" encoding="utf-8"?>
+<p:notes xmlns:a="http://schemas.openxmlformats.org/drawingml/2006/main" xmlns:r="http://schemas.openxmlformats.org/officeDocument/2006/relationships" xmlns:p="http://schemas.openxmlformats.org/presentationml/2006/main">
+  <p:cSld>
+    <p:spTree>
+      <p:nvGrpSpPr>
+        <p:cNvPr id="1" name=""/>
+        <p:cNvGrpSpPr/>
+        <p:nvPr/>
+      </p:nvGrpSpPr>
+      <p:grpSpPr>
+        <a:xfrm>
+          <a:off x="0" y="0"/>
+          <a:ext cx="0" cy="0"/>
+          <a:chOff x="0" y="0"/>
+          <a:chExt cx="0" cy="0"/>
+        </a:xfrm>
+      </p:grpSpPr>
+      <p:sp>
+        <p:nvSpPr>
+          <p:cNvPr id="2" name="Slide Image Placeholder 1"/>
+          <p:cNvSpPr>
+            <a:spLocks noGrp="1" noRot="1" noChangeAspect="1"/>
+          </p:cNvSpPr>
+          <p:nvPr>
+            <p:ph type="sldImg"/>
+          </p:nvPr>
+        </p:nvSpPr>
+        <p:spPr/>
+      </p:sp>
+      <p:sp>
+        <p:nvSpPr>
+          <p:cNvPr id="3" name="Notes Placeholder 2"/>
+          <p:cNvSpPr>
+            <a:spLocks noGrp="1"/>
+          </p:cNvSpPr>
+          <p:nvPr>
+            <p:ph type="body" idx="1"/>
+          </p:nvPr>
+        </p:nvSpPr>
+        <p:spPr/>
+        <p:txBody>
+          <a:bodyPr/>
+          <a:lstStyle/>
+          <a:p>
+            <a:r>
+              <a:rPr lang="en-US" dirty="0" err="1"/>
+              <a:t>tip_na_nizata</a:t>
+            </a:r>
+            <a:r>
+              <a:rPr lang="en-US" dirty="0"/>
+              <a:t> </a:t>
+            </a:r>
+            <a:r>
+              <a:rPr lang="en-US" dirty="0" err="1"/>
+              <a:t>ime_na_nizata</a:t>
+            </a:r>
+            <a:r>
+              <a:rPr lang="en-US" dirty="0"/>
+              <a:t>[</a:t>
+            </a:r>
+            <a:r>
+              <a:rPr lang="en-US" dirty="0" err="1"/>
+              <a:t>golemina_na_nizata</a:t>
+            </a:r>
+            <a:r>
+              <a:rPr lang="en-US" dirty="0"/>
+              <a:t>];</a:t>
+            </a:r>
+          </a:p>
+        </p:txBody>
+      </p:sp>
+      <p:sp>
+        <p:nvSpPr>
+          <p:cNvPr id="4" name="Slide Number Placeholder 3"/>
+          <p:cNvSpPr>
+            <a:spLocks noGrp="1"/>
+          </p:cNvSpPr>
+          <p:nvPr>
+            <p:ph type="sldNum" sz="quarter" idx="5"/>
+          </p:nvPr>
+        </p:nvSpPr>
+        <p:spPr/>
+        <p:txBody>
+          <a:bodyPr/>
+          <a:lstStyle/>
+          <a:p>
+            <a:fld id="{927A7433-3D10-4FDD-9EF2-B174CF946C18}" type="slidenum">
+              <a:rPr lang="en-US" smtClean="0"/>
+              <a:t>4</a:t>
+            </a:fld>
+            <a:endParaRPr lang="en-US"/>
+          </a:p>
+        </p:txBody>
+      </p:sp>
+    </p:spTree>
+    <p:extLst>
+      <p:ext uri="{BB962C8B-B14F-4D97-AF65-F5344CB8AC3E}">
+        <p14:creationId xmlns:p14="http://schemas.microsoft.com/office/powerpoint/2010/main" val="2788553932"/>
+      </p:ext>
+    </p:extLst>
+  </p:cSld>
+  <p:clrMapOvr>
+    <a:masterClrMapping/>
+  </p:clrMapOvr>
+</p:notes>
+</file>
+
+<file path=ppt/notesSlides/notesSlide2.xml><?xml version="1.0" encoding="utf-8"?>
+<p:notes xmlns:a="http://schemas.openxmlformats.org/drawingml/2006/main" xmlns:r="http://schemas.openxmlformats.org/officeDocument/2006/relationships" xmlns:p="http://schemas.openxmlformats.org/presentationml/2006/main">
+  <p:cSld>
+    <p:spTree>
+      <p:nvGrpSpPr>
+        <p:cNvPr id="1" name=""/>
+        <p:cNvGrpSpPr/>
+        <p:nvPr/>
+      </p:nvGrpSpPr>
+      <p:grpSpPr>
+        <a:xfrm>
+          <a:off x="0" y="0"/>
+          <a:ext cx="0" cy="0"/>
+          <a:chOff x="0" y="0"/>
+          <a:chExt cx="0" cy="0"/>
+        </a:xfrm>
+      </p:grpSpPr>
+      <p:sp>
+        <p:nvSpPr>
+          <p:cNvPr id="2" name="Slide Image Placeholder 1"/>
+          <p:cNvSpPr>
+            <a:spLocks noGrp="1" noRot="1" noChangeAspect="1"/>
+          </p:cNvSpPr>
+          <p:nvPr>
+            <p:ph type="sldImg"/>
+          </p:nvPr>
+        </p:nvSpPr>
+        <p:spPr/>
+      </p:sp>
+      <p:sp>
+        <p:nvSpPr>
+          <p:cNvPr id="3" name="Notes Placeholder 2"/>
+          <p:cNvSpPr>
+            <a:spLocks noGrp="1"/>
+          </p:cNvSpPr>
+          <p:nvPr>
+            <p:ph type="body" idx="1"/>
+          </p:nvPr>
+        </p:nvSpPr>
+        <p:spPr/>
+        <p:txBody>
+          <a:bodyPr/>
+          <a:lstStyle/>
+          <a:p>
+            <a:r>
+              <a:rPr lang="en-US" dirty="0"/>
+              <a:t>int </a:t>
+            </a:r>
+            <a:r>
+              <a:rPr lang="en-US" dirty="0" err="1"/>
+              <a:t>broevi</a:t>
+            </a:r>
+            <a:r>
+              <a:rPr lang="en-US" dirty="0"/>
+              <a:t>[10];</a:t>
+            </a:r>
+          </a:p>
+          <a:p>
+            <a:pPr marL="0" marR="0" lvl="0" indent="0" algn="l" defTabSz="914400" rtl="0" eaLnBrk="1" fontAlgn="auto" latinLnBrk="0" hangingPunct="1">
+              <a:lnSpc>
+                <a:spcPct val="100000"/>
+              </a:lnSpc>
+              <a:spcBef>
+                <a:spcPts val="0"/>
+              </a:spcBef>
+              <a:spcAft>
+                <a:spcPts val="0"/>
+              </a:spcAft>
+              <a:buClrTx/>
+              <a:buSzTx/>
+              <a:buFontTx/>
+              <a:buNone/>
+              <a:tabLst/>
+              <a:defRPr/>
+            </a:pPr>
+            <a:endParaRPr lang="en-US" dirty="0"/>
+          </a:p>
+          <a:p>
+            <a:r>
+              <a:rPr lang="en-US" dirty="0"/>
+              <a:t>char </a:t>
+            </a:r>
+            <a:r>
+              <a:rPr lang="en-US" dirty="0" err="1"/>
+              <a:t>znaci</a:t>
+            </a:r>
+            <a:r>
+              <a:rPr lang="en-US" dirty="0"/>
+              <a:t>[10];</a:t>
+            </a:r>
+          </a:p>
+          <a:p>
+            <a:endParaRPr lang="en-US" dirty="0"/>
+          </a:p>
+          <a:p>
+            <a:r>
+              <a:rPr lang="en-US" dirty="0"/>
+              <a:t>string </a:t>
+            </a:r>
+            <a:r>
+              <a:rPr lang="en-US" dirty="0" err="1"/>
+              <a:t>recenici</a:t>
+            </a:r>
+            <a:r>
+              <a:rPr lang="en-US" dirty="0"/>
+              <a:t>[5];</a:t>
+            </a:r>
+          </a:p>
+          <a:p>
+            <a:endParaRPr lang="en-US" dirty="0"/>
+          </a:p>
+          <a:p>
+            <a:r>
+              <a:rPr lang="en-US" dirty="0"/>
+              <a:t>bool </a:t>
+            </a:r>
+            <a:r>
+              <a:rPr lang="en-US" dirty="0" err="1"/>
+              <a:t>odgovori</a:t>
+            </a:r>
+            <a:r>
+              <a:rPr lang="en-US" dirty="0"/>
+              <a:t>[8];</a:t>
+            </a:r>
+          </a:p>
+        </p:txBody>
+      </p:sp>
+      <p:sp>
+        <p:nvSpPr>
+          <p:cNvPr id="4" name="Slide Number Placeholder 3"/>
+          <p:cNvSpPr>
+            <a:spLocks noGrp="1"/>
+          </p:cNvSpPr>
+          <p:nvPr>
+            <p:ph type="sldNum" sz="quarter" idx="5"/>
+          </p:nvPr>
+        </p:nvSpPr>
+        <p:spPr/>
+        <p:txBody>
+          <a:bodyPr/>
+          <a:lstStyle/>
+          <a:p>
+            <a:fld id="{927A7433-3D10-4FDD-9EF2-B174CF946C18}" type="slidenum">
+              <a:rPr lang="en-US" smtClean="0"/>
+              <a:t>5</a:t>
+            </a:fld>
+            <a:endParaRPr lang="en-US"/>
+          </a:p>
+        </p:txBody>
+      </p:sp>
+    </p:spTree>
+    <p:extLst>
+      <p:ext uri="{BB962C8B-B14F-4D97-AF65-F5344CB8AC3E}">
+        <p14:creationId xmlns:p14="http://schemas.microsoft.com/office/powerpoint/2010/main" val="2262710063"/>
+      </p:ext>
+    </p:extLst>
+  </p:cSld>
+  <p:clrMapOvr>
+    <a:masterClrMapping/>
+  </p:clrMapOvr>
+</p:notes>
+</file>
+
+<file path=ppt/notesSlides/notesSlide3.xml><?xml version="1.0" encoding="utf-8"?>
+<p:notes xmlns:a="http://schemas.openxmlformats.org/drawingml/2006/main" xmlns:r="http://schemas.openxmlformats.org/officeDocument/2006/relationships" xmlns:p="http://schemas.openxmlformats.org/presentationml/2006/main">
+  <p:cSld>
+    <p:spTree>
+      <p:nvGrpSpPr>
+        <p:cNvPr id="1" name=""/>
+        <p:cNvGrpSpPr/>
+        <p:nvPr/>
+      </p:nvGrpSpPr>
+      <p:grpSpPr>
+        <a:xfrm>
+          <a:off x="0" y="0"/>
+          <a:ext cx="0" cy="0"/>
+          <a:chOff x="0" y="0"/>
+          <a:chExt cx="0" cy="0"/>
+        </a:xfrm>
+      </p:grpSpPr>
+      <p:sp>
+        <p:nvSpPr>
+          <p:cNvPr id="2" name="Slide Image Placeholder 1"/>
+          <p:cNvSpPr>
+            <a:spLocks noGrp="1" noRot="1" noChangeAspect="1"/>
+          </p:cNvSpPr>
+          <p:nvPr>
+            <p:ph type="sldImg"/>
+          </p:nvPr>
+        </p:nvSpPr>
+        <p:spPr/>
+      </p:sp>
+      <p:sp>
+        <p:nvSpPr>
+          <p:cNvPr id="3" name="Notes Placeholder 2"/>
+          <p:cNvSpPr>
+            <a:spLocks noGrp="1"/>
+          </p:cNvSpPr>
+          <p:nvPr>
+            <p:ph type="body" idx="1"/>
+          </p:nvPr>
+        </p:nvSpPr>
+        <p:spPr/>
+        <p:txBody>
+          <a:bodyPr/>
+          <a:lstStyle/>
+          <a:p>
+            <a:r>
+              <a:rPr lang="en-US" dirty="0"/>
+              <a:t>int </a:t>
+            </a:r>
+            <a:r>
+              <a:rPr lang="en-US" dirty="0" err="1"/>
+              <a:t>broevi</a:t>
+            </a:r>
+            <a:r>
+              <a:rPr lang="en-US" dirty="0"/>
+              <a:t>[] = {1, 2, 3, 4, 5, 6, 7, 8, 9, 10};</a:t>
+            </a:r>
+          </a:p>
+        </p:txBody>
+      </p:sp>
+      <p:sp>
+        <p:nvSpPr>
+          <p:cNvPr id="4" name="Slide Number Placeholder 3"/>
+          <p:cNvSpPr>
+            <a:spLocks noGrp="1"/>
+          </p:cNvSpPr>
+          <p:nvPr>
+            <p:ph type="sldNum" sz="quarter" idx="5"/>
+          </p:nvPr>
+        </p:nvSpPr>
+        <p:spPr/>
+        <p:txBody>
+          <a:bodyPr/>
+          <a:lstStyle/>
+          <a:p>
+            <a:fld id="{927A7433-3D10-4FDD-9EF2-B174CF946C18}" type="slidenum">
+              <a:rPr lang="en-US" smtClean="0"/>
+              <a:t>6</a:t>
+            </a:fld>
+            <a:endParaRPr lang="en-US"/>
+          </a:p>
+        </p:txBody>
+      </p:sp>
+    </p:spTree>
+    <p:extLst>
+      <p:ext uri="{BB962C8B-B14F-4D97-AF65-F5344CB8AC3E}">
+        <p14:creationId xmlns:p14="http://schemas.microsoft.com/office/powerpoint/2010/main" val="3760869694"/>
+      </p:ext>
+    </p:extLst>
+  </p:cSld>
+  <p:clrMapOvr>
+    <a:masterClrMapping/>
+  </p:clrMapOvr>
+</p:notes>
+</file>
+
+<file path=ppt/notesSlides/notesSlide4.xml><?xml version="1.0" encoding="utf-8"?>
+<p:notes xmlns:a="http://schemas.openxmlformats.org/drawingml/2006/main" xmlns:r="http://schemas.openxmlformats.org/officeDocument/2006/relationships" xmlns:p="http://schemas.openxmlformats.org/presentationml/2006/main">
+  <p:cSld>
+    <p:spTree>
+      <p:nvGrpSpPr>
+        <p:cNvPr id="1" name=""/>
+        <p:cNvGrpSpPr/>
+        <p:nvPr/>
+      </p:nvGrpSpPr>
+      <p:grpSpPr>
+        <a:xfrm>
+          <a:off x="0" y="0"/>
+          <a:ext cx="0" cy="0"/>
+          <a:chOff x="0" y="0"/>
+          <a:chExt cx="0" cy="0"/>
+        </a:xfrm>
+      </p:grpSpPr>
+      <p:sp>
+        <p:nvSpPr>
+          <p:cNvPr id="2" name="Slide Image Placeholder 1"/>
+          <p:cNvSpPr>
+            <a:spLocks noGrp="1" noRot="1" noChangeAspect="1"/>
+          </p:cNvSpPr>
+          <p:nvPr>
+            <p:ph type="sldImg"/>
+          </p:nvPr>
+        </p:nvSpPr>
+        <p:spPr/>
+      </p:sp>
+      <p:sp>
+        <p:nvSpPr>
+          <p:cNvPr id="3" name="Notes Placeholder 2"/>
+          <p:cNvSpPr>
+            <a:spLocks noGrp="1"/>
+          </p:cNvSpPr>
+          <p:nvPr>
+            <p:ph type="body" idx="1"/>
+          </p:nvPr>
+        </p:nvSpPr>
+        <p:spPr/>
+        <p:txBody>
+          <a:bodyPr/>
+          <a:lstStyle/>
+          <a:p>
+            <a:endParaRPr lang="en-US" dirty="0"/>
+          </a:p>
+        </p:txBody>
+      </p:sp>
+      <p:sp>
+        <p:nvSpPr>
+          <p:cNvPr id="4" name="Slide Number Placeholder 3"/>
+          <p:cNvSpPr>
+            <a:spLocks noGrp="1"/>
+          </p:cNvSpPr>
+          <p:nvPr>
+            <p:ph type="sldNum" sz="quarter" idx="5"/>
+          </p:nvPr>
+        </p:nvSpPr>
+        <p:spPr/>
+        <p:txBody>
+          <a:bodyPr/>
+          <a:lstStyle/>
+          <a:p>
+            <a:fld id="{927A7433-3D10-4FDD-9EF2-B174CF946C18}" type="slidenum">
+              <a:rPr lang="en-US" smtClean="0"/>
+              <a:t>7</a:t>
+            </a:fld>
+            <a:endParaRPr lang="en-US"/>
+          </a:p>
+        </p:txBody>
+      </p:sp>
+    </p:spTree>
+    <p:extLst>
+      <p:ext uri="{BB962C8B-B14F-4D97-AF65-F5344CB8AC3E}">
+        <p14:creationId xmlns:p14="http://schemas.microsoft.com/office/powerpoint/2010/main" val="3689872878"/>
+      </p:ext>
+    </p:extLst>
+  </p:cSld>
+  <p:clrMapOvr>
+    <a:masterClrMapping/>
+  </p:clrMapOvr>
+</p:notes>
+</file>
+
+<file path=ppt/notesSlides/notesSlide5.xml><?xml version="1.0" encoding="utf-8"?>
+<p:notes xmlns:a="http://schemas.openxmlformats.org/drawingml/2006/main" xmlns:r="http://schemas.openxmlformats.org/officeDocument/2006/relationships" xmlns:p="http://schemas.openxmlformats.org/presentationml/2006/main">
+  <p:cSld>
+    <p:spTree>
+      <p:nvGrpSpPr>
+        <p:cNvPr id="1" name=""/>
+        <p:cNvGrpSpPr/>
+        <p:nvPr/>
+      </p:nvGrpSpPr>
+      <p:grpSpPr>
+        <a:xfrm>
+          <a:off x="0" y="0"/>
+          <a:ext cx="0" cy="0"/>
+          <a:chOff x="0" y="0"/>
+          <a:chExt cx="0" cy="0"/>
+        </a:xfrm>
+      </p:grpSpPr>
+      <p:sp>
+        <p:nvSpPr>
+          <p:cNvPr id="2" name="Slide Image Placeholder 1"/>
+          <p:cNvSpPr>
+            <a:spLocks noGrp="1" noRot="1" noChangeAspect="1"/>
+          </p:cNvSpPr>
+          <p:nvPr>
+            <p:ph type="sldImg"/>
+          </p:nvPr>
+        </p:nvSpPr>
+        <p:spPr/>
+      </p:sp>
+      <p:sp>
+        <p:nvSpPr>
+          <p:cNvPr id="3" name="Notes Placeholder 2"/>
+          <p:cNvSpPr>
+            <a:spLocks noGrp="1"/>
+          </p:cNvSpPr>
+          <p:nvPr>
+            <p:ph type="body" idx="1"/>
+          </p:nvPr>
+        </p:nvSpPr>
+        <p:spPr/>
+        <p:txBody>
+          <a:bodyPr/>
+          <a:lstStyle/>
+          <a:p>
+            <a:r>
+              <a:rPr lang="en-US" b="0" dirty="0">
+                <a:solidFill>
+                  <a:srgbClr val="FFA759"/>
+                </a:solidFill>
+                <a:effectLst/>
+                <a:latin typeface="Consolas" panose="020B0609020204030204" pitchFamily="49" charset="0"/>
+              </a:rPr>
+              <a:t>// ================================================</a:t>
+            </a:r>
+            <a:endParaRPr lang="mk-MK" b="0" dirty="0">
+              <a:solidFill>
+                <a:srgbClr val="FFA759"/>
+              </a:solidFill>
+              <a:effectLst/>
+              <a:latin typeface="Consolas" panose="020B0609020204030204" pitchFamily="49" charset="0"/>
+            </a:endParaRPr>
+          </a:p>
+          <a:p>
+            <a:r>
+              <a:rPr lang="en-US" b="0" dirty="0">
+                <a:solidFill>
+                  <a:srgbClr val="FFA759"/>
+                </a:solidFill>
+                <a:effectLst/>
+                <a:latin typeface="Consolas" panose="020B0609020204030204" pitchFamily="49" charset="0"/>
+              </a:rPr>
+              <a:t>// </a:t>
+            </a:r>
+            <a:r>
+              <a:rPr lang="mk-MK" b="0" dirty="0">
+                <a:solidFill>
+                  <a:srgbClr val="FFA759"/>
+                </a:solidFill>
+                <a:effectLst/>
+                <a:latin typeface="Consolas" panose="020B0609020204030204" pitchFamily="49" charset="0"/>
+              </a:rPr>
+              <a:t>Код</a:t>
+            </a:r>
+            <a:endParaRPr lang="en-US" b="0" dirty="0">
+              <a:solidFill>
+                <a:srgbClr val="FFA759"/>
+              </a:solidFill>
+              <a:effectLst/>
+              <a:latin typeface="Consolas" panose="020B0609020204030204" pitchFamily="49" charset="0"/>
+            </a:endParaRPr>
+          </a:p>
+          <a:p>
+            <a:endParaRPr lang="en-US" b="0" dirty="0">
+              <a:solidFill>
+                <a:srgbClr val="FFA759"/>
+              </a:solidFill>
+              <a:effectLst/>
+              <a:latin typeface="Consolas" panose="020B0609020204030204" pitchFamily="49" charset="0"/>
+            </a:endParaRPr>
+          </a:p>
+          <a:p>
+            <a:r>
+              <a:rPr lang="en-US" b="0" dirty="0">
+                <a:solidFill>
+                  <a:srgbClr val="FFA759"/>
+                </a:solidFill>
+                <a:effectLst/>
+                <a:latin typeface="Consolas" panose="020B0609020204030204" pitchFamily="49" charset="0"/>
+              </a:rPr>
+              <a:t>// Ja </a:t>
+            </a:r>
+            <a:r>
+              <a:rPr lang="en-US" b="0" dirty="0" err="1">
+                <a:solidFill>
+                  <a:srgbClr val="FFA759"/>
+                </a:solidFill>
+                <a:effectLst/>
+                <a:latin typeface="Consolas" panose="020B0609020204030204" pitchFamily="49" charset="0"/>
+              </a:rPr>
+              <a:t>vnesuvame</a:t>
+            </a:r>
+            <a:r>
+              <a:rPr lang="en-US" b="0" dirty="0">
+                <a:solidFill>
+                  <a:srgbClr val="FFA759"/>
+                </a:solidFill>
+                <a:effectLst/>
+                <a:latin typeface="Consolas" panose="020B0609020204030204" pitchFamily="49" charset="0"/>
+              </a:rPr>
+              <a:t> </a:t>
+            </a:r>
+            <a:r>
+              <a:rPr lang="en-US" b="0" dirty="0" err="1">
+                <a:solidFill>
+                  <a:srgbClr val="FFA759"/>
+                </a:solidFill>
+                <a:effectLst/>
+                <a:latin typeface="Consolas" panose="020B0609020204030204" pitchFamily="49" charset="0"/>
+              </a:rPr>
+              <a:t>goleminata</a:t>
+            </a:r>
+            <a:r>
+              <a:rPr lang="en-US" b="0" dirty="0">
+                <a:solidFill>
+                  <a:srgbClr val="FFA759"/>
+                </a:solidFill>
+                <a:effectLst/>
+                <a:latin typeface="Consolas" panose="020B0609020204030204" pitchFamily="49" charset="0"/>
+              </a:rPr>
+              <a:t> </a:t>
+            </a:r>
+            <a:r>
+              <a:rPr lang="en-US" b="0" dirty="0" err="1">
+                <a:solidFill>
+                  <a:srgbClr val="FFA759"/>
+                </a:solidFill>
+                <a:effectLst/>
+                <a:latin typeface="Consolas" panose="020B0609020204030204" pitchFamily="49" charset="0"/>
+              </a:rPr>
+              <a:t>na</a:t>
+            </a:r>
+            <a:r>
+              <a:rPr lang="en-US" b="0" dirty="0">
+                <a:solidFill>
+                  <a:srgbClr val="FFA759"/>
+                </a:solidFill>
+                <a:effectLst/>
+                <a:latin typeface="Consolas" panose="020B0609020204030204" pitchFamily="49" charset="0"/>
+              </a:rPr>
+              <a:t> </a:t>
+            </a:r>
+            <a:r>
+              <a:rPr lang="en-US" b="0" dirty="0" err="1">
+                <a:solidFill>
+                  <a:srgbClr val="FFA759"/>
+                </a:solidFill>
+                <a:effectLst/>
+                <a:latin typeface="Consolas" panose="020B0609020204030204" pitchFamily="49" charset="0"/>
+              </a:rPr>
+              <a:t>nizata</a:t>
+            </a:r>
+            <a:endParaRPr lang="en-US" b="0" dirty="0">
+              <a:solidFill>
+                <a:srgbClr val="FFA759"/>
+              </a:solidFill>
+              <a:effectLst/>
+              <a:latin typeface="Consolas" panose="020B0609020204030204" pitchFamily="49" charset="0"/>
+            </a:endParaRPr>
+          </a:p>
+          <a:p>
+            <a:r>
+              <a:rPr lang="en-US" b="0" dirty="0">
+                <a:solidFill>
+                  <a:srgbClr val="FFA759"/>
+                </a:solidFill>
+                <a:effectLst/>
+                <a:latin typeface="Consolas" panose="020B0609020204030204" pitchFamily="49" charset="0"/>
+              </a:rPr>
+              <a:t>int </a:t>
+            </a:r>
+            <a:r>
+              <a:rPr lang="en-US" b="0" dirty="0" err="1">
+                <a:solidFill>
+                  <a:srgbClr val="FFA759"/>
+                </a:solidFill>
+                <a:effectLst/>
+                <a:latin typeface="Consolas" panose="020B0609020204030204" pitchFamily="49" charset="0"/>
+              </a:rPr>
+              <a:t>golemina_na_niza</a:t>
+            </a:r>
+            <a:r>
+              <a:rPr lang="en-US" b="0" dirty="0">
+                <a:solidFill>
+                  <a:srgbClr val="FFA759"/>
+                </a:solidFill>
+                <a:effectLst/>
+                <a:latin typeface="Consolas" panose="020B0609020204030204" pitchFamily="49" charset="0"/>
+              </a:rPr>
+              <a:t>;</a:t>
+            </a:r>
+          </a:p>
+          <a:p>
+            <a:r>
+              <a:rPr lang="en-US" b="0" dirty="0" err="1">
+                <a:solidFill>
+                  <a:srgbClr val="FFA759"/>
+                </a:solidFill>
+                <a:effectLst/>
+                <a:latin typeface="Consolas" panose="020B0609020204030204" pitchFamily="49" charset="0"/>
+              </a:rPr>
+              <a:t>cout</a:t>
+            </a:r>
+            <a:r>
+              <a:rPr lang="en-US" b="0" dirty="0">
+                <a:solidFill>
+                  <a:srgbClr val="FFA759"/>
+                </a:solidFill>
+                <a:effectLst/>
+                <a:latin typeface="Consolas" panose="020B0609020204030204" pitchFamily="49" charset="0"/>
+              </a:rPr>
+              <a:t> &lt;&lt; "</a:t>
+            </a:r>
+            <a:r>
+              <a:rPr lang="en-US" b="0" dirty="0" err="1">
+                <a:solidFill>
+                  <a:srgbClr val="FFA759"/>
+                </a:solidFill>
+                <a:effectLst/>
+                <a:latin typeface="Consolas" panose="020B0609020204030204" pitchFamily="49" charset="0"/>
+              </a:rPr>
+              <a:t>Vnesete</a:t>
+            </a:r>
+            <a:r>
+              <a:rPr lang="en-US" b="0" dirty="0">
+                <a:solidFill>
+                  <a:srgbClr val="FFA759"/>
+                </a:solidFill>
+                <a:effectLst/>
+                <a:latin typeface="Consolas" panose="020B0609020204030204" pitchFamily="49" charset="0"/>
+              </a:rPr>
+              <a:t> ja </a:t>
+            </a:r>
+            <a:r>
+              <a:rPr lang="en-US" b="0" dirty="0" err="1">
+                <a:solidFill>
+                  <a:srgbClr val="FFA759"/>
+                </a:solidFill>
+                <a:effectLst/>
+                <a:latin typeface="Consolas" panose="020B0609020204030204" pitchFamily="49" charset="0"/>
+              </a:rPr>
+              <a:t>goleminata</a:t>
+            </a:r>
+            <a:r>
+              <a:rPr lang="en-US" b="0" dirty="0">
+                <a:solidFill>
+                  <a:srgbClr val="FFA759"/>
+                </a:solidFill>
+                <a:effectLst/>
+                <a:latin typeface="Consolas" panose="020B0609020204030204" pitchFamily="49" charset="0"/>
+              </a:rPr>
+              <a:t> </a:t>
+            </a:r>
+            <a:r>
+              <a:rPr lang="en-US" b="0" dirty="0" err="1">
+                <a:solidFill>
+                  <a:srgbClr val="FFA759"/>
+                </a:solidFill>
+                <a:effectLst/>
+                <a:latin typeface="Consolas" panose="020B0609020204030204" pitchFamily="49" charset="0"/>
+              </a:rPr>
+              <a:t>na</a:t>
+            </a:r>
+            <a:r>
+              <a:rPr lang="en-US" b="0" dirty="0">
+                <a:solidFill>
+                  <a:srgbClr val="FFA759"/>
+                </a:solidFill>
+                <a:effectLst/>
+                <a:latin typeface="Consolas" panose="020B0609020204030204" pitchFamily="49" charset="0"/>
+              </a:rPr>
+              <a:t> </a:t>
+            </a:r>
+            <a:r>
+              <a:rPr lang="en-US" b="0" dirty="0" err="1">
+                <a:solidFill>
+                  <a:srgbClr val="FFA759"/>
+                </a:solidFill>
+                <a:effectLst/>
+                <a:latin typeface="Consolas" panose="020B0609020204030204" pitchFamily="49" charset="0"/>
+              </a:rPr>
+              <a:t>nizata</a:t>
+            </a:r>
+            <a:r>
+              <a:rPr lang="en-US" b="0" dirty="0">
+                <a:solidFill>
+                  <a:srgbClr val="FFA759"/>
+                </a:solidFill>
+                <a:effectLst/>
+                <a:latin typeface="Consolas" panose="020B0609020204030204" pitchFamily="49" charset="0"/>
+              </a:rPr>
+              <a:t> ==&gt;";</a:t>
+            </a:r>
+          </a:p>
+          <a:p>
+            <a:r>
+              <a:rPr lang="en-US" b="0" dirty="0" err="1">
+                <a:solidFill>
+                  <a:srgbClr val="FFA759"/>
+                </a:solidFill>
+                <a:effectLst/>
+                <a:latin typeface="Consolas" panose="020B0609020204030204" pitchFamily="49" charset="0"/>
+              </a:rPr>
+              <a:t>cin</a:t>
+            </a:r>
+            <a:r>
+              <a:rPr lang="en-US" b="0" dirty="0">
+                <a:solidFill>
+                  <a:srgbClr val="FFA759"/>
+                </a:solidFill>
+                <a:effectLst/>
+                <a:latin typeface="Consolas" panose="020B0609020204030204" pitchFamily="49" charset="0"/>
+              </a:rPr>
+              <a:t> &gt;&gt; </a:t>
+            </a:r>
+            <a:r>
+              <a:rPr lang="en-US" b="0" dirty="0" err="1">
+                <a:solidFill>
+                  <a:srgbClr val="FFA759"/>
+                </a:solidFill>
+                <a:effectLst/>
+                <a:latin typeface="Consolas" panose="020B0609020204030204" pitchFamily="49" charset="0"/>
+              </a:rPr>
+              <a:t>golemina_na_niza</a:t>
+            </a:r>
+            <a:r>
+              <a:rPr lang="en-US" b="0" dirty="0">
+                <a:solidFill>
+                  <a:srgbClr val="FFA759"/>
+                </a:solidFill>
+                <a:effectLst/>
+                <a:latin typeface="Consolas" panose="020B0609020204030204" pitchFamily="49" charset="0"/>
+              </a:rPr>
+              <a:t>;</a:t>
+            </a:r>
+          </a:p>
+          <a:p>
+            <a:endParaRPr lang="en-US" b="0" dirty="0">
+              <a:solidFill>
+                <a:srgbClr val="FFA759"/>
+              </a:solidFill>
+              <a:effectLst/>
+              <a:latin typeface="Consolas" panose="020B0609020204030204" pitchFamily="49" charset="0"/>
+            </a:endParaRPr>
+          </a:p>
+          <a:p>
+            <a:r>
+              <a:rPr lang="en-US" b="0" dirty="0">
+                <a:solidFill>
+                  <a:srgbClr val="FFA759"/>
+                </a:solidFill>
+                <a:effectLst/>
+                <a:latin typeface="Consolas" panose="020B0609020204030204" pitchFamily="49" charset="0"/>
+              </a:rPr>
+              <a:t>// </a:t>
+            </a:r>
+            <a:r>
+              <a:rPr lang="en-US" b="0" dirty="0" err="1">
+                <a:solidFill>
+                  <a:srgbClr val="FFA759"/>
+                </a:solidFill>
+                <a:effectLst/>
+                <a:latin typeface="Consolas" panose="020B0609020204030204" pitchFamily="49" charset="0"/>
+              </a:rPr>
+              <a:t>Deklarirame</a:t>
+            </a:r>
+            <a:r>
+              <a:rPr lang="en-US" b="0" dirty="0">
+                <a:solidFill>
+                  <a:srgbClr val="FFA759"/>
+                </a:solidFill>
+                <a:effectLst/>
+                <a:latin typeface="Consolas" panose="020B0609020204030204" pitchFamily="49" charset="0"/>
+              </a:rPr>
+              <a:t> nova </a:t>
+            </a:r>
+            <a:r>
+              <a:rPr lang="en-US" b="0" dirty="0" err="1">
+                <a:solidFill>
+                  <a:srgbClr val="FFA759"/>
+                </a:solidFill>
+                <a:effectLst/>
+                <a:latin typeface="Consolas" panose="020B0609020204030204" pitchFamily="49" charset="0"/>
+              </a:rPr>
+              <a:t>niza</a:t>
+            </a:r>
+            <a:endParaRPr lang="en-US" b="0" dirty="0">
+              <a:solidFill>
+                <a:srgbClr val="FFA759"/>
+              </a:solidFill>
+              <a:effectLst/>
+              <a:latin typeface="Consolas" panose="020B0609020204030204" pitchFamily="49" charset="0"/>
+            </a:endParaRPr>
+          </a:p>
+          <a:p>
+            <a:r>
+              <a:rPr lang="en-US" b="0" dirty="0">
+                <a:solidFill>
+                  <a:srgbClr val="FFA759"/>
+                </a:solidFill>
+                <a:effectLst/>
+                <a:latin typeface="Consolas" panose="020B0609020204030204" pitchFamily="49" charset="0"/>
+              </a:rPr>
+              <a:t>int </a:t>
+            </a:r>
+            <a:r>
+              <a:rPr lang="en-US" b="0" dirty="0" err="1">
+                <a:solidFill>
+                  <a:srgbClr val="FFA759"/>
+                </a:solidFill>
+                <a:effectLst/>
+                <a:latin typeface="Consolas" panose="020B0609020204030204" pitchFamily="49" charset="0"/>
+              </a:rPr>
+              <a:t>niza</a:t>
+            </a:r>
+            <a:r>
+              <a:rPr lang="en-US" b="0" dirty="0">
+                <a:solidFill>
+                  <a:srgbClr val="FFA759"/>
+                </a:solidFill>
+                <a:effectLst/>
+                <a:latin typeface="Consolas" panose="020B0609020204030204" pitchFamily="49" charset="0"/>
+              </a:rPr>
+              <a:t>[</a:t>
+            </a:r>
+            <a:r>
+              <a:rPr lang="en-US" b="0" dirty="0" err="1">
+                <a:solidFill>
+                  <a:srgbClr val="FFA759"/>
+                </a:solidFill>
+                <a:effectLst/>
+                <a:latin typeface="Consolas" panose="020B0609020204030204" pitchFamily="49" charset="0"/>
+              </a:rPr>
+              <a:t>golemina_na_niza</a:t>
+            </a:r>
+            <a:r>
+              <a:rPr lang="en-US" b="0" dirty="0">
+                <a:solidFill>
+                  <a:srgbClr val="FFA759"/>
+                </a:solidFill>
+                <a:effectLst/>
+                <a:latin typeface="Consolas" panose="020B0609020204030204" pitchFamily="49" charset="0"/>
+              </a:rPr>
+              <a:t>];</a:t>
+            </a:r>
+          </a:p>
+          <a:p>
+            <a:endParaRPr lang="en-US" b="0" dirty="0">
+              <a:solidFill>
+                <a:srgbClr val="FFA759"/>
+              </a:solidFill>
+              <a:effectLst/>
+              <a:latin typeface="Consolas" panose="020B0609020204030204" pitchFamily="49" charset="0"/>
+            </a:endParaRPr>
+          </a:p>
+          <a:p>
+            <a:r>
+              <a:rPr lang="en-US" b="0" dirty="0">
+                <a:solidFill>
+                  <a:srgbClr val="FFA759"/>
+                </a:solidFill>
+                <a:effectLst/>
+                <a:latin typeface="Consolas" panose="020B0609020204030204" pitchFamily="49" charset="0"/>
+              </a:rPr>
+              <a:t>// Ja </a:t>
+            </a:r>
+            <a:r>
+              <a:rPr lang="en-US" b="0" dirty="0" err="1">
+                <a:solidFill>
+                  <a:srgbClr val="FFA759"/>
+                </a:solidFill>
+                <a:effectLst/>
+                <a:latin typeface="Consolas" panose="020B0609020204030204" pitchFamily="49" charset="0"/>
+              </a:rPr>
+              <a:t>popolnuvame</a:t>
+            </a:r>
+            <a:r>
+              <a:rPr lang="en-US" b="0" dirty="0">
+                <a:solidFill>
+                  <a:srgbClr val="FFA759"/>
+                </a:solidFill>
+                <a:effectLst/>
+                <a:latin typeface="Consolas" panose="020B0609020204030204" pitchFamily="49" charset="0"/>
+              </a:rPr>
+              <a:t> </a:t>
+            </a:r>
+            <a:r>
+              <a:rPr lang="en-US" b="0" dirty="0" err="1">
+                <a:solidFill>
+                  <a:srgbClr val="FFA759"/>
+                </a:solidFill>
+                <a:effectLst/>
+                <a:latin typeface="Consolas" panose="020B0609020204030204" pitchFamily="49" charset="0"/>
+              </a:rPr>
+              <a:t>nizata</a:t>
+            </a:r>
+            <a:endParaRPr lang="en-US" b="0" dirty="0">
+              <a:solidFill>
+                <a:srgbClr val="FFA759"/>
+              </a:solidFill>
+              <a:effectLst/>
+              <a:latin typeface="Consolas" panose="020B0609020204030204" pitchFamily="49" charset="0"/>
+            </a:endParaRPr>
+          </a:p>
+          <a:p>
+            <a:r>
+              <a:rPr lang="en-US" b="0" dirty="0">
+                <a:solidFill>
+                  <a:srgbClr val="FFA759"/>
+                </a:solidFill>
+                <a:effectLst/>
+                <a:latin typeface="Consolas" panose="020B0609020204030204" pitchFamily="49" charset="0"/>
+              </a:rPr>
+              <a:t>for (int </a:t>
+            </a:r>
+            <a:r>
+              <a:rPr lang="en-US" b="0" dirty="0" err="1">
+                <a:solidFill>
+                  <a:srgbClr val="FFA759"/>
+                </a:solidFill>
+                <a:effectLst/>
+                <a:latin typeface="Consolas" panose="020B0609020204030204" pitchFamily="49" charset="0"/>
+              </a:rPr>
+              <a:t>i</a:t>
+            </a:r>
+            <a:r>
+              <a:rPr lang="en-US" b="0" dirty="0">
+                <a:solidFill>
+                  <a:srgbClr val="FFA759"/>
+                </a:solidFill>
+                <a:effectLst/>
+                <a:latin typeface="Consolas" panose="020B0609020204030204" pitchFamily="49" charset="0"/>
+              </a:rPr>
+              <a:t> = 0; </a:t>
+            </a:r>
+            <a:r>
+              <a:rPr lang="en-US" b="0" dirty="0" err="1">
+                <a:solidFill>
+                  <a:srgbClr val="FFA759"/>
+                </a:solidFill>
+                <a:effectLst/>
+                <a:latin typeface="Consolas" panose="020B0609020204030204" pitchFamily="49" charset="0"/>
+              </a:rPr>
+              <a:t>i</a:t>
+            </a:r>
+            <a:r>
+              <a:rPr lang="en-US" b="0" dirty="0">
+                <a:solidFill>
+                  <a:srgbClr val="FFA759"/>
+                </a:solidFill>
+                <a:effectLst/>
+                <a:latin typeface="Consolas" panose="020B0609020204030204" pitchFamily="49" charset="0"/>
+              </a:rPr>
+              <a:t> &lt; </a:t>
+            </a:r>
+            <a:r>
+              <a:rPr lang="en-US" b="0" dirty="0" err="1">
+                <a:solidFill>
+                  <a:srgbClr val="FFA759"/>
+                </a:solidFill>
+                <a:effectLst/>
+                <a:latin typeface="Consolas" panose="020B0609020204030204" pitchFamily="49" charset="0"/>
+              </a:rPr>
+              <a:t>golemina_na_niza</a:t>
+            </a:r>
+            <a:r>
+              <a:rPr lang="en-US" b="0" dirty="0">
+                <a:solidFill>
+                  <a:srgbClr val="FFA759"/>
+                </a:solidFill>
+                <a:effectLst/>
+                <a:latin typeface="Consolas" panose="020B0609020204030204" pitchFamily="49" charset="0"/>
+              </a:rPr>
+              <a:t>; </a:t>
+            </a:r>
+            <a:r>
+              <a:rPr lang="en-US" b="0" dirty="0" err="1">
+                <a:solidFill>
+                  <a:srgbClr val="FFA759"/>
+                </a:solidFill>
+                <a:effectLst/>
+                <a:latin typeface="Consolas" panose="020B0609020204030204" pitchFamily="49" charset="0"/>
+              </a:rPr>
+              <a:t>i</a:t>
+            </a:r>
+            <a:r>
+              <a:rPr lang="en-US" b="0" dirty="0">
+                <a:solidFill>
+                  <a:srgbClr val="FFA759"/>
+                </a:solidFill>
+                <a:effectLst/>
+                <a:latin typeface="Consolas" panose="020B0609020204030204" pitchFamily="49" charset="0"/>
+              </a:rPr>
+              <a:t>++)</a:t>
+            </a:r>
+          </a:p>
+          <a:p>
+            <a:r>
+              <a:rPr lang="en-US" b="0" dirty="0">
+                <a:solidFill>
+                  <a:srgbClr val="FFA759"/>
+                </a:solidFill>
+                <a:effectLst/>
+                <a:latin typeface="Consolas" panose="020B0609020204030204" pitchFamily="49" charset="0"/>
+              </a:rPr>
+              <a:t>{</a:t>
+            </a:r>
+          </a:p>
+          <a:p>
+            <a:r>
+              <a:rPr lang="en-US" b="0" dirty="0">
+                <a:solidFill>
+                  <a:srgbClr val="FFA759"/>
+                </a:solidFill>
+                <a:effectLst/>
+                <a:latin typeface="Consolas" panose="020B0609020204030204" pitchFamily="49" charset="0"/>
+              </a:rPr>
+              <a:t>  </a:t>
+            </a:r>
+            <a:r>
+              <a:rPr lang="en-US" b="0" dirty="0" err="1">
+                <a:solidFill>
+                  <a:srgbClr val="FFA759"/>
+                </a:solidFill>
+                <a:effectLst/>
+                <a:latin typeface="Consolas" panose="020B0609020204030204" pitchFamily="49" charset="0"/>
+              </a:rPr>
+              <a:t>cout</a:t>
+            </a:r>
+            <a:r>
+              <a:rPr lang="en-US" b="0" dirty="0">
+                <a:solidFill>
+                  <a:srgbClr val="FFA759"/>
+                </a:solidFill>
+                <a:effectLst/>
+                <a:latin typeface="Consolas" panose="020B0609020204030204" pitchFamily="49" charset="0"/>
+              </a:rPr>
+              <a:t> &lt;&lt; "Element " &lt;&lt; </a:t>
+            </a:r>
+            <a:r>
+              <a:rPr lang="en-US" b="0" dirty="0" err="1">
+                <a:solidFill>
+                  <a:srgbClr val="FFA759"/>
+                </a:solidFill>
+                <a:effectLst/>
+                <a:latin typeface="Consolas" panose="020B0609020204030204" pitchFamily="49" charset="0"/>
+              </a:rPr>
+              <a:t>i</a:t>
+            </a:r>
+            <a:r>
+              <a:rPr lang="en-US" b="0" dirty="0">
+                <a:solidFill>
+                  <a:srgbClr val="FFA759"/>
+                </a:solidFill>
+                <a:effectLst/>
+                <a:latin typeface="Consolas" panose="020B0609020204030204" pitchFamily="49" charset="0"/>
+              </a:rPr>
+              <a:t> + 1 &lt;&lt; " ==&gt;";</a:t>
+            </a:r>
+          </a:p>
+          <a:p>
+            <a:r>
+              <a:rPr lang="en-US" b="0" dirty="0">
+                <a:solidFill>
+                  <a:srgbClr val="FFA759"/>
+                </a:solidFill>
+                <a:effectLst/>
+                <a:latin typeface="Consolas" panose="020B0609020204030204" pitchFamily="49" charset="0"/>
+              </a:rPr>
+              <a:t>  </a:t>
+            </a:r>
+            <a:r>
+              <a:rPr lang="en-US" b="0" dirty="0" err="1">
+                <a:solidFill>
+                  <a:srgbClr val="FFA759"/>
+                </a:solidFill>
+                <a:effectLst/>
+                <a:latin typeface="Consolas" panose="020B0609020204030204" pitchFamily="49" charset="0"/>
+              </a:rPr>
+              <a:t>cin</a:t>
+            </a:r>
+            <a:r>
+              <a:rPr lang="en-US" b="0" dirty="0">
+                <a:solidFill>
+                  <a:srgbClr val="FFA759"/>
+                </a:solidFill>
+                <a:effectLst/>
+                <a:latin typeface="Consolas" panose="020B0609020204030204" pitchFamily="49" charset="0"/>
+              </a:rPr>
+              <a:t> &gt;&gt; </a:t>
+            </a:r>
+            <a:r>
+              <a:rPr lang="en-US" b="0" dirty="0" err="1">
+                <a:solidFill>
+                  <a:srgbClr val="FFA759"/>
+                </a:solidFill>
+                <a:effectLst/>
+                <a:latin typeface="Consolas" panose="020B0609020204030204" pitchFamily="49" charset="0"/>
+              </a:rPr>
+              <a:t>niza</a:t>
+            </a:r>
+            <a:r>
+              <a:rPr lang="en-US" b="0" dirty="0">
+                <a:solidFill>
+                  <a:srgbClr val="FFA759"/>
+                </a:solidFill>
+                <a:effectLst/>
+                <a:latin typeface="Consolas" panose="020B0609020204030204" pitchFamily="49" charset="0"/>
+              </a:rPr>
+              <a:t>[</a:t>
+            </a:r>
+            <a:r>
+              <a:rPr lang="en-US" b="0" dirty="0" err="1">
+                <a:solidFill>
+                  <a:srgbClr val="FFA759"/>
+                </a:solidFill>
+                <a:effectLst/>
+                <a:latin typeface="Consolas" panose="020B0609020204030204" pitchFamily="49" charset="0"/>
+              </a:rPr>
+              <a:t>i</a:t>
+            </a:r>
+            <a:r>
+              <a:rPr lang="en-US" b="0" dirty="0">
+                <a:solidFill>
+                  <a:srgbClr val="FFA759"/>
+                </a:solidFill>
+                <a:effectLst/>
+                <a:latin typeface="Consolas" panose="020B0609020204030204" pitchFamily="49" charset="0"/>
+              </a:rPr>
+              <a:t>];</a:t>
+            </a:r>
+          </a:p>
+          <a:p>
+            <a:r>
+              <a:rPr lang="en-US" b="0" dirty="0">
+                <a:solidFill>
+                  <a:srgbClr val="FFA759"/>
+                </a:solidFill>
+                <a:effectLst/>
+                <a:latin typeface="Consolas" panose="020B0609020204030204" pitchFamily="49" charset="0"/>
+              </a:rPr>
+              <a:t>}</a:t>
+            </a:r>
+            <a:endParaRPr lang="mk-MK" b="0" dirty="0">
+              <a:solidFill>
+                <a:srgbClr val="FFA759"/>
+              </a:solidFill>
+              <a:effectLst/>
+              <a:latin typeface="Consolas" panose="020B0609020204030204" pitchFamily="49" charset="0"/>
+            </a:endParaRPr>
+          </a:p>
+          <a:p>
+            <a:r>
+              <a:rPr lang="en-US" b="0" dirty="0">
+                <a:solidFill>
+                  <a:srgbClr val="FFA759"/>
+                </a:solidFill>
+                <a:effectLst/>
+                <a:latin typeface="Consolas" panose="020B0609020204030204" pitchFamily="49" charset="0"/>
+              </a:rPr>
+              <a:t>// ================================================</a:t>
+            </a:r>
+          </a:p>
+          <a:p>
+            <a:r>
+              <a:rPr lang="mk-MK" dirty="0"/>
+              <a:t>// Излез</a:t>
+            </a:r>
+          </a:p>
+          <a:p>
+            <a:endParaRPr lang="mk-MK" dirty="0"/>
+          </a:p>
+          <a:p>
+            <a:r>
+              <a:rPr lang="nn-NO" dirty="0"/>
+              <a:t>Vnesete ja goleminata na nizata ==&gt;5</a:t>
+            </a:r>
+          </a:p>
+          <a:p>
+            <a:r>
+              <a:rPr lang="nn-NO" dirty="0"/>
+              <a:t>Element 1 ==&gt;13</a:t>
+            </a:r>
+          </a:p>
+          <a:p>
+            <a:r>
+              <a:rPr lang="nn-NO" dirty="0"/>
+              <a:t>Element 2 ==&gt;24</a:t>
+            </a:r>
+          </a:p>
+          <a:p>
+            <a:r>
+              <a:rPr lang="nn-NO" dirty="0"/>
+              <a:t>Element 3 ==&gt;48</a:t>
+            </a:r>
+          </a:p>
+          <a:p>
+            <a:r>
+              <a:rPr lang="nn-NO" dirty="0"/>
+              <a:t>Element 4 ==&gt;8</a:t>
+            </a:r>
+          </a:p>
+          <a:p>
+            <a:r>
+              <a:rPr lang="nn-NO" dirty="0"/>
+              <a:t>Element 5 ==&gt;15</a:t>
+            </a:r>
+            <a:endParaRPr lang="mk-MK" dirty="0"/>
+          </a:p>
+        </p:txBody>
+      </p:sp>
+      <p:sp>
+        <p:nvSpPr>
+          <p:cNvPr id="4" name="Slide Number Placeholder 3"/>
+          <p:cNvSpPr>
+            <a:spLocks noGrp="1"/>
+          </p:cNvSpPr>
+          <p:nvPr>
+            <p:ph type="sldNum" sz="quarter" idx="5"/>
+          </p:nvPr>
+        </p:nvSpPr>
+        <p:spPr/>
+        <p:txBody>
+          <a:bodyPr/>
+          <a:lstStyle/>
+          <a:p>
+            <a:fld id="{927A7433-3D10-4FDD-9EF2-B174CF946C18}" type="slidenum">
+              <a:rPr lang="en-US" smtClean="0"/>
+              <a:t>8</a:t>
+            </a:fld>
+            <a:endParaRPr lang="en-US"/>
+          </a:p>
+        </p:txBody>
+      </p:sp>
+    </p:spTree>
+    <p:extLst>
+      <p:ext uri="{BB962C8B-B14F-4D97-AF65-F5344CB8AC3E}">
+        <p14:creationId xmlns:p14="http://schemas.microsoft.com/office/powerpoint/2010/main" val="3024296259"/>
+      </p:ext>
+    </p:extLst>
+  </p:cSld>
+  <p:clrMapOvr>
+    <a:masterClrMapping/>
+  </p:clrMapOvr>
+</p:notes>
+</file>
+
+<file path=ppt/notesSlides/notesSlide6.xml><?xml version="1.0" encoding="utf-8"?>
+<p:notes xmlns:a="http://schemas.openxmlformats.org/drawingml/2006/main" xmlns:r="http://schemas.openxmlformats.org/officeDocument/2006/relationships" xmlns:p="http://schemas.openxmlformats.org/presentationml/2006/main">
+  <p:cSld>
+    <p:spTree>
+      <p:nvGrpSpPr>
+        <p:cNvPr id="1" name=""/>
+        <p:cNvGrpSpPr/>
+        <p:nvPr/>
+      </p:nvGrpSpPr>
+      <p:grpSpPr>
+        <a:xfrm>
+          <a:off x="0" y="0"/>
+          <a:ext cx="0" cy="0"/>
+          <a:chOff x="0" y="0"/>
+          <a:chExt cx="0" cy="0"/>
+        </a:xfrm>
+      </p:grpSpPr>
+      <p:sp>
+        <p:nvSpPr>
+          <p:cNvPr id="2" name="Slide Image Placeholder 1"/>
+          <p:cNvSpPr>
+            <a:spLocks noGrp="1" noRot="1" noChangeAspect="1"/>
+          </p:cNvSpPr>
+          <p:nvPr>
+            <p:ph type="sldImg"/>
+          </p:nvPr>
+        </p:nvSpPr>
+        <p:spPr/>
+      </p:sp>
+      <p:sp>
+        <p:nvSpPr>
+          <p:cNvPr id="3" name="Notes Placeholder 2"/>
+          <p:cNvSpPr>
+            <a:spLocks noGrp="1"/>
+          </p:cNvSpPr>
+          <p:nvPr>
+            <p:ph type="body" idx="1"/>
+          </p:nvPr>
+        </p:nvSpPr>
+        <p:spPr/>
+        <p:txBody>
+          <a:bodyPr/>
+          <a:lstStyle/>
+          <a:p>
+            <a:r>
+              <a:rPr lang="en-US" dirty="0"/>
+              <a:t>#include &lt;iostream&gt;</a:t>
+            </a:r>
+          </a:p>
+          <a:p>
+            <a:endParaRPr lang="en-US" dirty="0"/>
+          </a:p>
+          <a:p>
+            <a:r>
+              <a:rPr lang="en-US" dirty="0"/>
+              <a:t>using namespace std;</a:t>
+            </a:r>
+          </a:p>
+          <a:p>
+            <a:endParaRPr lang="en-US" dirty="0"/>
+          </a:p>
+          <a:p>
+            <a:r>
+              <a:rPr lang="en-US" dirty="0"/>
+              <a:t>int main()</a:t>
+            </a:r>
+          </a:p>
+          <a:p>
+            <a:r>
+              <a:rPr lang="en-US" dirty="0"/>
+              <a:t>{</a:t>
+            </a:r>
+          </a:p>
+          <a:p>
+            <a:r>
+              <a:rPr lang="en-US" dirty="0"/>
+              <a:t>  string </a:t>
+            </a:r>
+            <a:r>
+              <a:rPr lang="en-US" dirty="0" err="1"/>
+              <a:t>izrabotile</a:t>
+            </a:r>
+            <a:r>
+              <a:rPr lang="en-US" dirty="0"/>
+              <a:t>[] = {"David Anastasov",</a:t>
+            </a:r>
+          </a:p>
+          <a:p>
+            <a:r>
+              <a:rPr lang="en-US" dirty="0"/>
+              <a:t>                         "Darko </a:t>
+            </a:r>
+            <a:r>
+              <a:rPr lang="en-US" dirty="0" err="1"/>
+              <a:t>Vanevski</a:t>
+            </a:r>
+            <a:r>
+              <a:rPr lang="en-US" dirty="0"/>
+              <a:t>",</a:t>
+            </a:r>
+          </a:p>
+          <a:p>
+            <a:r>
+              <a:rPr lang="en-US" dirty="0"/>
+              <a:t>                         "Damjan </a:t>
+            </a:r>
+            <a:r>
+              <a:rPr lang="en-US" dirty="0" err="1"/>
+              <a:t>Kaloshev</a:t>
+            </a:r>
+            <a:r>
+              <a:rPr lang="en-US" dirty="0"/>
+              <a:t>",</a:t>
+            </a:r>
+          </a:p>
+          <a:p>
+            <a:r>
+              <a:rPr lang="en-US" dirty="0"/>
+              <a:t>                         "Aleksandar </a:t>
+            </a:r>
+            <a:r>
+              <a:rPr lang="en-US" dirty="0" err="1"/>
+              <a:t>Zafirovski</a:t>
+            </a:r>
+            <a:r>
+              <a:rPr lang="en-US" dirty="0"/>
+              <a:t>",</a:t>
+            </a:r>
+          </a:p>
+          <a:p>
+            <a:r>
+              <a:rPr lang="en-US" dirty="0"/>
+              <a:t>                         "Enes </a:t>
+            </a:r>
+            <a:r>
+              <a:rPr lang="en-US" dirty="0" err="1"/>
+              <a:t>Demirovikj</a:t>
+            </a:r>
+            <a:r>
+              <a:rPr lang="en-US" dirty="0"/>
+              <a:t>"};</a:t>
+            </a:r>
+          </a:p>
+          <a:p>
+            <a:endParaRPr lang="en-US" dirty="0"/>
+          </a:p>
+          <a:p>
+            <a:r>
+              <a:rPr lang="en-US" dirty="0"/>
+              <a:t>  </a:t>
+            </a:r>
+            <a:r>
+              <a:rPr lang="en-US" dirty="0" err="1"/>
+              <a:t>cout</a:t>
+            </a:r>
+            <a:r>
+              <a:rPr lang="en-US" dirty="0"/>
+              <a:t> &lt;&lt; "</a:t>
+            </a:r>
+            <a:r>
+              <a:rPr lang="en-US" dirty="0" err="1"/>
+              <a:t>Izrabotile</a:t>
+            </a:r>
+            <a:r>
+              <a:rPr lang="en-US" dirty="0"/>
+              <a:t>:" &lt;&lt; </a:t>
+            </a:r>
+            <a:r>
+              <a:rPr lang="en-US" dirty="0" err="1"/>
+              <a:t>endl</a:t>
+            </a:r>
+            <a:r>
+              <a:rPr lang="en-US" dirty="0"/>
+              <a:t>;</a:t>
+            </a:r>
+          </a:p>
+          <a:p>
+            <a:r>
+              <a:rPr lang="en-US" dirty="0"/>
+              <a:t>  </a:t>
+            </a:r>
+            <a:r>
+              <a:rPr lang="en-US" dirty="0" err="1"/>
+              <a:t>cout</a:t>
+            </a:r>
+            <a:r>
+              <a:rPr lang="en-US" dirty="0"/>
+              <a:t> &lt;&lt; "------------" &lt;&lt; </a:t>
+            </a:r>
+            <a:r>
+              <a:rPr lang="en-US" dirty="0" err="1"/>
+              <a:t>endl</a:t>
+            </a:r>
+            <a:r>
+              <a:rPr lang="en-US" dirty="0"/>
+              <a:t>;</a:t>
+            </a:r>
+          </a:p>
+          <a:p>
+            <a:r>
+              <a:rPr lang="en-US" dirty="0"/>
+              <a:t>  </a:t>
+            </a:r>
+          </a:p>
+          <a:p>
+            <a:r>
+              <a:rPr lang="en-US" dirty="0"/>
+              <a:t>  for (int </a:t>
+            </a:r>
+            <a:r>
+              <a:rPr lang="en-US" dirty="0" err="1"/>
+              <a:t>i</a:t>
+            </a:r>
+            <a:r>
+              <a:rPr lang="en-US" dirty="0"/>
+              <a:t> = 0; </a:t>
+            </a:r>
+            <a:r>
+              <a:rPr lang="en-US" dirty="0" err="1"/>
+              <a:t>i</a:t>
+            </a:r>
+            <a:r>
+              <a:rPr lang="en-US" dirty="0"/>
+              <a:t> &lt; 5; </a:t>
+            </a:r>
+            <a:r>
+              <a:rPr lang="en-US" dirty="0" err="1"/>
+              <a:t>i</a:t>
+            </a:r>
+            <a:r>
+              <a:rPr lang="en-US" dirty="0"/>
+              <a:t>++)</a:t>
+            </a:r>
+          </a:p>
+          <a:p>
+            <a:r>
+              <a:rPr lang="en-US" dirty="0"/>
+              <a:t>  {</a:t>
+            </a:r>
+          </a:p>
+          <a:p>
+            <a:r>
+              <a:rPr lang="en-US" dirty="0"/>
+              <a:t>    </a:t>
+            </a:r>
+            <a:r>
+              <a:rPr lang="en-US" dirty="0" err="1"/>
+              <a:t>cout</a:t>
+            </a:r>
+            <a:r>
+              <a:rPr lang="en-US" dirty="0"/>
+              <a:t> &lt;&lt; </a:t>
+            </a:r>
+            <a:r>
+              <a:rPr lang="en-US" dirty="0" err="1"/>
+              <a:t>izrabotile</a:t>
+            </a:r>
+            <a:r>
+              <a:rPr lang="en-US" dirty="0"/>
+              <a:t>[</a:t>
+            </a:r>
+            <a:r>
+              <a:rPr lang="en-US" dirty="0" err="1"/>
+              <a:t>i</a:t>
+            </a:r>
+            <a:r>
+              <a:rPr lang="en-US" dirty="0"/>
+              <a:t>] &lt;&lt; </a:t>
+            </a:r>
+            <a:r>
+              <a:rPr lang="en-US" dirty="0" err="1"/>
+              <a:t>endl</a:t>
+            </a:r>
+            <a:r>
+              <a:rPr lang="en-US" dirty="0"/>
+              <a:t>;</a:t>
+            </a:r>
+          </a:p>
+          <a:p>
+            <a:r>
+              <a:rPr lang="en-US" dirty="0"/>
+              <a:t>  }</a:t>
+            </a:r>
+          </a:p>
+          <a:p>
+            <a:endParaRPr lang="en-US" dirty="0"/>
+          </a:p>
+          <a:p>
+            <a:r>
+              <a:rPr lang="en-US" dirty="0"/>
+              <a:t>  return 0;</a:t>
+            </a:r>
+          </a:p>
+          <a:p>
+            <a:r>
+              <a:rPr lang="en-US" dirty="0"/>
+              <a:t>}</a:t>
+            </a:r>
+          </a:p>
+        </p:txBody>
+      </p:sp>
+      <p:sp>
+        <p:nvSpPr>
+          <p:cNvPr id="4" name="Slide Number Placeholder 3"/>
+          <p:cNvSpPr>
+            <a:spLocks noGrp="1"/>
+          </p:cNvSpPr>
+          <p:nvPr>
+            <p:ph type="sldNum" sz="quarter" idx="5"/>
+          </p:nvPr>
+        </p:nvSpPr>
+        <p:spPr/>
+        <p:txBody>
+          <a:bodyPr/>
+          <a:lstStyle/>
+          <a:p>
+            <a:fld id="{927A7433-3D10-4FDD-9EF2-B174CF946C18}" type="slidenum">
+              <a:rPr lang="en-US" smtClean="0"/>
+              <a:t>13</a:t>
+            </a:fld>
+            <a:endParaRPr lang="en-US"/>
+          </a:p>
+        </p:txBody>
+      </p:sp>
+    </p:spTree>
+    <p:extLst>
+      <p:ext uri="{BB962C8B-B14F-4D97-AF65-F5344CB8AC3E}">
+        <p14:creationId xmlns:p14="http://schemas.microsoft.com/office/powerpoint/2010/main" val="4147806533"/>
+      </p:ext>
+    </p:extLst>
+  </p:cSld>
+  <p:clrMapOvr>
+    <a:masterClrMapping/>
+  </p:clrMapOvr>
+</p:notes>
+</file>
+
 <file path=ppt/slideLayouts/slideLayout1.xml><?xml version="1.0" encoding="utf-8"?>
 <p:sldLayout xmlns:a="http://schemas.openxmlformats.org/drawingml/2006/main" xmlns:r="http://schemas.openxmlformats.org/officeDocument/2006/relationships" xmlns:p="http://schemas.openxmlformats.org/presentationml/2006/main" type="title" preserve="1">
   <p:cSld name="Title Slide">
@@ -276,7 +2306,7 @@
           <a:p>
             <a:fld id="{02AC24A9-CCB6-4F8D-B8DB-C2F3692CFA5A}" type="datetimeFigureOut">
               <a:rPr lang="en-US" smtClean="0"/>
-              <a:t>10/25/2020</a:t>
+              <a:t>10/26/2020</a:t>
             </a:fld>
             <a:endParaRPr lang="en-US" dirty="0"/>
           </a:p>
@@ -646,7 +2676,7 @@
           <a:p>
             <a:fld id="{02AC24A9-CCB6-4F8D-B8DB-C2F3692CFA5A}" type="datetimeFigureOut">
               <a:rPr lang="en-US" smtClean="0"/>
-              <a:t>10/25/2020</a:t>
+              <a:t>10/26/2020</a:t>
             </a:fld>
             <a:endParaRPr lang="en-US"/>
           </a:p>
@@ -855,7 +2885,7 @@
           <a:p>
             <a:fld id="{02AC24A9-CCB6-4F8D-B8DB-C2F3692CFA5A}" type="datetimeFigureOut">
               <a:rPr lang="en-US" smtClean="0"/>
-              <a:t>10/25/2020</a:t>
+              <a:t>10/26/2020</a:t>
             </a:fld>
             <a:endParaRPr lang="en-US"/>
           </a:p>
@@ -1325,7 +3355,7 @@
           <a:p>
             <a:fld id="{02AC24A9-CCB6-4F8D-B8DB-C2F3692CFA5A}" type="datetimeFigureOut">
               <a:rPr lang="en-US" smtClean="0"/>
-              <a:t>10/25/2020</a:t>
+              <a:t>10/26/2020</a:t>
             </a:fld>
             <a:endParaRPr lang="en-US"/>
           </a:p>
@@ -1779,7 +3809,7 @@
           <a:p>
             <a:fld id="{02AC24A9-CCB6-4F8D-B8DB-C2F3692CFA5A}" type="datetimeFigureOut">
               <a:rPr lang="en-US" smtClean="0"/>
-              <a:t>10/25/2020</a:t>
+              <a:t>10/26/2020</a:t>
             </a:fld>
             <a:endParaRPr lang="en-US"/>
           </a:p>
@@ -2311,7 +4341,7 @@
           <a:p>
             <a:fld id="{02AC24A9-CCB6-4F8D-B8DB-C2F3692CFA5A}" type="datetimeFigureOut">
               <a:rPr lang="en-US" smtClean="0"/>
-              <a:t>10/25/2020</a:t>
+              <a:t>10/26/2020</a:t>
             </a:fld>
             <a:endParaRPr lang="en-US"/>
           </a:p>
@@ -3010,7 +5040,7 @@
           <a:p>
             <a:fld id="{02AC24A9-CCB6-4F8D-B8DB-C2F3692CFA5A}" type="datetimeFigureOut">
               <a:rPr lang="en-US" smtClean="0"/>
-              <a:t>10/25/2020</a:t>
+              <a:t>10/26/2020</a:t>
             </a:fld>
             <a:endParaRPr lang="en-US"/>
           </a:p>
@@ -3339,7 +5369,7 @@
           <a:p>
             <a:fld id="{02AC24A9-CCB6-4F8D-B8DB-C2F3692CFA5A}" type="datetimeFigureOut">
               <a:rPr lang="en-US" smtClean="0"/>
-              <a:t>10/25/2020</a:t>
+              <a:t>10/26/2020</a:t>
             </a:fld>
             <a:endParaRPr lang="en-US"/>
           </a:p>
@@ -3452,7 +5482,7 @@
           <a:p>
             <a:fld id="{02AC24A9-CCB6-4F8D-B8DB-C2F3692CFA5A}" type="datetimeFigureOut">
               <a:rPr lang="en-US" smtClean="0"/>
-              <a:t>10/25/2020</a:t>
+              <a:t>10/26/2020</a:t>
             </a:fld>
             <a:endParaRPr lang="en-US"/>
           </a:p>
@@ -3947,7 +5977,7 @@
           <a:p>
             <a:fld id="{02AC24A9-CCB6-4F8D-B8DB-C2F3692CFA5A}" type="datetimeFigureOut">
               <a:rPr lang="en-US" smtClean="0"/>
-              <a:t>10/25/2020</a:t>
+              <a:t>10/26/2020</a:t>
             </a:fld>
             <a:endParaRPr lang="en-US" dirty="0"/>
           </a:p>
@@ -4424,7 +6454,7 @@
           <a:p>
             <a:fld id="{02AC24A9-CCB6-4F8D-B8DB-C2F3692CFA5A}" type="datetimeFigureOut">
               <a:rPr lang="en-US" smtClean="0"/>
-              <a:t>10/25/2020</a:t>
+              <a:t>10/26/2020</a:t>
             </a:fld>
             <a:endParaRPr lang="en-US"/>
           </a:p>
@@ -4667,7 +6697,7 @@
           <a:p>
             <a:fld id="{02AC24A9-CCB6-4F8D-B8DB-C2F3692CFA5A}" type="datetimeFigureOut">
               <a:rPr lang="en-US" smtClean="0"/>
-              <a:t>10/25/2020</a:t>
+              <a:t>10/26/2020</a:t>
             </a:fld>
             <a:endParaRPr lang="en-US"/>
           </a:p>
@@ -5170,8 +7200,13 @@
           <a:p>
             <a:r>
               <a:rPr lang="mk-MK" sz="2000" dirty="0"/>
-              <a:t>Дамјан Калошев</a:t>
-            </a:r>
+              <a:t>Дамјан </a:t>
+            </a:r>
+            <a:r>
+              <a:rPr lang="mk-MK" sz="2000" dirty="0" err="1"/>
+              <a:t>Калошев</a:t>
+            </a:r>
+            <a:endParaRPr lang="mk-MK" sz="2000" dirty="0"/>
           </a:p>
           <a:p>
             <a:r>
@@ -5267,6 +7302,898 @@
     <p:extLst>
       <p:ext uri="{BB962C8B-B14F-4D97-AF65-F5344CB8AC3E}">
         <p14:creationId xmlns:p14="http://schemas.microsoft.com/office/powerpoint/2010/main" val="1944954745"/>
+      </p:ext>
+    </p:extLst>
+  </p:cSld>
+  <p:clrMapOvr>
+    <a:masterClrMapping/>
+  </p:clrMapOvr>
+</p:sld>
+</file>
+
+<file path=ppt/slides/slide10.xml><?xml version="1.0" encoding="utf-8"?>
+<p:sld xmlns:a="http://schemas.openxmlformats.org/drawingml/2006/main" xmlns:r="http://schemas.openxmlformats.org/officeDocument/2006/relationships" xmlns:p="http://schemas.openxmlformats.org/presentationml/2006/main">
+  <p:cSld>
+    <p:spTree>
+      <p:nvGrpSpPr>
+        <p:cNvPr id="1" name=""/>
+        <p:cNvGrpSpPr/>
+        <p:nvPr/>
+      </p:nvGrpSpPr>
+      <p:grpSpPr>
+        <a:xfrm>
+          <a:off x="0" y="0"/>
+          <a:ext cx="0" cy="0"/>
+          <a:chOff x="0" y="0"/>
+          <a:chExt cx="0" cy="0"/>
+        </a:xfrm>
+      </p:grpSpPr>
+      <p:sp>
+        <p:nvSpPr>
+          <p:cNvPr id="2" name="Title 1">
+            <a:extLst>
+              <a:ext uri="{FF2B5EF4-FFF2-40B4-BE49-F238E27FC236}">
+                <a16:creationId xmlns:a16="http://schemas.microsoft.com/office/drawing/2014/main" id="{A327AB31-560B-4E65-BF77-DC6AE6FC67C8}"/>
+              </a:ext>
+            </a:extLst>
+          </p:cNvPr>
+          <p:cNvSpPr>
+            <a:spLocks noGrp="1"/>
+          </p:cNvSpPr>
+          <p:nvPr>
+            <p:ph type="title"/>
+          </p:nvPr>
+        </p:nvSpPr>
+        <p:spPr/>
+        <p:txBody>
+          <a:bodyPr/>
+          <a:lstStyle/>
+          <a:p>
+            <a:r>
+              <a:rPr lang="mk-MK" dirty="0"/>
+              <a:t>Зошто низи?</a:t>
+            </a:r>
+            <a:endParaRPr lang="en-US" dirty="0"/>
+          </a:p>
+        </p:txBody>
+      </p:sp>
+      <p:sp>
+        <p:nvSpPr>
+          <p:cNvPr id="3" name="Content Placeholder 2">
+            <a:extLst>
+              <a:ext uri="{FF2B5EF4-FFF2-40B4-BE49-F238E27FC236}">
+                <a16:creationId xmlns:a16="http://schemas.microsoft.com/office/drawing/2014/main" id="{5112C568-C3A8-48B0-81D1-E5AE2D26C5D7}"/>
+              </a:ext>
+            </a:extLst>
+          </p:cNvPr>
+          <p:cNvSpPr>
+            <a:spLocks noGrp="1"/>
+          </p:cNvSpPr>
+          <p:nvPr>
+            <p:ph idx="1"/>
+          </p:nvPr>
+        </p:nvSpPr>
+        <p:spPr/>
+        <p:txBody>
+          <a:bodyPr/>
+          <a:lstStyle/>
+          <a:p>
+            <a:r>
+              <a:rPr lang="mk-MK" b="1" dirty="0"/>
+              <a:t>Пр: </a:t>
+            </a:r>
+            <a:r>
+              <a:rPr lang="ru-RU" dirty="0"/>
+              <a:t>Сакаме да напишеме програма во која ќе </a:t>
+            </a:r>
+            <a:r>
+              <a:rPr lang="mk-MK" dirty="0"/>
+              <a:t>можеме</a:t>
+            </a:r>
+            <a:r>
+              <a:rPr lang="ru-RU" dirty="0"/>
+              <a:t> да внесеме 1000 броеви од тастатурата (еден по еден) и да ги испечатиме во обратен редослед</a:t>
+            </a:r>
+          </a:p>
+        </p:txBody>
+      </p:sp>
+    </p:spTree>
+    <p:extLst>
+      <p:ext uri="{BB962C8B-B14F-4D97-AF65-F5344CB8AC3E}">
+        <p14:creationId xmlns:p14="http://schemas.microsoft.com/office/powerpoint/2010/main" val="2329020624"/>
+      </p:ext>
+    </p:extLst>
+  </p:cSld>
+  <p:clrMapOvr>
+    <a:masterClrMapping/>
+  </p:clrMapOvr>
+</p:sld>
+</file>
+
+<file path=ppt/slides/slide11.xml><?xml version="1.0" encoding="utf-8"?>
+<p:sld xmlns:a="http://schemas.openxmlformats.org/drawingml/2006/main" xmlns:r="http://schemas.openxmlformats.org/officeDocument/2006/relationships" xmlns:p="http://schemas.openxmlformats.org/presentationml/2006/main">
+  <p:cSld>
+    <p:spTree>
+      <p:nvGrpSpPr>
+        <p:cNvPr id="1" name=""/>
+        <p:cNvGrpSpPr/>
+        <p:nvPr/>
+      </p:nvGrpSpPr>
+      <p:grpSpPr>
+        <a:xfrm>
+          <a:off x="0" y="0"/>
+          <a:ext cx="0" cy="0"/>
+          <a:chOff x="0" y="0"/>
+          <a:chExt cx="0" cy="0"/>
+        </a:xfrm>
+      </p:grpSpPr>
+      <p:sp>
+        <p:nvSpPr>
+          <p:cNvPr id="2" name="Title 1">
+            <a:extLst>
+              <a:ext uri="{FF2B5EF4-FFF2-40B4-BE49-F238E27FC236}">
+                <a16:creationId xmlns:a16="http://schemas.microsoft.com/office/drawing/2014/main" id="{A327AB31-560B-4E65-BF77-DC6AE6FC67C8}"/>
+              </a:ext>
+            </a:extLst>
+          </p:cNvPr>
+          <p:cNvSpPr>
+            <a:spLocks noGrp="1"/>
+          </p:cNvSpPr>
+          <p:nvPr>
+            <p:ph type="title"/>
+          </p:nvPr>
+        </p:nvSpPr>
+        <p:spPr/>
+        <p:txBody>
+          <a:bodyPr>
+            <a:normAutofit/>
+          </a:bodyPr>
+          <a:lstStyle/>
+          <a:p>
+            <a:r>
+              <a:rPr lang="mk-MK" sz="2400" b="1" dirty="0"/>
+              <a:t>Пр: </a:t>
+            </a:r>
+            <a:r>
+              <a:rPr lang="ru-RU" sz="2400" b="0" dirty="0"/>
+              <a:t>Сакаме да напишеме програма во која ќе </a:t>
+            </a:r>
+            <a:r>
+              <a:rPr lang="mk-MK" sz="2400" b="0" dirty="0"/>
+              <a:t>можеме</a:t>
+            </a:r>
+            <a:r>
+              <a:rPr lang="ru-RU" sz="2400" b="0" dirty="0"/>
+              <a:t> да внесеме 1000 броеви од тастатурата (еден по еден) и да ги испечатиме во обратен редослед</a:t>
+            </a:r>
+          </a:p>
+        </p:txBody>
+      </p:sp>
+      <p:pic>
+        <p:nvPicPr>
+          <p:cNvPr id="11" name="Picture 10">
+            <a:extLst>
+              <a:ext uri="{FF2B5EF4-FFF2-40B4-BE49-F238E27FC236}">
+                <a16:creationId xmlns:a16="http://schemas.microsoft.com/office/drawing/2014/main" id="{42AE24E4-B94E-4B1B-B703-EF7A657C4750}"/>
+              </a:ext>
+            </a:extLst>
+          </p:cNvPr>
+          <p:cNvPicPr>
+            <a:picLocks noChangeAspect="1"/>
+          </p:cNvPicPr>
+          <p:nvPr/>
+        </p:nvPicPr>
+        <p:blipFill rotWithShape="1">
+          <a:blip r:embed="rId2">
+            <a:extLst>
+              <a:ext uri="{28A0092B-C50C-407E-A947-70E740481C1C}">
+                <a14:useLocalDpi xmlns:a14="http://schemas.microsoft.com/office/drawing/2010/main" val="0"/>
+              </a:ext>
+            </a:extLst>
+          </a:blip>
+          <a:srcRect l="9037" t="6877" r="9117" b="6746"/>
+          <a:stretch/>
+        </p:blipFill>
+        <p:spPr>
+          <a:xfrm>
+            <a:off x="1338470" y="2146852"/>
+            <a:ext cx="3047628" cy="4297444"/>
+          </a:xfrm>
+          <a:prstGeom prst="rect">
+            <a:avLst/>
+          </a:prstGeom>
+        </p:spPr>
+      </p:pic>
+      <p:pic>
+        <p:nvPicPr>
+          <p:cNvPr id="17" name="Picture 16">
+            <a:extLst>
+              <a:ext uri="{FF2B5EF4-FFF2-40B4-BE49-F238E27FC236}">
+                <a16:creationId xmlns:a16="http://schemas.microsoft.com/office/drawing/2014/main" id="{013DC8E7-D9F3-4B5E-8EA7-7368FB65A706}"/>
+              </a:ext>
+            </a:extLst>
+          </p:cNvPr>
+          <p:cNvPicPr>
+            <a:picLocks noChangeAspect="1"/>
+          </p:cNvPicPr>
+          <p:nvPr/>
+        </p:nvPicPr>
+        <p:blipFill rotWithShape="1">
+          <a:blip r:embed="rId3">
+            <a:extLst>
+              <a:ext uri="{28A0092B-C50C-407E-A947-70E740481C1C}">
+                <a14:useLocalDpi xmlns:a14="http://schemas.microsoft.com/office/drawing/2010/main" val="0"/>
+              </a:ext>
+            </a:extLst>
+          </a:blip>
+          <a:srcRect l="8308" t="10652" r="8383" b="10808"/>
+          <a:stretch/>
+        </p:blipFill>
+        <p:spPr>
+          <a:xfrm>
+            <a:off x="5500032" y="2146852"/>
+            <a:ext cx="5783664" cy="4293592"/>
+          </a:xfrm>
+          <a:prstGeom prst="rect">
+            <a:avLst/>
+          </a:prstGeom>
+        </p:spPr>
+      </p:pic>
+      <p:sp>
+        <p:nvSpPr>
+          <p:cNvPr id="3" name="TextBox 2">
+            <a:extLst>
+              <a:ext uri="{FF2B5EF4-FFF2-40B4-BE49-F238E27FC236}">
+                <a16:creationId xmlns:a16="http://schemas.microsoft.com/office/drawing/2014/main" id="{AC821C2B-322E-4BA9-A2A0-9553DB3072AF}"/>
+              </a:ext>
+            </a:extLst>
+          </p:cNvPr>
+          <p:cNvSpPr txBox="1"/>
+          <p:nvPr/>
+        </p:nvSpPr>
+        <p:spPr>
+          <a:xfrm>
+            <a:off x="2335537" y="6440444"/>
+            <a:ext cx="1053494" cy="369332"/>
+          </a:xfrm>
+          <a:prstGeom prst="rect">
+            <a:avLst/>
+          </a:prstGeom>
+          <a:noFill/>
+        </p:spPr>
+        <p:txBody>
+          <a:bodyPr wrap="none" rtlCol="0">
+            <a:spAutoFit/>
+          </a:bodyPr>
+          <a:lstStyle/>
+          <a:p>
+            <a:r>
+              <a:rPr lang="mk-MK" dirty="0"/>
+              <a:t>Без низи</a:t>
+            </a:r>
+            <a:endParaRPr lang="en-US" dirty="0"/>
+          </a:p>
+        </p:txBody>
+      </p:sp>
+      <p:sp>
+        <p:nvSpPr>
+          <p:cNvPr id="4" name="TextBox 3">
+            <a:extLst>
+              <a:ext uri="{FF2B5EF4-FFF2-40B4-BE49-F238E27FC236}">
+                <a16:creationId xmlns:a16="http://schemas.microsoft.com/office/drawing/2014/main" id="{2AE420C5-B50F-42ED-B30A-6405F08699F9}"/>
+              </a:ext>
+            </a:extLst>
+          </p:cNvPr>
+          <p:cNvSpPr txBox="1"/>
+          <p:nvPr/>
+        </p:nvSpPr>
+        <p:spPr>
+          <a:xfrm>
+            <a:off x="7910802" y="6432463"/>
+            <a:ext cx="962123" cy="369332"/>
+          </a:xfrm>
+          <a:prstGeom prst="rect">
+            <a:avLst/>
+          </a:prstGeom>
+          <a:noFill/>
+        </p:spPr>
+        <p:txBody>
+          <a:bodyPr wrap="none" rtlCol="0">
+            <a:spAutoFit/>
+          </a:bodyPr>
+          <a:lstStyle/>
+          <a:p>
+            <a:r>
+              <a:rPr lang="mk-MK" dirty="0"/>
+              <a:t>Со низи</a:t>
+            </a:r>
+            <a:endParaRPr lang="en-US" dirty="0"/>
+          </a:p>
+        </p:txBody>
+      </p:sp>
+    </p:spTree>
+    <p:extLst>
+      <p:ext uri="{BB962C8B-B14F-4D97-AF65-F5344CB8AC3E}">
+        <p14:creationId xmlns:p14="http://schemas.microsoft.com/office/powerpoint/2010/main" val="3226674971"/>
+      </p:ext>
+    </p:extLst>
+  </p:cSld>
+  <p:clrMapOvr>
+    <a:masterClrMapping/>
+  </p:clrMapOvr>
+</p:sld>
+</file>
+
+<file path=ppt/slides/slide12.xml><?xml version="1.0" encoding="utf-8"?>
+<p:sld xmlns:a="http://schemas.openxmlformats.org/drawingml/2006/main" xmlns:r="http://schemas.openxmlformats.org/officeDocument/2006/relationships" xmlns:p="http://schemas.openxmlformats.org/presentationml/2006/main">
+  <p:cSld>
+    <p:spTree>
+      <p:nvGrpSpPr>
+        <p:cNvPr id="1" name=""/>
+        <p:cNvGrpSpPr/>
+        <p:nvPr/>
+      </p:nvGrpSpPr>
+      <p:grpSpPr>
+        <a:xfrm>
+          <a:off x="0" y="0"/>
+          <a:ext cx="0" cy="0"/>
+          <a:chOff x="0" y="0"/>
+          <a:chExt cx="0" cy="0"/>
+        </a:xfrm>
+      </p:grpSpPr>
+      <p:sp>
+        <p:nvSpPr>
+          <p:cNvPr id="2" name="Title 1">
+            <a:extLst>
+              <a:ext uri="{FF2B5EF4-FFF2-40B4-BE49-F238E27FC236}">
+                <a16:creationId xmlns:a16="http://schemas.microsoft.com/office/drawing/2014/main" id="{36C41A89-90DB-49F1-B305-566A1A339150}"/>
+              </a:ext>
+            </a:extLst>
+          </p:cNvPr>
+          <p:cNvSpPr>
+            <a:spLocks noGrp="1"/>
+          </p:cNvSpPr>
+          <p:nvPr>
+            <p:ph type="title"/>
+          </p:nvPr>
+        </p:nvSpPr>
+        <p:spPr/>
+        <p:txBody>
+          <a:bodyPr/>
+          <a:lstStyle/>
+          <a:p>
+            <a:r>
+              <a:rPr lang="en-US" dirty="0"/>
+              <a:t>TODO</a:t>
+            </a:r>
+          </a:p>
+        </p:txBody>
+      </p:sp>
+      <p:sp>
+        <p:nvSpPr>
+          <p:cNvPr id="3" name="Content Placeholder 2">
+            <a:extLst>
+              <a:ext uri="{FF2B5EF4-FFF2-40B4-BE49-F238E27FC236}">
+                <a16:creationId xmlns:a16="http://schemas.microsoft.com/office/drawing/2014/main" id="{B20F04A7-1ACC-4CDE-96BA-B903F2EB51EE}"/>
+              </a:ext>
+            </a:extLst>
+          </p:cNvPr>
+          <p:cNvSpPr>
+            <a:spLocks noGrp="1"/>
+          </p:cNvSpPr>
+          <p:nvPr>
+            <p:ph idx="1"/>
+          </p:nvPr>
+        </p:nvSpPr>
+        <p:spPr>
+          <a:xfrm>
+            <a:off x="1115568" y="2145323"/>
+            <a:ext cx="10168128" cy="4536831"/>
+          </a:xfrm>
+        </p:spPr>
+        <p:txBody>
+          <a:bodyPr>
+            <a:normAutofit fontScale="85000" lnSpcReduction="20000"/>
+          </a:bodyPr>
+          <a:lstStyle/>
+          <a:p>
+            <a:r>
+              <a:rPr lang="en-US" dirty="0" err="1"/>
+              <a:t>Nekolku</a:t>
+            </a:r>
+            <a:r>
+              <a:rPr lang="en-US" dirty="0"/>
+              <a:t> </a:t>
+            </a:r>
+            <a:r>
+              <a:rPr lang="en-US" dirty="0" err="1"/>
+              <a:t>pravila</a:t>
+            </a:r>
+            <a:r>
+              <a:rPr lang="en-US" dirty="0"/>
+              <a:t> </a:t>
+            </a:r>
+            <a:r>
+              <a:rPr lang="en-US" dirty="0" err="1"/>
+              <a:t>na</a:t>
+            </a:r>
+            <a:r>
+              <a:rPr lang="en-US" dirty="0"/>
+              <a:t> </a:t>
+            </a:r>
+            <a:r>
+              <a:rPr lang="en-US" dirty="0" err="1"/>
+              <a:t>nizite</a:t>
+            </a:r>
+            <a:endParaRPr lang="en-US" dirty="0"/>
+          </a:p>
+          <a:p>
+            <a:pPr lvl="1">
+              <a:buFont typeface="Wingdings" panose="05000000000000000000" pitchFamily="2" charset="2"/>
+              <a:buChar char="Ø"/>
+            </a:pPr>
+            <a:r>
+              <a:rPr lang="en-US" dirty="0" err="1"/>
+              <a:t>Imaat</a:t>
+            </a:r>
+            <a:r>
+              <a:rPr lang="en-US" dirty="0"/>
+              <a:t> </a:t>
+            </a:r>
+            <a:r>
+              <a:rPr lang="en-US" dirty="0" err="1"/>
+              <a:t>golemina</a:t>
+            </a:r>
+            <a:r>
+              <a:rPr lang="en-US" dirty="0"/>
+              <a:t> </a:t>
+            </a:r>
+            <a:r>
+              <a:rPr lang="en-US" dirty="0" err="1"/>
+              <a:t>koja</a:t>
+            </a:r>
+            <a:r>
+              <a:rPr lang="en-US" dirty="0"/>
+              <a:t> </a:t>
+            </a:r>
+            <a:r>
+              <a:rPr lang="en-US" dirty="0" err="1"/>
+              <a:t>sto</a:t>
+            </a:r>
+            <a:r>
+              <a:rPr lang="en-US" dirty="0"/>
+              <a:t> </a:t>
+            </a:r>
+            <a:r>
+              <a:rPr lang="en-US" dirty="0" err="1"/>
+              <a:t>nemoze</a:t>
+            </a:r>
+            <a:r>
+              <a:rPr lang="en-US" dirty="0"/>
+              <a:t> da se </a:t>
+            </a:r>
+            <a:r>
+              <a:rPr lang="en-US" dirty="0" err="1"/>
+              <a:t>izmeni</a:t>
+            </a:r>
+            <a:endParaRPr lang="mk-MK" dirty="0"/>
+          </a:p>
+          <a:p>
+            <a:pPr lvl="1">
+              <a:buFont typeface="Wingdings" panose="05000000000000000000" pitchFamily="2" charset="2"/>
+              <a:buChar char="Ø"/>
+            </a:pPr>
+            <a:r>
+              <a:rPr lang="en-US" dirty="0" err="1"/>
+              <a:t>Poradi</a:t>
+            </a:r>
+            <a:r>
+              <a:rPr lang="en-US" dirty="0"/>
+              <a:t> toa ne </a:t>
+            </a:r>
+            <a:r>
+              <a:rPr lang="en-US" dirty="0" err="1"/>
+              <a:t>mozeme</a:t>
+            </a:r>
+            <a:r>
+              <a:rPr lang="en-US" dirty="0"/>
+              <a:t> da </a:t>
+            </a:r>
+            <a:r>
+              <a:rPr lang="en-US" dirty="0" err="1"/>
+              <a:t>pristapime</a:t>
+            </a:r>
+            <a:r>
+              <a:rPr lang="en-US" dirty="0"/>
+              <a:t> </a:t>
+            </a:r>
+            <a:r>
+              <a:rPr lang="en-US" dirty="0" err="1"/>
+              <a:t>ili</a:t>
+            </a:r>
+            <a:r>
+              <a:rPr lang="en-US" dirty="0"/>
+              <a:t> </a:t>
+            </a:r>
+            <a:r>
+              <a:rPr lang="en-US" dirty="0" err="1"/>
+              <a:t>izmenime</a:t>
+            </a:r>
+            <a:r>
+              <a:rPr lang="en-US" dirty="0"/>
+              <a:t> element </a:t>
+            </a:r>
+            <a:r>
+              <a:rPr lang="en-US" dirty="0" err="1"/>
+              <a:t>koj</a:t>
+            </a:r>
+            <a:r>
+              <a:rPr lang="en-US" dirty="0"/>
+              <a:t> </a:t>
+            </a:r>
+            <a:r>
+              <a:rPr lang="en-US" dirty="0" err="1"/>
+              <a:t>sto</a:t>
+            </a:r>
+            <a:r>
+              <a:rPr lang="en-US" dirty="0"/>
+              <a:t> e </a:t>
+            </a:r>
+            <a:r>
+              <a:rPr lang="en-US" dirty="0" err="1"/>
+              <a:t>nadvor</a:t>
+            </a:r>
+            <a:r>
+              <a:rPr lang="en-US" dirty="0"/>
+              <a:t> od </a:t>
+            </a:r>
+            <a:r>
+              <a:rPr lang="en-US" dirty="0" err="1"/>
+              <a:t>goleminata</a:t>
+            </a:r>
+            <a:r>
+              <a:rPr lang="en-US" dirty="0"/>
+              <a:t> </a:t>
+            </a:r>
+            <a:r>
+              <a:rPr lang="en-US" dirty="0" err="1"/>
+              <a:t>na</a:t>
+            </a:r>
+            <a:r>
+              <a:rPr lang="en-US" dirty="0"/>
+              <a:t> </a:t>
+            </a:r>
+            <a:r>
+              <a:rPr lang="en-US" dirty="0" err="1"/>
+              <a:t>nizata</a:t>
+            </a:r>
+            <a:r>
+              <a:rPr lang="en-US" dirty="0"/>
+              <a:t>  </a:t>
+            </a:r>
+          </a:p>
+          <a:p>
+            <a:r>
+              <a:rPr lang="en-US" dirty="0" err="1"/>
+              <a:t>Dobivanje</a:t>
+            </a:r>
+            <a:r>
+              <a:rPr lang="en-US" dirty="0"/>
+              <a:t> </a:t>
+            </a:r>
+            <a:r>
+              <a:rPr lang="en-US" dirty="0" err="1"/>
+              <a:t>na</a:t>
+            </a:r>
+            <a:r>
+              <a:rPr lang="en-US" dirty="0"/>
+              <a:t> </a:t>
+            </a:r>
+            <a:r>
+              <a:rPr lang="en-US" dirty="0" err="1"/>
+              <a:t>golemina</a:t>
+            </a:r>
+            <a:r>
+              <a:rPr lang="en-US" dirty="0"/>
+              <a:t> </a:t>
+            </a:r>
+            <a:r>
+              <a:rPr lang="en-US" dirty="0" err="1"/>
+              <a:t>na</a:t>
+            </a:r>
+            <a:r>
+              <a:rPr lang="en-US" dirty="0"/>
+              <a:t> </a:t>
+            </a:r>
+            <a:r>
+              <a:rPr lang="en-US" dirty="0" err="1"/>
+              <a:t>niza</a:t>
+            </a:r>
+            <a:endParaRPr lang="en-US" dirty="0"/>
+          </a:p>
+          <a:p>
+            <a:pPr lvl="1">
+              <a:buFont typeface="Wingdings" panose="05000000000000000000" pitchFamily="2" charset="2"/>
+              <a:buChar char="Ø"/>
+            </a:pPr>
+            <a:r>
+              <a:rPr lang="en-US" dirty="0"/>
+              <a:t>size(</a:t>
+            </a:r>
+            <a:r>
+              <a:rPr lang="en-US" dirty="0" err="1"/>
+              <a:t>niza</a:t>
+            </a:r>
+            <a:r>
+              <a:rPr lang="en-US" dirty="0"/>
+              <a:t>) / size(int)</a:t>
+            </a:r>
+          </a:p>
+          <a:p>
+            <a:r>
+              <a:rPr lang="mk-MK" dirty="0"/>
+              <a:t>Зошто низи?</a:t>
+            </a:r>
+          </a:p>
+          <a:p>
+            <a:pPr lvl="1">
+              <a:buFont typeface="Wingdings" panose="05000000000000000000" pitchFamily="2" charset="2"/>
+              <a:buChar char="Ø"/>
+            </a:pPr>
+            <a:r>
+              <a:rPr lang="en-US" dirty="0">
+                <a:hlinkClick r:id="rId2"/>
+              </a:rPr>
+              <a:t>https://stackoverflow.com/questions/392397/why-do-we-use-arrays-instead-of-other-data-structures</a:t>
+            </a:r>
+            <a:endParaRPr lang="mk-MK" dirty="0"/>
+          </a:p>
+          <a:p>
+            <a:pPr lvl="1">
+              <a:buFont typeface="Wingdings" panose="05000000000000000000" pitchFamily="2" charset="2"/>
+              <a:buChar char="Ø"/>
+            </a:pPr>
+            <a:r>
+              <a:rPr lang="en-US" dirty="0">
+                <a:hlinkClick r:id="rId3"/>
+              </a:rPr>
+              <a:t>https://www.tutorialspoint.com/computer_programming/computer_programming_arrays.htm#:~:text=An%20array%20is%20a%20data,variables%20of%20the%20same%20type.&amp;text=All%20arrays%20consist%20of%20contiguous%20memory%20locations</a:t>
+            </a:r>
+            <a:r>
+              <a:rPr lang="en-US" dirty="0"/>
+              <a:t>.</a:t>
+            </a:r>
+            <a:endParaRPr lang="mk-MK" dirty="0"/>
+          </a:p>
+          <a:p>
+            <a:pPr lvl="1">
+              <a:buFont typeface="Wingdings" panose="05000000000000000000" pitchFamily="2" charset="2"/>
+              <a:buChar char="Ø"/>
+            </a:pPr>
+            <a:r>
+              <a:rPr lang="en-US" dirty="0">
+                <a:hlinkClick r:id="rId4"/>
+              </a:rPr>
+              <a:t>https://www.educba.com/advantages-of-array/</a:t>
+            </a:r>
+            <a:endParaRPr lang="en-US" dirty="0"/>
+          </a:p>
+          <a:p>
+            <a:r>
+              <a:rPr lang="mk-MK" dirty="0"/>
+              <a:t>Примери</a:t>
+            </a:r>
+            <a:endParaRPr lang="en-US" dirty="0"/>
+          </a:p>
+        </p:txBody>
+      </p:sp>
+    </p:spTree>
+    <p:extLst>
+      <p:ext uri="{BB962C8B-B14F-4D97-AF65-F5344CB8AC3E}">
+        <p14:creationId xmlns:p14="http://schemas.microsoft.com/office/powerpoint/2010/main" val="2457151103"/>
+      </p:ext>
+    </p:extLst>
+  </p:cSld>
+  <p:clrMapOvr>
+    <a:masterClrMapping/>
+  </p:clrMapOvr>
+</p:sld>
+</file>
+
+<file path=ppt/slides/slide13.xml><?xml version="1.0" encoding="utf-8"?>
+<p:sld xmlns:a="http://schemas.openxmlformats.org/drawingml/2006/main" xmlns:r="http://schemas.openxmlformats.org/officeDocument/2006/relationships" xmlns:p="http://schemas.openxmlformats.org/presentationml/2006/main">
+  <p:cSld>
+    <p:spTree>
+      <p:nvGrpSpPr>
+        <p:cNvPr id="1" name=""/>
+        <p:cNvGrpSpPr/>
+        <p:nvPr/>
+      </p:nvGrpSpPr>
+      <p:grpSpPr>
+        <a:xfrm>
+          <a:off x="0" y="0"/>
+          <a:ext cx="0" cy="0"/>
+          <a:chOff x="0" y="0"/>
+          <a:chExt cx="0" cy="0"/>
+        </a:xfrm>
+      </p:grpSpPr>
+      <p:sp>
+        <p:nvSpPr>
+          <p:cNvPr id="2" name="Title 1">
+            <a:extLst>
+              <a:ext uri="{FF2B5EF4-FFF2-40B4-BE49-F238E27FC236}">
+                <a16:creationId xmlns:a16="http://schemas.microsoft.com/office/drawing/2014/main" id="{2EEA14E2-7758-484D-A1DD-49202F7EFFB8}"/>
+              </a:ext>
+            </a:extLst>
+          </p:cNvPr>
+          <p:cNvSpPr>
+            <a:spLocks noGrp="1"/>
+          </p:cNvSpPr>
+          <p:nvPr>
+            <p:ph type="title"/>
+          </p:nvPr>
+        </p:nvSpPr>
+        <p:spPr/>
+        <p:txBody>
+          <a:bodyPr/>
+          <a:lstStyle/>
+          <a:p>
+            <a:r>
+              <a:rPr lang="mk-MK" dirty="0"/>
+              <a:t>Изработиле</a:t>
+            </a:r>
+            <a:endParaRPr lang="en-US" dirty="0"/>
+          </a:p>
+        </p:txBody>
+      </p:sp>
+      <p:pic>
+        <p:nvPicPr>
+          <p:cNvPr id="5" name="Picture 4">
+            <a:extLst>
+              <a:ext uri="{FF2B5EF4-FFF2-40B4-BE49-F238E27FC236}">
+                <a16:creationId xmlns:a16="http://schemas.microsoft.com/office/drawing/2014/main" id="{60C7BFB2-B3FD-4F51-AA2D-E731393EAA84}"/>
+              </a:ext>
+            </a:extLst>
+          </p:cNvPr>
+          <p:cNvPicPr>
+            <a:picLocks noChangeAspect="1"/>
+          </p:cNvPicPr>
+          <p:nvPr/>
+        </p:nvPicPr>
+        <p:blipFill>
+          <a:blip r:embed="rId3">
+            <a:extLst>
+              <a:ext uri="{28A0092B-C50C-407E-A947-70E740481C1C}">
+                <a14:useLocalDpi xmlns:a14="http://schemas.microsoft.com/office/drawing/2010/main" val="0"/>
+              </a:ext>
+            </a:extLst>
+          </a:blip>
+          <a:stretch>
+            <a:fillRect/>
+          </a:stretch>
+        </p:blipFill>
+        <p:spPr>
+          <a:xfrm>
+            <a:off x="1216235" y="2156204"/>
+            <a:ext cx="5545291" cy="4567571"/>
+          </a:xfrm>
+          <a:prstGeom prst="rect">
+            <a:avLst/>
+          </a:prstGeom>
+        </p:spPr>
+      </p:pic>
+      <p:pic>
+        <p:nvPicPr>
+          <p:cNvPr id="7" name="Picture 6">
+            <a:extLst>
+              <a:ext uri="{FF2B5EF4-FFF2-40B4-BE49-F238E27FC236}">
+                <a16:creationId xmlns:a16="http://schemas.microsoft.com/office/drawing/2014/main" id="{50D8C108-46DD-43B2-B2D8-127C0CA5B1EA}"/>
+              </a:ext>
+            </a:extLst>
+          </p:cNvPr>
+          <p:cNvPicPr>
+            <a:picLocks noChangeAspect="1"/>
+          </p:cNvPicPr>
+          <p:nvPr/>
+        </p:nvPicPr>
+        <p:blipFill>
+          <a:blip r:embed="rId4">
+            <a:extLst>
+              <a:ext uri="{28A0092B-C50C-407E-A947-70E740481C1C}">
+                <a14:useLocalDpi xmlns:a14="http://schemas.microsoft.com/office/drawing/2010/main" val="0"/>
+              </a:ext>
+            </a:extLst>
+          </a:blip>
+          <a:stretch>
+            <a:fillRect/>
+          </a:stretch>
+        </p:blipFill>
+        <p:spPr>
+          <a:xfrm>
+            <a:off x="7779057" y="2156204"/>
+            <a:ext cx="3356099" cy="2219550"/>
+          </a:xfrm>
+          <a:prstGeom prst="rect">
+            <a:avLst/>
+          </a:prstGeom>
+        </p:spPr>
+      </p:pic>
+      <p:pic>
+        <p:nvPicPr>
+          <p:cNvPr id="9" name="Picture 8">
+            <a:extLst>
+              <a:ext uri="{FF2B5EF4-FFF2-40B4-BE49-F238E27FC236}">
+                <a16:creationId xmlns:a16="http://schemas.microsoft.com/office/drawing/2014/main" id="{D5426319-2939-4B72-A7C5-FE6D981BA480}"/>
+              </a:ext>
+            </a:extLst>
+          </p:cNvPr>
+          <p:cNvPicPr>
+            <a:picLocks noChangeAspect="1"/>
+          </p:cNvPicPr>
+          <p:nvPr/>
+        </p:nvPicPr>
+        <p:blipFill>
+          <a:blip r:embed="rId5">
+            <a:extLst>
+              <a:ext uri="{28A0092B-C50C-407E-A947-70E740481C1C}">
+                <a14:useLocalDpi xmlns:a14="http://schemas.microsoft.com/office/drawing/2010/main" val="0"/>
+              </a:ext>
+            </a:extLst>
+          </a:blip>
+          <a:stretch>
+            <a:fillRect/>
+          </a:stretch>
+        </p:blipFill>
+        <p:spPr>
+          <a:xfrm>
+            <a:off x="7779057" y="4923240"/>
+            <a:ext cx="3356099" cy="1800535"/>
+          </a:xfrm>
+          <a:prstGeom prst="rect">
+            <a:avLst/>
+          </a:prstGeom>
+        </p:spPr>
+      </p:pic>
+      <p:sp>
+        <p:nvSpPr>
+          <p:cNvPr id="11" name="TextBox 10">
+            <a:extLst>
+              <a:ext uri="{FF2B5EF4-FFF2-40B4-BE49-F238E27FC236}">
+                <a16:creationId xmlns:a16="http://schemas.microsoft.com/office/drawing/2014/main" id="{AFF2305E-D70B-4B84-ADDF-DC44AF170AB1}"/>
+              </a:ext>
+            </a:extLst>
+          </p:cNvPr>
+          <p:cNvSpPr txBox="1"/>
+          <p:nvPr/>
+        </p:nvSpPr>
+        <p:spPr>
+          <a:xfrm>
+            <a:off x="8384633" y="4553908"/>
+            <a:ext cx="2144946" cy="369332"/>
+          </a:xfrm>
+          <a:prstGeom prst="rect">
+            <a:avLst/>
+          </a:prstGeom>
+          <a:noFill/>
+        </p:spPr>
+        <p:txBody>
+          <a:bodyPr wrap="none" rtlCol="0">
+            <a:spAutoFit/>
+          </a:bodyPr>
+          <a:lstStyle/>
+          <a:p>
+            <a:r>
+              <a:rPr lang="mk-MK" dirty="0"/>
+              <a:t>Елементи во низата</a:t>
+            </a:r>
+            <a:endParaRPr lang="en-US" dirty="0"/>
+          </a:p>
+        </p:txBody>
+      </p:sp>
+    </p:spTree>
+    <p:extLst>
+      <p:ext uri="{BB962C8B-B14F-4D97-AF65-F5344CB8AC3E}">
+        <p14:creationId xmlns:p14="http://schemas.microsoft.com/office/powerpoint/2010/main" val="2702709929"/>
       </p:ext>
     </p:extLst>
   </p:cSld>
@@ -5919,7 +8846,7 @@
           <a:lstStyle/>
           <a:p>
             <a:pPr algn="ctr"/>
-            <a:endParaRPr lang="en-US"/>
+            <a:endParaRPr lang="en-US" dirty="0"/>
           </a:p>
         </p:txBody>
       </p:sp>
@@ -6059,7 +8986,7 @@
           <a:lstStyle/>
           <a:p>
             <a:pPr algn="ctr"/>
-            <a:endParaRPr lang="en-US"/>
+            <a:endParaRPr lang="en-US" dirty="0"/>
           </a:p>
         </p:txBody>
       </p:sp>
@@ -8928,7 +11855,7 @@
           <p:nvPr/>
         </p:nvPicPr>
         <p:blipFill rotWithShape="1">
-          <a:blip r:embed="rId2">
+          <a:blip r:embed="rId3">
             <a:extLst>
               <a:ext uri="{28A0092B-C50C-407E-A947-70E740481C1C}">
                 <a14:useLocalDpi xmlns:a14="http://schemas.microsoft.com/office/drawing/2010/main" val="0"/>
@@ -9372,7 +12299,7 @@
           </p:nvPr>
         </p:nvPicPr>
         <p:blipFill rotWithShape="1">
-          <a:blip r:embed="rId2">
+          <a:blip r:embed="rId3">
             <a:extLst>
               <a:ext uri="{28A0092B-C50C-407E-A947-70E740481C1C}">
                 <a14:useLocalDpi xmlns:a14="http://schemas.microsoft.com/office/drawing/2010/main" val="0"/>
@@ -9404,7 +12331,7 @@
           <p:nvPr/>
         </p:nvPicPr>
         <p:blipFill rotWithShape="1">
-          <a:blip r:embed="rId3">
+          <a:blip r:embed="rId4">
             <a:extLst>
               <a:ext uri="{28A0092B-C50C-407E-A947-70E740481C1C}">
                 <a14:useLocalDpi xmlns:a14="http://schemas.microsoft.com/office/drawing/2010/main" val="0"/>
@@ -9439,7 +12366,7 @@
           <p:nvPr/>
         </p:nvPicPr>
         <p:blipFill rotWithShape="1">
-          <a:blip r:embed="rId4">
+          <a:blip r:embed="rId5">
             <a:extLst>
               <a:ext uri="{28A0092B-C50C-407E-A947-70E740481C1C}">
                 <a14:useLocalDpi xmlns:a14="http://schemas.microsoft.com/office/drawing/2010/main" val="0"/>
@@ -10302,7 +13229,7 @@
           <p:nvPr/>
         </p:nvPicPr>
         <p:blipFill rotWithShape="1">
-          <a:blip r:embed="rId5">
+          <a:blip r:embed="rId6">
             <a:extLst>
               <a:ext uri="{28A0092B-C50C-407E-A947-70E740481C1C}">
                 <a14:useLocalDpi xmlns:a14="http://schemas.microsoft.com/office/drawing/2010/main" val="0"/>
@@ -10438,7 +13365,7 @@
           <p:nvPr/>
         </p:nvPicPr>
         <p:blipFill rotWithShape="1">
-          <a:blip r:embed="rId2">
+          <a:blip r:embed="rId3">
             <a:extLst>
               <a:ext uri="{28A0092B-C50C-407E-A947-70E740481C1C}">
                 <a14:useLocalDpi xmlns:a14="http://schemas.microsoft.com/office/drawing/2010/main" val="0"/>
@@ -10715,7 +13642,7 @@
           <p:cNvPr id="2" name="Title 1">
             <a:extLst>
               <a:ext uri="{FF2B5EF4-FFF2-40B4-BE49-F238E27FC236}">
-                <a16:creationId xmlns:a16="http://schemas.microsoft.com/office/drawing/2014/main" id="{A327AB31-560B-4E65-BF77-DC6AE6FC67C8}"/>
+                <a16:creationId xmlns:a16="http://schemas.microsoft.com/office/drawing/2014/main" id="{73B06AC2-2BA7-4E98-9932-60C1CFAC0E99}"/>
               </a:ext>
             </a:extLst>
           </p:cNvPr>
@@ -10728,61 +13655,419 @@
         </p:nvSpPr>
         <p:spPr/>
         <p:txBody>
-          <a:bodyPr/>
+          <a:bodyPr>
+            <a:normAutofit fontScale="90000"/>
+          </a:bodyPr>
           <a:lstStyle/>
           <a:p>
             <a:r>
               <a:rPr lang="mk-MK" dirty="0"/>
-              <a:t>Зошто низи?</a:t>
+              <a:t>Пристапување и изменување на елемент во низа</a:t>
             </a:r>
             <a:endParaRPr lang="en-US" dirty="0"/>
           </a:p>
         </p:txBody>
       </p:sp>
-      <p:sp>
-        <p:nvSpPr>
-          <p:cNvPr id="3" name="Content Placeholder 2">
-            <a:extLst>
-              <a:ext uri="{FF2B5EF4-FFF2-40B4-BE49-F238E27FC236}">
-                <a16:creationId xmlns:a16="http://schemas.microsoft.com/office/drawing/2014/main" id="{5112C568-C3A8-48B0-81D1-E5AE2D26C5D7}"/>
-              </a:ext>
-            </a:extLst>
-          </p:cNvPr>
-          <p:cNvSpPr>
-            <a:spLocks noGrp="1"/>
-          </p:cNvSpPr>
-          <p:nvPr>
-            <p:ph idx="1"/>
-          </p:nvPr>
-        </p:nvSpPr>
-        <p:spPr/>
-        <p:txBody>
-          <a:bodyPr/>
+      <p:pic>
+        <p:nvPicPr>
+          <p:cNvPr id="22" name="Picture 21">
+            <a:extLst>
+              <a:ext uri="{FF2B5EF4-FFF2-40B4-BE49-F238E27FC236}">
+                <a16:creationId xmlns:a16="http://schemas.microsoft.com/office/drawing/2014/main" id="{FA354771-4B22-4640-B11C-597D54C600DF}"/>
+              </a:ext>
+            </a:extLst>
+          </p:cNvPr>
+          <p:cNvPicPr>
+            <a:picLocks noChangeAspect="1"/>
+          </p:cNvPicPr>
+          <p:nvPr/>
+        </p:nvPicPr>
+        <p:blipFill>
+          <a:blip r:embed="rId3">
+            <a:extLst>
+              <a:ext uri="{28A0092B-C50C-407E-A947-70E740481C1C}">
+                <a14:useLocalDpi xmlns:a14="http://schemas.microsoft.com/office/drawing/2010/main" val="0"/>
+              </a:ext>
+            </a:extLst>
+          </a:blip>
+          <a:stretch>
+            <a:fillRect/>
+          </a:stretch>
+        </p:blipFill>
+        <p:spPr>
+          <a:xfrm>
+            <a:off x="1221718" y="2593985"/>
+            <a:ext cx="4043662" cy="821369"/>
+          </a:xfrm>
+          <a:prstGeom prst="rect">
+            <a:avLst/>
+          </a:prstGeom>
+        </p:spPr>
+      </p:pic>
+      <p:pic>
+        <p:nvPicPr>
+          <p:cNvPr id="24" name="Picture 23">
+            <a:extLst>
+              <a:ext uri="{FF2B5EF4-FFF2-40B4-BE49-F238E27FC236}">
+                <a16:creationId xmlns:a16="http://schemas.microsoft.com/office/drawing/2014/main" id="{61E186F0-64AC-4848-9939-39AF6421DD60}"/>
+              </a:ext>
+            </a:extLst>
+          </p:cNvPr>
+          <p:cNvPicPr>
+            <a:picLocks noChangeAspect="1"/>
+          </p:cNvPicPr>
+          <p:nvPr/>
+        </p:nvPicPr>
+        <p:blipFill>
+          <a:blip r:embed="rId4">
+            <a:extLst>
+              <a:ext uri="{28A0092B-C50C-407E-A947-70E740481C1C}">
+                <a14:useLocalDpi xmlns:a14="http://schemas.microsoft.com/office/drawing/2010/main" val="0"/>
+              </a:ext>
+            </a:extLst>
+          </a:blip>
+          <a:stretch>
+            <a:fillRect/>
+          </a:stretch>
+        </p:blipFill>
+        <p:spPr>
+          <a:xfrm>
+            <a:off x="1221714" y="4002908"/>
+            <a:ext cx="4043662" cy="821369"/>
+          </a:xfrm>
+          <a:prstGeom prst="rect">
+            <a:avLst/>
+          </a:prstGeom>
+        </p:spPr>
+      </p:pic>
+      <p:pic>
+        <p:nvPicPr>
+          <p:cNvPr id="26" name="Picture 25">
+            <a:extLst>
+              <a:ext uri="{FF2B5EF4-FFF2-40B4-BE49-F238E27FC236}">
+                <a16:creationId xmlns:a16="http://schemas.microsoft.com/office/drawing/2014/main" id="{914B806F-6C26-45E8-924B-F3DC02CD597B}"/>
+              </a:ext>
+            </a:extLst>
+          </p:cNvPr>
+          <p:cNvPicPr>
+            <a:picLocks noChangeAspect="1"/>
+          </p:cNvPicPr>
+          <p:nvPr/>
+        </p:nvPicPr>
+        <p:blipFill>
+          <a:blip r:embed="rId5">
+            <a:extLst>
+              <a:ext uri="{28A0092B-C50C-407E-A947-70E740481C1C}">
+                <a14:useLocalDpi xmlns:a14="http://schemas.microsoft.com/office/drawing/2010/main" val="0"/>
+              </a:ext>
+            </a:extLst>
+          </a:blip>
+          <a:stretch>
+            <a:fillRect/>
+          </a:stretch>
+        </p:blipFill>
+        <p:spPr>
+          <a:xfrm>
+            <a:off x="1221714" y="5717877"/>
+            <a:ext cx="4043662" cy="821369"/>
+          </a:xfrm>
+          <a:prstGeom prst="rect">
+            <a:avLst/>
+          </a:prstGeom>
+        </p:spPr>
+      </p:pic>
+      <p:sp>
+        <p:nvSpPr>
+          <p:cNvPr id="32" name="TextBox 31">
+            <a:extLst>
+              <a:ext uri="{FF2B5EF4-FFF2-40B4-BE49-F238E27FC236}">
+                <a16:creationId xmlns:a16="http://schemas.microsoft.com/office/drawing/2014/main" id="{9C991E11-D1AE-4474-81B4-59D623E036A5}"/>
+              </a:ext>
+            </a:extLst>
+          </p:cNvPr>
+          <p:cNvSpPr txBox="1"/>
+          <p:nvPr/>
+        </p:nvSpPr>
+        <p:spPr>
+          <a:xfrm>
+            <a:off x="1088536" y="2188349"/>
+            <a:ext cx="4310014" cy="400110"/>
+          </a:xfrm>
+          <a:prstGeom prst="rect">
+            <a:avLst/>
+          </a:prstGeom>
+          <a:noFill/>
+        </p:spPr>
+        <p:txBody>
+          <a:bodyPr wrap="square" rtlCol="0">
+            <a:spAutoFit/>
+          </a:bodyPr>
           <a:lstStyle/>
           <a:p>
             <a:r>
-              <a:rPr lang="mk-MK" b="1" dirty="0"/>
-              <a:t>Пр: </a:t>
-            </a:r>
-            <a:r>
-              <a:rPr lang="ru-RU" dirty="0"/>
-              <a:t>Сакаме да напишеме програма во која ќе </a:t>
-            </a:r>
-            <a:r>
-              <a:rPr lang="mk-MK" dirty="0"/>
-              <a:t>можеме</a:t>
-            </a:r>
-            <a:r>
-              <a:rPr lang="ru-RU" dirty="0"/>
-              <a:t> да внесеме 1000 броеви од тастатурата (еден по еден) и да ги испечатиме во обратен редослед</a:t>
-            </a:r>
-          </a:p>
-        </p:txBody>
-      </p:sp>
+              <a:rPr lang="mk-MK" sz="2000" b="1" dirty="0"/>
+              <a:t>Пристапување до елемент од низата</a:t>
+            </a:r>
+            <a:endParaRPr lang="en-US" sz="2000" b="1" dirty="0"/>
+          </a:p>
+        </p:txBody>
+      </p:sp>
+      <p:sp>
+        <p:nvSpPr>
+          <p:cNvPr id="34" name="TextBox 33">
+            <a:extLst>
+              <a:ext uri="{FF2B5EF4-FFF2-40B4-BE49-F238E27FC236}">
+                <a16:creationId xmlns:a16="http://schemas.microsoft.com/office/drawing/2014/main" id="{4BBD276C-B96F-44DF-8772-AE3BADEE08DA}"/>
+              </a:ext>
+            </a:extLst>
+          </p:cNvPr>
+          <p:cNvSpPr txBox="1"/>
+          <p:nvPr/>
+        </p:nvSpPr>
+        <p:spPr>
+          <a:xfrm>
+            <a:off x="2748055" y="3600020"/>
+            <a:ext cx="990977" cy="338554"/>
+          </a:xfrm>
+          <a:prstGeom prst="rect">
+            <a:avLst/>
+          </a:prstGeom>
+          <a:noFill/>
+        </p:spPr>
+        <p:txBody>
+          <a:bodyPr wrap="none" rtlCol="0">
+            <a:spAutoFit/>
+          </a:bodyPr>
+          <a:lstStyle/>
+          <a:p>
+            <a:r>
+              <a:rPr lang="mk-MK" sz="1600" dirty="0"/>
+              <a:t>Примери</a:t>
+            </a:r>
+            <a:endParaRPr lang="en-US" sz="1600" dirty="0"/>
+          </a:p>
+        </p:txBody>
+      </p:sp>
+      <p:pic>
+        <p:nvPicPr>
+          <p:cNvPr id="38" name="Picture 37">
+            <a:extLst>
+              <a:ext uri="{FF2B5EF4-FFF2-40B4-BE49-F238E27FC236}">
+                <a16:creationId xmlns:a16="http://schemas.microsoft.com/office/drawing/2014/main" id="{E6B87147-68E4-4966-B661-B9FE8F545AF7}"/>
+              </a:ext>
+            </a:extLst>
+          </p:cNvPr>
+          <p:cNvPicPr>
+            <a:picLocks noChangeAspect="1"/>
+          </p:cNvPicPr>
+          <p:nvPr/>
+        </p:nvPicPr>
+        <p:blipFill>
+          <a:blip r:embed="rId6">
+            <a:extLst>
+              <a:ext uri="{28A0092B-C50C-407E-A947-70E740481C1C}">
+                <a14:useLocalDpi xmlns:a14="http://schemas.microsoft.com/office/drawing/2010/main" val="0"/>
+              </a:ext>
+            </a:extLst>
+          </a:blip>
+          <a:stretch>
+            <a:fillRect/>
+          </a:stretch>
+        </p:blipFill>
+        <p:spPr>
+          <a:xfrm>
+            <a:off x="1221714" y="4857833"/>
+            <a:ext cx="4043664" cy="821369"/>
+          </a:xfrm>
+          <a:prstGeom prst="rect">
+            <a:avLst/>
+          </a:prstGeom>
+        </p:spPr>
+      </p:pic>
+      <p:pic>
+        <p:nvPicPr>
+          <p:cNvPr id="31" name="Picture 30">
+            <a:extLst>
+              <a:ext uri="{FF2B5EF4-FFF2-40B4-BE49-F238E27FC236}">
+                <a16:creationId xmlns:a16="http://schemas.microsoft.com/office/drawing/2014/main" id="{99E52801-FA37-4D8D-95CA-022518D1F859}"/>
+              </a:ext>
+            </a:extLst>
+          </p:cNvPr>
+          <p:cNvPicPr>
+            <a:picLocks noChangeAspect="1"/>
+          </p:cNvPicPr>
+          <p:nvPr/>
+        </p:nvPicPr>
+        <p:blipFill>
+          <a:blip r:embed="rId7">
+            <a:extLst>
+              <a:ext uri="{28A0092B-C50C-407E-A947-70E740481C1C}">
+                <a14:useLocalDpi xmlns:a14="http://schemas.microsoft.com/office/drawing/2010/main" val="0"/>
+              </a:ext>
+            </a:extLst>
+          </a:blip>
+          <a:stretch>
+            <a:fillRect/>
+          </a:stretch>
+        </p:blipFill>
+        <p:spPr>
+          <a:xfrm>
+            <a:off x="6926624" y="2588459"/>
+            <a:ext cx="4043662" cy="821369"/>
+          </a:xfrm>
+          <a:prstGeom prst="rect">
+            <a:avLst/>
+          </a:prstGeom>
+        </p:spPr>
+      </p:pic>
+      <p:sp>
+        <p:nvSpPr>
+          <p:cNvPr id="36" name="TextBox 35">
+            <a:extLst>
+              <a:ext uri="{FF2B5EF4-FFF2-40B4-BE49-F238E27FC236}">
+                <a16:creationId xmlns:a16="http://schemas.microsoft.com/office/drawing/2014/main" id="{282DCE51-6F08-499E-A5D0-97F8512A261C}"/>
+              </a:ext>
+            </a:extLst>
+          </p:cNvPr>
+          <p:cNvSpPr txBox="1"/>
+          <p:nvPr/>
+        </p:nvSpPr>
+        <p:spPr>
+          <a:xfrm>
+            <a:off x="6926622" y="2188349"/>
+            <a:ext cx="4100353" cy="400110"/>
+          </a:xfrm>
+          <a:prstGeom prst="rect">
+            <a:avLst/>
+          </a:prstGeom>
+          <a:noFill/>
+        </p:spPr>
+        <p:txBody>
+          <a:bodyPr wrap="none" rtlCol="0">
+            <a:spAutoFit/>
+          </a:bodyPr>
+          <a:lstStyle/>
+          <a:p>
+            <a:r>
+              <a:rPr lang="mk-MK" sz="2000" b="1" dirty="0"/>
+              <a:t>Изменување на елемент од низата</a:t>
+            </a:r>
+            <a:endParaRPr lang="en-US" sz="2000" b="1" dirty="0"/>
+          </a:p>
+        </p:txBody>
+      </p:sp>
+      <p:sp>
+        <p:nvSpPr>
+          <p:cNvPr id="40" name="TextBox 39">
+            <a:extLst>
+              <a:ext uri="{FF2B5EF4-FFF2-40B4-BE49-F238E27FC236}">
+                <a16:creationId xmlns:a16="http://schemas.microsoft.com/office/drawing/2014/main" id="{4B20E904-102A-4840-920B-F72101E4DDAB}"/>
+              </a:ext>
+            </a:extLst>
+          </p:cNvPr>
+          <p:cNvSpPr txBox="1"/>
+          <p:nvPr/>
+        </p:nvSpPr>
+        <p:spPr>
+          <a:xfrm>
+            <a:off x="8452964" y="3600020"/>
+            <a:ext cx="990977" cy="338554"/>
+          </a:xfrm>
+          <a:prstGeom prst="rect">
+            <a:avLst/>
+          </a:prstGeom>
+          <a:noFill/>
+        </p:spPr>
+        <p:txBody>
+          <a:bodyPr wrap="none" rtlCol="0">
+            <a:spAutoFit/>
+          </a:bodyPr>
+          <a:lstStyle/>
+          <a:p>
+            <a:r>
+              <a:rPr lang="mk-MK" sz="1600" dirty="0"/>
+              <a:t>Примери</a:t>
+            </a:r>
+            <a:endParaRPr lang="en-US" sz="1600" dirty="0"/>
+          </a:p>
+        </p:txBody>
+      </p:sp>
+      <p:pic>
+        <p:nvPicPr>
+          <p:cNvPr id="42" name="Picture 41">
+            <a:extLst>
+              <a:ext uri="{FF2B5EF4-FFF2-40B4-BE49-F238E27FC236}">
+                <a16:creationId xmlns:a16="http://schemas.microsoft.com/office/drawing/2014/main" id="{6C5FC7DC-DD0F-4EBF-9855-70B3B0CEF30B}"/>
+              </a:ext>
+            </a:extLst>
+          </p:cNvPr>
+          <p:cNvPicPr>
+            <a:picLocks noChangeAspect="1"/>
+          </p:cNvPicPr>
+          <p:nvPr/>
+        </p:nvPicPr>
+        <p:blipFill>
+          <a:blip r:embed="rId8">
+            <a:extLst>
+              <a:ext uri="{28A0092B-C50C-407E-A947-70E740481C1C}">
+                <a14:useLocalDpi xmlns:a14="http://schemas.microsoft.com/office/drawing/2010/main" val="0"/>
+              </a:ext>
+            </a:extLst>
+          </a:blip>
+          <a:stretch>
+            <a:fillRect/>
+          </a:stretch>
+        </p:blipFill>
+        <p:spPr>
+          <a:xfrm>
+            <a:off x="6926622" y="4953799"/>
+            <a:ext cx="4043662" cy="1585447"/>
+          </a:xfrm>
+          <a:prstGeom prst="rect">
+            <a:avLst/>
+          </a:prstGeom>
+        </p:spPr>
+      </p:pic>
+      <p:pic>
+        <p:nvPicPr>
+          <p:cNvPr id="46" name="Picture 45">
+            <a:extLst>
+              <a:ext uri="{FF2B5EF4-FFF2-40B4-BE49-F238E27FC236}">
+                <a16:creationId xmlns:a16="http://schemas.microsoft.com/office/drawing/2014/main" id="{57B96055-300E-4FBE-8981-DFA7E45277B8}"/>
+              </a:ext>
+            </a:extLst>
+          </p:cNvPr>
+          <p:cNvPicPr>
+            <a:picLocks noChangeAspect="1"/>
+          </p:cNvPicPr>
+          <p:nvPr/>
+        </p:nvPicPr>
+        <p:blipFill>
+          <a:blip r:embed="rId9">
+            <a:extLst>
+              <a:ext uri="{28A0092B-C50C-407E-A947-70E740481C1C}">
+                <a14:useLocalDpi xmlns:a14="http://schemas.microsoft.com/office/drawing/2010/main" val="0"/>
+              </a:ext>
+            </a:extLst>
+          </a:blip>
+          <a:stretch>
+            <a:fillRect/>
+          </a:stretch>
+        </p:blipFill>
+        <p:spPr>
+          <a:xfrm>
+            <a:off x="6926622" y="4002908"/>
+            <a:ext cx="4043662" cy="916755"/>
+          </a:xfrm>
+          <a:prstGeom prst="rect">
+            <a:avLst/>
+          </a:prstGeom>
+        </p:spPr>
+      </p:pic>
     </p:spTree>
     <p:extLst>
       <p:ext uri="{BB962C8B-B14F-4D97-AF65-F5344CB8AC3E}">
-        <p14:creationId xmlns:p14="http://schemas.microsoft.com/office/powerpoint/2010/main" val="2329020624"/>
+        <p14:creationId xmlns:p14="http://schemas.microsoft.com/office/powerpoint/2010/main" val="2423169587"/>
       </p:ext>
     </p:extLst>
   </p:cSld>
@@ -10814,7 +14099,7 @@
           <p:cNvPr id="2" name="Title 1">
             <a:extLst>
               <a:ext uri="{FF2B5EF4-FFF2-40B4-BE49-F238E27FC236}">
-                <a16:creationId xmlns:a16="http://schemas.microsoft.com/office/drawing/2014/main" id="{A327AB31-560B-4E65-BF77-DC6AE6FC67C8}"/>
+                <a16:creationId xmlns:a16="http://schemas.microsoft.com/office/drawing/2014/main" id="{1ABF4692-81BD-4A69-B17F-C4EB6BA152D4}"/>
               </a:ext>
             </a:extLst>
           </p:cNvPr>
@@ -10827,36 +14112,23 @@
         </p:nvSpPr>
         <p:spPr/>
         <p:txBody>
-          <a:bodyPr>
-            <a:normAutofit/>
-          </a:bodyPr>
+          <a:bodyPr/>
           <a:lstStyle/>
           <a:p>
             <a:r>
-              <a:rPr lang="mk-MK" sz="2400" b="1" dirty="0"/>
-              <a:t>Пр: </a:t>
-            </a:r>
-            <a:r>
-              <a:rPr lang="ru-RU" sz="2400" b="0" dirty="0"/>
-              <a:t>Сакаме да напишеме програма во која ќе </a:t>
-            </a:r>
-            <a:r>
-              <a:rPr lang="mk-MK" sz="2400" b="0" dirty="0"/>
-              <a:t>можеме</a:t>
-            </a:r>
-            <a:r>
-              <a:rPr lang="ru-RU" sz="2400" b="0" dirty="0"/>
-              <a:t> да внесеме 1000 броеви од тастатурата (еден по еден) и да ги испечатиме во обратен редослед</a:t>
-            </a:r>
+              <a:rPr lang="mk-MK" dirty="0"/>
+              <a:t>Пр: Пополнување на низа преку тастатурата</a:t>
+            </a:r>
+            <a:endParaRPr lang="en-US" dirty="0"/>
           </a:p>
         </p:txBody>
       </p:sp>
       <p:pic>
         <p:nvPicPr>
-          <p:cNvPr id="11" name="Picture 10">
-            <a:extLst>
-              <a:ext uri="{FF2B5EF4-FFF2-40B4-BE49-F238E27FC236}">
-                <a16:creationId xmlns:a16="http://schemas.microsoft.com/office/drawing/2014/main" id="{42AE24E4-B94E-4B1B-B703-EF7A657C4750}"/>
+          <p:cNvPr id="7" name="Picture 6">
+            <a:extLst>
+              <a:ext uri="{FF2B5EF4-FFF2-40B4-BE49-F238E27FC236}">
+                <a16:creationId xmlns:a16="http://schemas.microsoft.com/office/drawing/2014/main" id="{0D0C4F26-06D3-4890-99C5-459B18E14E6F}"/>
               </a:ext>
             </a:extLst>
           </p:cNvPr>
@@ -10865,21 +14137,22 @@
           </p:cNvPicPr>
           <p:nvPr/>
         </p:nvPicPr>
-        <p:blipFill rotWithShape="1">
-          <a:blip r:embed="rId2">
+        <p:blipFill>
+          <a:blip r:embed="rId3">
             <a:extLst>
               <a:ext uri="{28A0092B-C50C-407E-A947-70E740481C1C}">
                 <a14:useLocalDpi xmlns:a14="http://schemas.microsoft.com/office/drawing/2010/main" val="0"/>
               </a:ext>
             </a:extLst>
           </a:blip>
-          <a:srcRect l="9037" t="6877" r="9117" b="6746"/>
-          <a:stretch/>
+          <a:stretch>
+            <a:fillRect/>
+          </a:stretch>
         </p:blipFill>
         <p:spPr>
           <a:xfrm>
-            <a:off x="1338470" y="2146852"/>
-            <a:ext cx="3047628" cy="4297444"/>
+            <a:off x="1115568" y="2292735"/>
+            <a:ext cx="5553680" cy="4341256"/>
           </a:xfrm>
           <a:prstGeom prst="rect">
             <a:avLst/>
@@ -10888,10 +14161,10 @@
       </p:pic>
       <p:pic>
         <p:nvPicPr>
-          <p:cNvPr id="17" name="Picture 16">
-            <a:extLst>
-              <a:ext uri="{FF2B5EF4-FFF2-40B4-BE49-F238E27FC236}">
-                <a16:creationId xmlns:a16="http://schemas.microsoft.com/office/drawing/2014/main" id="{013DC8E7-D9F3-4B5E-8EA7-7368FB65A706}"/>
+          <p:cNvPr id="9" name="Picture 8">
+            <a:extLst>
+              <a:ext uri="{FF2B5EF4-FFF2-40B4-BE49-F238E27FC236}">
+                <a16:creationId xmlns:a16="http://schemas.microsoft.com/office/drawing/2014/main" id="{E972052B-52BE-423C-AB26-745D24E21242}"/>
               </a:ext>
             </a:extLst>
           </p:cNvPr>
@@ -10900,33 +14173,70 @@
           </p:cNvPicPr>
           <p:nvPr/>
         </p:nvPicPr>
-        <p:blipFill rotWithShape="1">
-          <a:blip r:embed="rId3">
+        <p:blipFill>
+          <a:blip r:embed="rId4">
             <a:extLst>
               <a:ext uri="{28A0092B-C50C-407E-A947-70E740481C1C}">
                 <a14:useLocalDpi xmlns:a14="http://schemas.microsoft.com/office/drawing/2010/main" val="0"/>
               </a:ext>
             </a:extLst>
           </a:blip>
-          <a:srcRect l="8308" t="10652" r="8383" b="10808"/>
-          <a:stretch/>
+          <a:stretch>
+            <a:fillRect/>
+          </a:stretch>
         </p:blipFill>
         <p:spPr>
           <a:xfrm>
-            <a:off x="5500032" y="2146852"/>
-            <a:ext cx="5783664" cy="4293592"/>
+            <a:off x="7275635" y="2292735"/>
+            <a:ext cx="4008061" cy="1968872"/>
           </a:xfrm>
           <a:prstGeom prst="rect">
             <a:avLst/>
           </a:prstGeom>
         </p:spPr>
       </p:pic>
+      <p:pic>
+        <p:nvPicPr>
+          <p:cNvPr id="13" name="Picture 12">
+            <a:extLst>
+              <a:ext uri="{FF2B5EF4-FFF2-40B4-BE49-F238E27FC236}">
+                <a16:creationId xmlns:a16="http://schemas.microsoft.com/office/drawing/2014/main" id="{C10F1960-E38B-4275-87C0-1F0FD952D26B}"/>
+              </a:ext>
+            </a:extLst>
+          </p:cNvPr>
+          <p:cNvPicPr>
+            <a:picLocks noChangeAspect="1"/>
+          </p:cNvPicPr>
+          <p:nvPr/>
+        </p:nvPicPr>
+        <p:blipFill>
+          <a:blip r:embed="rId5">
+            <a:extLst>
+              <a:ext uri="{28A0092B-C50C-407E-A947-70E740481C1C}">
+                <a14:useLocalDpi xmlns:a14="http://schemas.microsoft.com/office/drawing/2010/main" val="0"/>
+              </a:ext>
+            </a:extLst>
+          </a:blip>
+          <a:stretch>
+            <a:fillRect/>
+          </a:stretch>
+        </p:blipFill>
+        <p:spPr>
+          <a:xfrm>
+            <a:off x="7275635" y="4792788"/>
+            <a:ext cx="4008061" cy="1841203"/>
+          </a:xfrm>
+          <a:prstGeom prst="rect">
+            <a:avLst/>
+          </a:prstGeom>
+        </p:spPr>
+      </p:pic>
       <p:sp>
         <p:nvSpPr>
           <p:cNvPr id="3" name="TextBox 2">
             <a:extLst>
               <a:ext uri="{FF2B5EF4-FFF2-40B4-BE49-F238E27FC236}">
-                <a16:creationId xmlns:a16="http://schemas.microsoft.com/office/drawing/2014/main" id="{AC821C2B-322E-4BA9-A2A0-9553DB3072AF}"/>
+                <a16:creationId xmlns:a16="http://schemas.microsoft.com/office/drawing/2014/main" id="{BBC02749-1951-47A8-9F9C-12D5D8F385B4}"/>
               </a:ext>
             </a:extLst>
           </p:cNvPr>
@@ -10935,8 +14245,8 @@
         </p:nvSpPr>
         <p:spPr>
           <a:xfrm>
-            <a:off x="2335537" y="6440444"/>
-            <a:ext cx="1053494" cy="369332"/>
+            <a:off x="8207192" y="4456794"/>
+            <a:ext cx="2144946" cy="369332"/>
           </a:xfrm>
           <a:prstGeom prst="rect">
             <a:avLst/>
@@ -10951,43 +14261,7 @@
           <a:p>
             <a:r>
               <a:rPr lang="mk-MK" dirty="0"/>
-              <a:t>Без низи</a:t>
-            </a:r>
-            <a:endParaRPr lang="en-US" dirty="0"/>
-          </a:p>
-        </p:txBody>
-      </p:sp>
-      <p:sp>
-        <p:nvSpPr>
-          <p:cNvPr id="4" name="TextBox 3">
-            <a:extLst>
-              <a:ext uri="{FF2B5EF4-FFF2-40B4-BE49-F238E27FC236}">
-                <a16:creationId xmlns:a16="http://schemas.microsoft.com/office/drawing/2014/main" id="{2AE420C5-B50F-42ED-B30A-6405F08699F9}"/>
-              </a:ext>
-            </a:extLst>
-          </p:cNvPr>
-          <p:cNvSpPr txBox="1"/>
-          <p:nvPr/>
-        </p:nvSpPr>
-        <p:spPr>
-          <a:xfrm>
-            <a:off x="7910802" y="6432463"/>
-            <a:ext cx="962123" cy="369332"/>
-          </a:xfrm>
-          <a:prstGeom prst="rect">
-            <a:avLst/>
-          </a:prstGeom>
-          <a:noFill/>
-        </p:spPr>
-        <p:txBody>
-          <a:bodyPr wrap="none" rtlCol="0">
-            <a:spAutoFit/>
-          </a:bodyPr>
-          <a:lstStyle/>
-          <a:p>
-            <a:r>
-              <a:rPr lang="mk-MK" dirty="0"/>
-              <a:t>Со низи</a:t>
+              <a:t>Елементи во низата</a:t>
             </a:r>
             <a:endParaRPr lang="en-US" dirty="0"/>
           </a:p>
@@ -10996,7 +14270,7 @@
     </p:spTree>
     <p:extLst>
       <p:ext uri="{BB962C8B-B14F-4D97-AF65-F5344CB8AC3E}">
-        <p14:creationId xmlns:p14="http://schemas.microsoft.com/office/powerpoint/2010/main" val="3226674971"/>
+        <p14:creationId xmlns:p14="http://schemas.microsoft.com/office/powerpoint/2010/main" val="2238860800"/>
       </p:ext>
     </p:extLst>
   </p:cSld>
@@ -11028,7 +14302,7 @@
           <p:cNvPr id="2" name="Title 1">
             <a:extLst>
               <a:ext uri="{FF2B5EF4-FFF2-40B4-BE49-F238E27FC236}">
-                <a16:creationId xmlns:a16="http://schemas.microsoft.com/office/drawing/2014/main" id="{36C41A89-90DB-49F1-B305-566A1A339150}"/>
+                <a16:creationId xmlns:a16="http://schemas.microsoft.com/office/drawing/2014/main" id="{2CA05032-E934-46F8-A3F2-F14E59243A1D}"/>
               </a:ext>
             </a:extLst>
           </p:cNvPr>
@@ -11045,441 +14319,161 @@
           <a:lstStyle/>
           <a:p>
             <a:r>
-              <a:rPr lang="en-US" dirty="0"/>
-              <a:t>TODO</a:t>
-            </a:r>
-          </a:p>
-        </p:txBody>
-      </p:sp>
-      <p:sp>
-        <p:nvSpPr>
-          <p:cNvPr id="3" name="Content Placeholder 2">
-            <a:extLst>
-              <a:ext uri="{FF2B5EF4-FFF2-40B4-BE49-F238E27FC236}">
-                <a16:creationId xmlns:a16="http://schemas.microsoft.com/office/drawing/2014/main" id="{B20F04A7-1ACC-4CDE-96BA-B903F2EB51EE}"/>
-              </a:ext>
-            </a:extLst>
-          </p:cNvPr>
-          <p:cNvSpPr>
-            <a:spLocks noGrp="1"/>
-          </p:cNvSpPr>
-          <p:nvPr>
-            <p:ph idx="1"/>
-          </p:nvPr>
-        </p:nvSpPr>
+              <a:rPr lang="mk-MK" dirty="0"/>
+              <a:t>Пр: Печатење на низи</a:t>
+            </a:r>
+            <a:endParaRPr lang="en-US" dirty="0"/>
+          </a:p>
+        </p:txBody>
+      </p:sp>
+      <p:pic>
+        <p:nvPicPr>
+          <p:cNvPr id="6" name="Picture 5">
+            <a:extLst>
+              <a:ext uri="{FF2B5EF4-FFF2-40B4-BE49-F238E27FC236}">
+                <a16:creationId xmlns:a16="http://schemas.microsoft.com/office/drawing/2014/main" id="{80C049BB-F948-4B08-8FB8-2FA9FA3613D0}"/>
+              </a:ext>
+            </a:extLst>
+          </p:cNvPr>
+          <p:cNvPicPr>
+            <a:picLocks noChangeAspect="1"/>
+          </p:cNvPicPr>
+          <p:nvPr/>
+        </p:nvPicPr>
+        <p:blipFill>
+          <a:blip r:embed="rId2">
+            <a:extLst>
+              <a:ext uri="{28A0092B-C50C-407E-A947-70E740481C1C}">
+                <a14:useLocalDpi xmlns:a14="http://schemas.microsoft.com/office/drawing/2010/main" val="0"/>
+              </a:ext>
+            </a:extLst>
+          </a:blip>
+          <a:stretch>
+            <a:fillRect/>
+          </a:stretch>
+        </p:blipFill>
         <p:spPr>
           <a:xfrm>
-            <a:off x="1115568" y="2145323"/>
-            <a:ext cx="10168128" cy="4536831"/>
+            <a:off x="1115569" y="5420347"/>
+            <a:ext cx="6350028" cy="1179291"/>
           </a:xfrm>
+          <a:prstGeom prst="rect">
+            <a:avLst/>
+          </a:prstGeom>
         </p:spPr>
-        <p:txBody>
-          <a:bodyPr>
-            <a:normAutofit fontScale="55000" lnSpcReduction="20000"/>
+      </p:pic>
+      <p:sp>
+        <p:nvSpPr>
+          <p:cNvPr id="10" name="TextBox 9">
+            <a:extLst>
+              <a:ext uri="{FF2B5EF4-FFF2-40B4-BE49-F238E27FC236}">
+                <a16:creationId xmlns:a16="http://schemas.microsoft.com/office/drawing/2014/main" id="{3C9C67EE-746C-46E8-8C65-5C7B692D6A92}"/>
+              </a:ext>
+            </a:extLst>
+          </p:cNvPr>
+          <p:cNvSpPr txBox="1"/>
+          <p:nvPr/>
+        </p:nvSpPr>
+        <p:spPr>
+          <a:xfrm>
+            <a:off x="8748225" y="2317201"/>
+            <a:ext cx="2144946" cy="369332"/>
+          </a:xfrm>
+          <a:prstGeom prst="rect">
+            <a:avLst/>
+          </a:prstGeom>
+          <a:noFill/>
+        </p:spPr>
+        <p:txBody>
+          <a:bodyPr wrap="none" rtlCol="0">
+            <a:spAutoFit/>
           </a:bodyPr>
           <a:lstStyle/>
           <a:p>
             <a:r>
-              <a:rPr lang="en-US" dirty="0" err="1"/>
-              <a:t>Nekolku</a:t>
-            </a:r>
-            <a:r>
-              <a:rPr lang="en-US" dirty="0"/>
-              <a:t> </a:t>
-            </a:r>
-            <a:r>
-              <a:rPr lang="en-US" dirty="0" err="1"/>
-              <a:t>pravila</a:t>
-            </a:r>
-            <a:r>
-              <a:rPr lang="en-US" dirty="0"/>
-              <a:t> </a:t>
-            </a:r>
-            <a:r>
-              <a:rPr lang="en-US" dirty="0" err="1"/>
-              <a:t>na</a:t>
-            </a:r>
-            <a:r>
-              <a:rPr lang="en-US" dirty="0"/>
-              <a:t> </a:t>
-            </a:r>
-            <a:r>
-              <a:rPr lang="en-US" dirty="0" err="1"/>
-              <a:t>nizite</a:t>
+              <a:rPr lang="mk-MK" dirty="0"/>
+              <a:t>Елементи во низата</a:t>
             </a:r>
             <a:endParaRPr lang="en-US" dirty="0"/>
           </a:p>
-          <a:p>
-            <a:pPr lvl="1">
-              <a:buFont typeface="Wingdings" panose="05000000000000000000" pitchFamily="2" charset="2"/>
-              <a:buChar char="Ø"/>
-            </a:pPr>
-            <a:r>
-              <a:rPr lang="en-US" dirty="0" err="1"/>
-              <a:t>Imaat</a:t>
-            </a:r>
-            <a:r>
-              <a:rPr lang="en-US" dirty="0"/>
-              <a:t> </a:t>
-            </a:r>
-            <a:r>
-              <a:rPr lang="en-US" dirty="0" err="1"/>
-              <a:t>golemina</a:t>
-            </a:r>
-            <a:r>
-              <a:rPr lang="en-US" dirty="0"/>
-              <a:t> </a:t>
-            </a:r>
-            <a:r>
-              <a:rPr lang="en-US" dirty="0" err="1"/>
-              <a:t>koja</a:t>
-            </a:r>
-            <a:r>
-              <a:rPr lang="en-US" dirty="0"/>
-              <a:t> </a:t>
-            </a:r>
-            <a:r>
-              <a:rPr lang="en-US" dirty="0" err="1"/>
-              <a:t>sto</a:t>
-            </a:r>
-            <a:r>
-              <a:rPr lang="en-US" dirty="0"/>
-              <a:t> </a:t>
-            </a:r>
-            <a:r>
-              <a:rPr lang="en-US" dirty="0" err="1"/>
-              <a:t>nemoze</a:t>
-            </a:r>
-            <a:r>
-              <a:rPr lang="en-US" dirty="0"/>
-              <a:t> da se </a:t>
-            </a:r>
-            <a:r>
-              <a:rPr lang="en-US" dirty="0" err="1"/>
-              <a:t>izmeni</a:t>
-            </a:r>
-            <a:endParaRPr lang="mk-MK" dirty="0"/>
-          </a:p>
-          <a:p>
-            <a:pPr lvl="1">
-              <a:buFont typeface="Wingdings" panose="05000000000000000000" pitchFamily="2" charset="2"/>
-              <a:buChar char="Ø"/>
-            </a:pPr>
-            <a:r>
-              <a:rPr lang="en-US" dirty="0" err="1"/>
-              <a:t>Poradi</a:t>
-            </a:r>
-            <a:r>
-              <a:rPr lang="en-US" dirty="0"/>
-              <a:t> toa ne </a:t>
-            </a:r>
-            <a:r>
-              <a:rPr lang="en-US" dirty="0" err="1"/>
-              <a:t>mozeme</a:t>
-            </a:r>
-            <a:r>
-              <a:rPr lang="en-US" dirty="0"/>
-              <a:t> da </a:t>
-            </a:r>
-            <a:r>
-              <a:rPr lang="en-US" dirty="0" err="1"/>
-              <a:t>pristapime</a:t>
-            </a:r>
-            <a:r>
-              <a:rPr lang="en-US" dirty="0"/>
-              <a:t> </a:t>
-            </a:r>
-            <a:r>
-              <a:rPr lang="en-US" dirty="0" err="1"/>
-              <a:t>ili</a:t>
-            </a:r>
-            <a:r>
-              <a:rPr lang="en-US" dirty="0"/>
-              <a:t> </a:t>
-            </a:r>
-            <a:r>
-              <a:rPr lang="en-US" dirty="0" err="1"/>
-              <a:t>izmenime</a:t>
-            </a:r>
-            <a:r>
-              <a:rPr lang="en-US" dirty="0"/>
-              <a:t> element </a:t>
-            </a:r>
-            <a:r>
-              <a:rPr lang="en-US" dirty="0" err="1"/>
-              <a:t>koj</a:t>
-            </a:r>
-            <a:r>
-              <a:rPr lang="en-US" dirty="0"/>
-              <a:t> </a:t>
-            </a:r>
-            <a:r>
-              <a:rPr lang="en-US" dirty="0" err="1"/>
-              <a:t>sto</a:t>
-            </a:r>
-            <a:r>
-              <a:rPr lang="en-US" dirty="0"/>
-              <a:t> e </a:t>
-            </a:r>
-            <a:r>
-              <a:rPr lang="en-US" dirty="0" err="1"/>
-              <a:t>nadvor</a:t>
-            </a:r>
-            <a:r>
-              <a:rPr lang="en-US" dirty="0"/>
-              <a:t> od </a:t>
-            </a:r>
-            <a:r>
-              <a:rPr lang="en-US" dirty="0" err="1"/>
-              <a:t>goleminata</a:t>
-            </a:r>
-            <a:r>
-              <a:rPr lang="en-US" dirty="0"/>
-              <a:t> </a:t>
-            </a:r>
-            <a:r>
-              <a:rPr lang="en-US" dirty="0" err="1"/>
-              <a:t>na</a:t>
-            </a:r>
-            <a:r>
-              <a:rPr lang="en-US" dirty="0"/>
-              <a:t> </a:t>
-            </a:r>
-            <a:r>
-              <a:rPr lang="en-US" dirty="0" err="1"/>
-              <a:t>nizata</a:t>
-            </a:r>
-            <a:endParaRPr lang="en-US" dirty="0"/>
-          </a:p>
-          <a:p>
-            <a:pPr marL="0" indent="0">
-              <a:buNone/>
-            </a:pPr>
-            <a:r>
-              <a:rPr lang="en-US" dirty="0"/>
-              <a:t>	  </a:t>
-            </a:r>
-          </a:p>
-          <a:p>
-            <a:r>
-              <a:rPr lang="en-US" dirty="0" err="1"/>
-              <a:t>Dobivanje</a:t>
-            </a:r>
-            <a:r>
-              <a:rPr lang="en-US" dirty="0"/>
-              <a:t> </a:t>
-            </a:r>
-            <a:r>
-              <a:rPr lang="en-US" dirty="0" err="1"/>
-              <a:t>na</a:t>
-            </a:r>
-            <a:r>
-              <a:rPr lang="en-US" dirty="0"/>
-              <a:t> </a:t>
-            </a:r>
-            <a:r>
-              <a:rPr lang="en-US" dirty="0" err="1"/>
-              <a:t>golemina</a:t>
-            </a:r>
-            <a:r>
-              <a:rPr lang="en-US" dirty="0"/>
-              <a:t> </a:t>
-            </a:r>
-            <a:r>
-              <a:rPr lang="en-US" dirty="0" err="1"/>
-              <a:t>na</a:t>
-            </a:r>
-            <a:r>
-              <a:rPr lang="en-US" dirty="0"/>
-              <a:t> </a:t>
-            </a:r>
-            <a:r>
-              <a:rPr lang="en-US" dirty="0" err="1"/>
-              <a:t>niza</a:t>
-            </a:r>
-            <a:endParaRPr lang="en-US" dirty="0"/>
-          </a:p>
-          <a:p>
-            <a:pPr lvl="1">
-              <a:buFont typeface="Wingdings" panose="05000000000000000000" pitchFamily="2" charset="2"/>
-              <a:buChar char="Ø"/>
-            </a:pPr>
-            <a:r>
-              <a:rPr lang="en-US" dirty="0"/>
-              <a:t>size(</a:t>
-            </a:r>
-            <a:r>
-              <a:rPr lang="en-US" dirty="0" err="1"/>
-              <a:t>niza</a:t>
-            </a:r>
-            <a:r>
-              <a:rPr lang="en-US" dirty="0"/>
-              <a:t>) / size(int)</a:t>
-            </a:r>
-            <a:endParaRPr lang="mk-MK" dirty="0"/>
-          </a:p>
-          <a:p>
-            <a:pPr marL="0" indent="0">
-              <a:buNone/>
-            </a:pPr>
-            <a:endParaRPr lang="mk-MK" dirty="0"/>
-          </a:p>
-          <a:p>
-            <a:r>
-              <a:rPr lang="mk-MK" dirty="0"/>
-              <a:t>Зошто низи?</a:t>
-            </a:r>
-          </a:p>
-          <a:p>
-            <a:pPr lvl="1">
-              <a:buFont typeface="Wingdings" panose="05000000000000000000" pitchFamily="2" charset="2"/>
-              <a:buChar char="Ø"/>
-            </a:pPr>
-            <a:r>
-              <a:rPr lang="en-US" dirty="0">
-                <a:hlinkClick r:id="rId2"/>
-              </a:rPr>
-              <a:t>https://stackoverflow.com/questions/392397/why-do-we-use-arrays-instead-of-other-data-structures</a:t>
-            </a:r>
-            <a:endParaRPr lang="mk-MK" dirty="0"/>
-          </a:p>
-          <a:p>
-            <a:pPr lvl="1">
-              <a:buFont typeface="Wingdings" panose="05000000000000000000" pitchFamily="2" charset="2"/>
-              <a:buChar char="Ø"/>
-            </a:pPr>
-            <a:r>
-              <a:rPr lang="en-US" dirty="0">
-                <a:hlinkClick r:id="rId3"/>
-              </a:rPr>
-              <a:t>https://www.tutorialspoint.com/computer_programming/computer_programming_arrays.htm#:~:text=An%20array%20is%20a%20data,variables%20of%20the%20same%20type.&amp;text=All%20arrays%20consist%20of%20contiguous%20memory%20locations</a:t>
-            </a:r>
-            <a:r>
-              <a:rPr lang="en-US" dirty="0"/>
-              <a:t>.</a:t>
-            </a:r>
-            <a:endParaRPr lang="mk-MK" dirty="0"/>
-          </a:p>
-          <a:p>
-            <a:pPr lvl="1">
-              <a:buFont typeface="Wingdings" panose="05000000000000000000" pitchFamily="2" charset="2"/>
-              <a:buChar char="Ø"/>
-            </a:pPr>
-            <a:r>
-              <a:rPr lang="en-US" dirty="0">
-                <a:hlinkClick r:id="rId4"/>
-              </a:rPr>
-              <a:t>https://www.educba.com/advantages-of-array/</a:t>
-            </a:r>
-            <a:endParaRPr lang="en-US" dirty="0"/>
-          </a:p>
-          <a:p>
-            <a:pPr marL="0" indent="0">
-              <a:buNone/>
-            </a:pPr>
-            <a:endParaRPr lang="en-US" dirty="0"/>
-          </a:p>
-          <a:p>
-            <a:r>
-              <a:rPr lang="en-US" dirty="0" err="1"/>
-              <a:t>Sodrzina</a:t>
-            </a:r>
-            <a:r>
-              <a:rPr lang="en-US" dirty="0"/>
-              <a:t> </a:t>
-            </a:r>
-            <a:r>
-              <a:rPr lang="en-US" dirty="0" err="1"/>
-              <a:t>na</a:t>
-            </a:r>
-            <a:r>
-              <a:rPr lang="en-US" dirty="0"/>
-              <a:t> </a:t>
-            </a:r>
-            <a:r>
-              <a:rPr lang="en-US" dirty="0" err="1"/>
-              <a:t>niza</a:t>
-            </a:r>
-            <a:endParaRPr lang="en-US" dirty="0"/>
-          </a:p>
-          <a:p>
-            <a:pPr lvl="1">
-              <a:buFont typeface="Wingdings" panose="05000000000000000000" pitchFamily="2" charset="2"/>
-              <a:buChar char="Ø"/>
-            </a:pPr>
-            <a:r>
-              <a:rPr lang="mk-MK" dirty="0"/>
-              <a:t>Е</a:t>
-            </a:r>
-            <a:r>
-              <a:rPr lang="en-US" dirty="0" err="1"/>
-              <a:t>lementi</a:t>
-            </a:r>
-            <a:r>
-              <a:rPr lang="en-US" dirty="0"/>
-              <a:t> </a:t>
-            </a:r>
-            <a:r>
-              <a:rPr lang="en-US" dirty="0" err="1"/>
-              <a:t>i</a:t>
-            </a:r>
-            <a:r>
-              <a:rPr lang="en-US" dirty="0"/>
-              <a:t> </a:t>
-            </a:r>
-            <a:r>
-              <a:rPr lang="en-US" dirty="0" err="1"/>
-              <a:t>nivni</a:t>
-            </a:r>
-            <a:r>
-              <a:rPr lang="en-US" dirty="0"/>
-              <a:t> </a:t>
-            </a:r>
-            <a:r>
-              <a:rPr lang="en-US" dirty="0" err="1"/>
-              <a:t>indexi</a:t>
-            </a:r>
-            <a:r>
-              <a:rPr lang="en-US" dirty="0"/>
-              <a:t> od </a:t>
-            </a:r>
-            <a:r>
-              <a:rPr lang="en-US" dirty="0" err="1"/>
-              <a:t>vscode</a:t>
-            </a:r>
-            <a:r>
-              <a:rPr lang="en-US" dirty="0"/>
-              <a:t> </a:t>
-            </a:r>
-            <a:r>
-              <a:rPr lang="en-US" dirty="0" err="1"/>
-              <a:t>pri</a:t>
-            </a:r>
-            <a:r>
-              <a:rPr lang="en-US" dirty="0"/>
-              <a:t> debugging</a:t>
-            </a:r>
-            <a:endParaRPr lang="mk-MK" dirty="0"/>
-          </a:p>
-          <a:p>
-            <a:pPr marL="457200" lvl="1" indent="0">
-              <a:buNone/>
-            </a:pPr>
-            <a:endParaRPr lang="mk-MK" dirty="0"/>
-          </a:p>
-          <a:p>
-            <a:r>
-              <a:rPr lang="mk-MK" dirty="0"/>
-              <a:t>Примери</a:t>
-            </a:r>
-            <a:endParaRPr lang="en-US" dirty="0"/>
-          </a:p>
-        </p:txBody>
-      </p:sp>
+        </p:txBody>
+      </p:sp>
+      <p:pic>
+        <p:nvPicPr>
+          <p:cNvPr id="12" name="Picture 11">
+            <a:extLst>
+              <a:ext uri="{FF2B5EF4-FFF2-40B4-BE49-F238E27FC236}">
+                <a16:creationId xmlns:a16="http://schemas.microsoft.com/office/drawing/2014/main" id="{55C557BE-583F-4451-B88C-03AEBCBDF6C3}"/>
+              </a:ext>
+            </a:extLst>
+          </p:cNvPr>
+          <p:cNvPicPr>
+            <a:picLocks noChangeAspect="1"/>
+          </p:cNvPicPr>
+          <p:nvPr/>
+        </p:nvPicPr>
+        <p:blipFill>
+          <a:blip r:embed="rId3">
+            <a:extLst>
+              <a:ext uri="{28A0092B-C50C-407E-A947-70E740481C1C}">
+                <a14:useLocalDpi xmlns:a14="http://schemas.microsoft.com/office/drawing/2010/main" val="0"/>
+              </a:ext>
+            </a:extLst>
+          </a:blip>
+          <a:stretch>
+            <a:fillRect/>
+          </a:stretch>
+        </p:blipFill>
+        <p:spPr>
+          <a:xfrm>
+            <a:off x="1115568" y="2317201"/>
+            <a:ext cx="6350028" cy="2942696"/>
+          </a:xfrm>
+          <a:prstGeom prst="rect">
+            <a:avLst/>
+          </a:prstGeom>
+        </p:spPr>
+      </p:pic>
+      <p:pic>
+        <p:nvPicPr>
+          <p:cNvPr id="16" name="Picture 15">
+            <a:extLst>
+              <a:ext uri="{FF2B5EF4-FFF2-40B4-BE49-F238E27FC236}">
+                <a16:creationId xmlns:a16="http://schemas.microsoft.com/office/drawing/2014/main" id="{8B1CAD46-85D5-4566-B8BB-0FE38FCA422F}"/>
+              </a:ext>
+            </a:extLst>
+          </p:cNvPr>
+          <p:cNvPicPr>
+            <a:picLocks noChangeAspect="1"/>
+          </p:cNvPicPr>
+          <p:nvPr/>
+        </p:nvPicPr>
+        <p:blipFill>
+          <a:blip r:embed="rId4">
+            <a:extLst>
+              <a:ext uri="{28A0092B-C50C-407E-A947-70E740481C1C}">
+                <a14:useLocalDpi xmlns:a14="http://schemas.microsoft.com/office/drawing/2010/main" val="0"/>
+              </a:ext>
+            </a:extLst>
+          </a:blip>
+          <a:stretch>
+            <a:fillRect/>
+          </a:stretch>
+        </p:blipFill>
+        <p:spPr>
+          <a:xfrm>
+            <a:off x="8828380" y="2686533"/>
+            <a:ext cx="1984636" cy="3913105"/>
+          </a:xfrm>
+          <a:prstGeom prst="rect">
+            <a:avLst/>
+          </a:prstGeom>
+        </p:spPr>
+      </p:pic>
     </p:spTree>
     <p:extLst>
       <p:ext uri="{BB962C8B-B14F-4D97-AF65-F5344CB8AC3E}">
-        <p14:creationId xmlns:p14="http://schemas.microsoft.com/office/powerpoint/2010/main" val="2457151103"/>
+        <p14:creationId xmlns:p14="http://schemas.microsoft.com/office/powerpoint/2010/main" val="3908928156"/>
       </p:ext>
     </p:extLst>
   </p:cSld>
@@ -11688,4 +14682,299 @@
     </a:ext>
   </a:extLst>
 </a:theme>
+</file>
+
+<file path=ppt/theme/theme2.xml><?xml version="1.0" encoding="utf-8"?>
+<a:theme xmlns:a="http://schemas.openxmlformats.org/drawingml/2006/main" name="Office Theme">
+  <a:themeElements>
+    <a:clrScheme name="Office">
+      <a:dk1>
+        <a:sysClr val="windowText" lastClr="000000"/>
+      </a:dk1>
+      <a:lt1>
+        <a:sysClr val="window" lastClr="FFFFFF"/>
+      </a:lt1>
+      <a:dk2>
+        <a:srgbClr val="44546A"/>
+      </a:dk2>
+      <a:lt2>
+        <a:srgbClr val="E7E6E6"/>
+      </a:lt2>
+      <a:accent1>
+        <a:srgbClr val="4472C4"/>
+      </a:accent1>
+      <a:accent2>
+        <a:srgbClr val="ED7D31"/>
+      </a:accent2>
+      <a:accent3>
+        <a:srgbClr val="A5A5A5"/>
+      </a:accent3>
+      <a:accent4>
+        <a:srgbClr val="FFC000"/>
+      </a:accent4>
+      <a:accent5>
+        <a:srgbClr val="5B9BD5"/>
+      </a:accent5>
+      <a:accent6>
+        <a:srgbClr val="70AD47"/>
+      </a:accent6>
+      <a:hlink>
+        <a:srgbClr val="0563C1"/>
+      </a:hlink>
+      <a:folHlink>
+        <a:srgbClr val="954F72"/>
+      </a:folHlink>
+    </a:clrScheme>
+    <a:fontScheme name="Office">
+      <a:majorFont>
+        <a:latin typeface="Calibri Light" panose="020F0302020204030204"/>
+        <a:ea typeface=""/>
+        <a:cs typeface=""/>
+        <a:font script="Jpan" typeface="游ゴシック Light"/>
+        <a:font script="Hang" typeface="맑은 고딕"/>
+        <a:font script="Hans" typeface="等线 Light"/>
+        <a:font script="Hant" typeface="新細明體"/>
+        <a:font script="Arab" typeface="Times New Roman"/>
+        <a:font script="Hebr" typeface="Times New Roman"/>
+        <a:font script="Thai" typeface="Angsana New"/>
+        <a:font script="Ethi" typeface="Nyala"/>
+        <a:font script="Beng" typeface="Vrinda"/>
+        <a:font script="Gujr" typeface="Shruti"/>
+        <a:font script="Khmr" typeface="MoolBoran"/>
+        <a:font script="Knda" typeface="Tunga"/>
+        <a:font script="Guru" typeface="Raavi"/>
+        <a:font script="Cans" typeface="Euphemia"/>
+        <a:font script="Cher" typeface="Plantagenet Cherokee"/>
+        <a:font script="Yiii" typeface="Microsoft Yi Baiti"/>
+        <a:font script="Tibt" typeface="Microsoft Himalaya"/>
+        <a:font script="Thaa" typeface="MV Boli"/>
+        <a:font script="Deva" typeface="Mangal"/>
+        <a:font script="Telu" typeface="Gautami"/>
+        <a:font script="Taml" typeface="Latha"/>
+        <a:font script="Syrc" typeface="Estrangelo Edessa"/>
+        <a:font script="Orya" typeface="Kalinga"/>
+        <a:font script="Mlym" typeface="Kartika"/>
+        <a:font script="Laoo" typeface="DokChampa"/>
+        <a:font script="Sinh" typeface="Iskoola Pota"/>
+        <a:font script="Mong" typeface="Mongolian Baiti"/>
+        <a:font script="Viet" typeface="Times New Roman"/>
+        <a:font script="Uigh" typeface="Microsoft Uighur"/>
+        <a:font script="Geor" typeface="Sylfaen"/>
+        <a:font script="Armn" typeface="Arial"/>
+        <a:font script="Bugi" typeface="Leelawadee UI"/>
+        <a:font script="Bopo" typeface="Microsoft JhengHei"/>
+        <a:font script="Java" typeface="Javanese Text"/>
+        <a:font script="Lisu" typeface="Segoe UI"/>
+        <a:font script="Mymr" typeface="Myanmar Text"/>
+        <a:font script="Nkoo" typeface="Ebrima"/>
+        <a:font script="Olck" typeface="Nirmala UI"/>
+        <a:font script="Osma" typeface="Ebrima"/>
+        <a:font script="Phag" typeface="Phagspa"/>
+        <a:font script="Syrn" typeface="Estrangelo Edessa"/>
+        <a:font script="Syrj" typeface="Estrangelo Edessa"/>
+        <a:font script="Syre" typeface="Estrangelo Edessa"/>
+        <a:font script="Sora" typeface="Nirmala UI"/>
+        <a:font script="Tale" typeface="Microsoft Tai Le"/>
+        <a:font script="Talu" typeface="Microsoft New Tai Lue"/>
+        <a:font script="Tfng" typeface="Ebrima"/>
+      </a:majorFont>
+      <a:minorFont>
+        <a:latin typeface="Calibri" panose="020F0502020204030204"/>
+        <a:ea typeface=""/>
+        <a:cs typeface=""/>
+        <a:font script="Jpan" typeface="游ゴシック"/>
+        <a:font script="Hang" typeface="맑은 고딕"/>
+        <a:font script="Hans" typeface="等线"/>
+        <a:font script="Hant" typeface="新細明體"/>
+        <a:font script="Arab" typeface="Arial"/>
+        <a:font script="Hebr" typeface="Arial"/>
+        <a:font script="Thai" typeface="Cordia New"/>
+        <a:font script="Ethi" typeface="Nyala"/>
+        <a:font script="Beng" typeface="Vrinda"/>
+        <a:font script="Gujr" typeface="Shruti"/>
+        <a:font script="Khmr" typeface="DaunPenh"/>
+        <a:font script="Knda" typeface="Tunga"/>
+        <a:font script="Guru" typeface="Raavi"/>
+        <a:font script="Cans" typeface="Euphemia"/>
+        <a:font script="Cher" typeface="Plantagenet Cherokee"/>
+        <a:font script="Yiii" typeface="Microsoft Yi Baiti"/>
+        <a:font script="Tibt" typeface="Microsoft Himalaya"/>
+        <a:font script="Thaa" typeface="MV Boli"/>
+        <a:font script="Deva" typeface="Mangal"/>
+        <a:font script="Telu" typeface="Gautami"/>
+        <a:font script="Taml" typeface="Latha"/>
+        <a:font script="Syrc" typeface="Estrangelo Edessa"/>
+        <a:font script="Orya" typeface="Kalinga"/>
+        <a:font script="Mlym" typeface="Kartika"/>
+        <a:font script="Laoo" typeface="DokChampa"/>
+        <a:font script="Sinh" typeface="Iskoola Pota"/>
+        <a:font script="Mong" typeface="Mongolian Baiti"/>
+        <a:font script="Viet" typeface="Arial"/>
+        <a:font script="Uigh" typeface="Microsoft Uighur"/>
+        <a:font script="Geor" typeface="Sylfaen"/>
+        <a:font script="Armn" typeface="Arial"/>
+        <a:font script="Bugi" typeface="Leelawadee UI"/>
+        <a:font script="Bopo" typeface="Microsoft JhengHei"/>
+        <a:font script="Java" typeface="Javanese Text"/>
+        <a:font script="Lisu" typeface="Segoe UI"/>
+        <a:font script="Mymr" typeface="Myanmar Text"/>
+        <a:font script="Nkoo" typeface="Ebrima"/>
+        <a:font script="Olck" typeface="Nirmala UI"/>
+        <a:font script="Osma" typeface="Ebrima"/>
+        <a:font script="Phag" typeface="Phagspa"/>
+        <a:font script="Syrn" typeface="Estrangelo Edessa"/>
+        <a:font script="Syrj" typeface="Estrangelo Edessa"/>
+        <a:font script="Syre" typeface="Estrangelo Edessa"/>
+        <a:font script="Sora" typeface="Nirmala UI"/>
+        <a:font script="Tale" typeface="Microsoft Tai Le"/>
+        <a:font script="Talu" typeface="Microsoft New Tai Lue"/>
+        <a:font script="Tfng" typeface="Ebrima"/>
+      </a:minorFont>
+    </a:fontScheme>
+    <a:fmtScheme name="Office">
+      <a:fillStyleLst>
+        <a:solidFill>
+          <a:schemeClr val="phClr"/>
+        </a:solidFill>
+        <a:gradFill rotWithShape="1">
+          <a:gsLst>
+            <a:gs pos="0">
+              <a:schemeClr val="phClr">
+                <a:lumMod val="110000"/>
+                <a:satMod val="105000"/>
+                <a:tint val="67000"/>
+              </a:schemeClr>
+            </a:gs>
+            <a:gs pos="50000">
+              <a:schemeClr val="phClr">
+                <a:lumMod val="105000"/>
+                <a:satMod val="103000"/>
+                <a:tint val="73000"/>
+              </a:schemeClr>
+            </a:gs>
+            <a:gs pos="100000">
+              <a:schemeClr val="phClr">
+                <a:lumMod val="105000"/>
+                <a:satMod val="109000"/>
+                <a:tint val="81000"/>
+              </a:schemeClr>
+            </a:gs>
+          </a:gsLst>
+          <a:lin ang="5400000" scaled="0"/>
+        </a:gradFill>
+        <a:gradFill rotWithShape="1">
+          <a:gsLst>
+            <a:gs pos="0">
+              <a:schemeClr val="phClr">
+                <a:satMod val="103000"/>
+                <a:lumMod val="102000"/>
+                <a:tint val="94000"/>
+              </a:schemeClr>
+            </a:gs>
+            <a:gs pos="50000">
+              <a:schemeClr val="phClr">
+                <a:satMod val="110000"/>
+                <a:lumMod val="100000"/>
+                <a:shade val="100000"/>
+              </a:schemeClr>
+            </a:gs>
+            <a:gs pos="100000">
+              <a:schemeClr val="phClr">
+                <a:lumMod val="99000"/>
+                <a:satMod val="120000"/>
+                <a:shade val="78000"/>
+              </a:schemeClr>
+            </a:gs>
+          </a:gsLst>
+          <a:lin ang="5400000" scaled="0"/>
+        </a:gradFill>
+      </a:fillStyleLst>
+      <a:lnStyleLst>
+        <a:ln w="6350" cap="flat" cmpd="sng" algn="ctr">
+          <a:solidFill>
+            <a:schemeClr val="phClr"/>
+          </a:solidFill>
+          <a:prstDash val="solid"/>
+          <a:miter lim="800000"/>
+        </a:ln>
+        <a:ln w="12700" cap="flat" cmpd="sng" algn="ctr">
+          <a:solidFill>
+            <a:schemeClr val="phClr"/>
+          </a:solidFill>
+          <a:prstDash val="solid"/>
+          <a:miter lim="800000"/>
+        </a:ln>
+        <a:ln w="19050" cap="flat" cmpd="sng" algn="ctr">
+          <a:solidFill>
+            <a:schemeClr val="phClr"/>
+          </a:solidFill>
+          <a:prstDash val="solid"/>
+          <a:miter lim="800000"/>
+        </a:ln>
+      </a:lnStyleLst>
+      <a:effectStyleLst>
+        <a:effectStyle>
+          <a:effectLst/>
+        </a:effectStyle>
+        <a:effectStyle>
+          <a:effectLst/>
+        </a:effectStyle>
+        <a:effectStyle>
+          <a:effectLst>
+            <a:outerShdw blurRad="57150" dist="19050" dir="5400000" algn="ctr" rotWithShape="0">
+              <a:srgbClr val="000000">
+                <a:alpha val="63000"/>
+              </a:srgbClr>
+            </a:outerShdw>
+          </a:effectLst>
+        </a:effectStyle>
+      </a:effectStyleLst>
+      <a:bgFillStyleLst>
+        <a:solidFill>
+          <a:schemeClr val="phClr"/>
+        </a:solidFill>
+        <a:solidFill>
+          <a:schemeClr val="phClr">
+            <a:tint val="95000"/>
+            <a:satMod val="170000"/>
+          </a:schemeClr>
+        </a:solidFill>
+        <a:gradFill rotWithShape="1">
+          <a:gsLst>
+            <a:gs pos="0">
+              <a:schemeClr val="phClr">
+                <a:tint val="93000"/>
+                <a:satMod val="150000"/>
+                <a:shade val="98000"/>
+                <a:lumMod val="102000"/>
+              </a:schemeClr>
+            </a:gs>
+            <a:gs pos="50000">
+              <a:schemeClr val="phClr">
+                <a:tint val="98000"/>
+                <a:satMod val="130000"/>
+                <a:shade val="90000"/>
+                <a:lumMod val="103000"/>
+              </a:schemeClr>
+            </a:gs>
+            <a:gs pos="100000">
+              <a:schemeClr val="phClr">
+                <a:shade val="63000"/>
+                <a:satMod val="120000"/>
+              </a:schemeClr>
+            </a:gs>
+          </a:gsLst>
+          <a:lin ang="5400000" scaled="0"/>
+        </a:gradFill>
+      </a:bgFillStyleLst>
+    </a:fmtScheme>
+  </a:themeElements>
+  <a:objectDefaults/>
+  <a:extraClrSchemeLst/>
+  <a:extLst>
+    <a:ext uri="{05A4C25C-085E-4340-85A3-A5531E510DB2}">
+      <thm15:themeFamily xmlns:thm15="http://schemas.microsoft.com/office/thememl/2012/main" name="Office Theme" id="{62F939B6-93AF-4DB8-9C6B-D6C7DFDC589F}" vid="{4A3C46E8-61CC-4603-A589-7422A47A8E4A}"/>
+    </a:ext>
+  </a:extLst>
+</a:theme>
 </file>
--- a/Nizi/Prezentacija/Nizi.pptx
+++ b/Nizi/Prezentacija/Nizi.pptx
@@ -1814,6 +1814,1033 @@
 </file>
 
 <file path=ppt/notesSlides/notesSlide6.xml><?xml version="1.0" encoding="utf-8"?>
+<p:notes xmlns:a="http://schemas.openxmlformats.org/drawingml/2006/main" xmlns:r="http://schemas.openxmlformats.org/officeDocument/2006/relationships" xmlns:p="http://schemas.openxmlformats.org/presentationml/2006/main">
+  <p:cSld>
+    <p:spTree>
+      <p:nvGrpSpPr>
+        <p:cNvPr id="1" name=""/>
+        <p:cNvGrpSpPr/>
+        <p:nvPr/>
+      </p:nvGrpSpPr>
+      <p:grpSpPr>
+        <a:xfrm>
+          <a:off x="0" y="0"/>
+          <a:ext cx="0" cy="0"/>
+          <a:chOff x="0" y="0"/>
+          <a:chExt cx="0" cy="0"/>
+        </a:xfrm>
+      </p:grpSpPr>
+      <p:sp>
+        <p:nvSpPr>
+          <p:cNvPr id="2" name="Slide Image Placeholder 1"/>
+          <p:cNvSpPr>
+            <a:spLocks noGrp="1" noRot="1" noChangeAspect="1"/>
+          </p:cNvSpPr>
+          <p:nvPr>
+            <p:ph type="sldImg"/>
+          </p:nvPr>
+        </p:nvSpPr>
+        <p:spPr/>
+      </p:sp>
+      <p:sp>
+        <p:nvSpPr>
+          <p:cNvPr id="3" name="Notes Placeholder 2"/>
+          <p:cNvSpPr>
+            <a:spLocks noGrp="1"/>
+          </p:cNvSpPr>
+          <p:nvPr>
+            <p:ph type="body" idx="1"/>
+          </p:nvPr>
+        </p:nvSpPr>
+        <p:spPr/>
+        <p:txBody>
+          <a:bodyPr/>
+          <a:lstStyle/>
+          <a:p>
+            <a:r>
+              <a:rPr lang="en-US" b="0" dirty="0">
+                <a:solidFill>
+                  <a:srgbClr val="FFA759"/>
+                </a:solidFill>
+                <a:effectLst/>
+                <a:latin typeface="Consolas" panose="020B0609020204030204" pitchFamily="49" charset="0"/>
+              </a:rPr>
+              <a:t>#include</a:t>
+            </a:r>
+            <a:r>
+              <a:rPr lang="en-US" b="0" dirty="0">
+                <a:solidFill>
+                  <a:srgbClr val="CBCCC6"/>
+                </a:solidFill>
+                <a:effectLst/>
+                <a:latin typeface="Consolas" panose="020B0609020204030204" pitchFamily="49" charset="0"/>
+              </a:rPr>
+              <a:t> </a:t>
+            </a:r>
+            <a:r>
+              <a:rPr lang="en-US" b="0" dirty="0">
+                <a:solidFill>
+                  <a:srgbClr val="BAE67E"/>
+                </a:solidFill>
+                <a:effectLst/>
+                <a:latin typeface="Consolas" panose="020B0609020204030204" pitchFamily="49" charset="0"/>
+              </a:rPr>
+              <a:t>&lt;iostream&gt;</a:t>
+            </a:r>
+            <a:endParaRPr lang="en-US" b="0" dirty="0">
+              <a:solidFill>
+                <a:srgbClr val="CBCCC6"/>
+              </a:solidFill>
+              <a:effectLst/>
+              <a:latin typeface="Consolas" panose="020B0609020204030204" pitchFamily="49" charset="0"/>
+            </a:endParaRPr>
+          </a:p>
+          <a:p>
+            <a:br>
+              <a:rPr lang="en-US" b="0" dirty="0">
+                <a:solidFill>
+                  <a:srgbClr val="CBCCC6"/>
+                </a:solidFill>
+                <a:effectLst/>
+                <a:latin typeface="Consolas" panose="020B0609020204030204" pitchFamily="49" charset="0"/>
+              </a:rPr>
+            </a:br>
+            <a:r>
+              <a:rPr lang="en-US" b="0" dirty="0">
+                <a:solidFill>
+                  <a:srgbClr val="FFA759"/>
+                </a:solidFill>
+                <a:effectLst/>
+                <a:latin typeface="Consolas" panose="020B0609020204030204" pitchFamily="49" charset="0"/>
+              </a:rPr>
+              <a:t>using</a:t>
+            </a:r>
+            <a:r>
+              <a:rPr lang="en-US" b="0" dirty="0">
+                <a:solidFill>
+                  <a:srgbClr val="CBCCC6"/>
+                </a:solidFill>
+                <a:effectLst/>
+                <a:latin typeface="Consolas" panose="020B0609020204030204" pitchFamily="49" charset="0"/>
+              </a:rPr>
+              <a:t> </a:t>
+            </a:r>
+            <a:r>
+              <a:rPr lang="en-US" b="0" dirty="0">
+                <a:solidFill>
+                  <a:srgbClr val="FFA759"/>
+                </a:solidFill>
+                <a:effectLst/>
+                <a:latin typeface="Consolas" panose="020B0609020204030204" pitchFamily="49" charset="0"/>
+              </a:rPr>
+              <a:t>namespace</a:t>
+            </a:r>
+            <a:r>
+              <a:rPr lang="en-US" b="0" dirty="0">
+                <a:solidFill>
+                  <a:srgbClr val="CBCCC6"/>
+                </a:solidFill>
+                <a:effectLst/>
+                <a:latin typeface="Consolas" panose="020B0609020204030204" pitchFamily="49" charset="0"/>
+              </a:rPr>
+              <a:t> </a:t>
+            </a:r>
+            <a:r>
+              <a:rPr lang="en-US" b="0" dirty="0">
+                <a:solidFill>
+                  <a:srgbClr val="73D0FF"/>
+                </a:solidFill>
+                <a:effectLst/>
+                <a:latin typeface="Consolas" panose="020B0609020204030204" pitchFamily="49" charset="0"/>
+              </a:rPr>
+              <a:t>std</a:t>
+            </a:r>
+            <a:r>
+              <a:rPr lang="en-US" b="0" dirty="0">
+                <a:solidFill>
+                  <a:srgbClr val="CBCCC6"/>
+                </a:solidFill>
+                <a:effectLst/>
+                <a:latin typeface="Consolas" panose="020B0609020204030204" pitchFamily="49" charset="0"/>
+              </a:rPr>
+              <a:t>;</a:t>
+            </a:r>
+          </a:p>
+          <a:p>
+            <a:br>
+              <a:rPr lang="en-US" b="0" dirty="0">
+                <a:solidFill>
+                  <a:srgbClr val="CBCCC6"/>
+                </a:solidFill>
+                <a:effectLst/>
+                <a:latin typeface="Consolas" panose="020B0609020204030204" pitchFamily="49" charset="0"/>
+              </a:rPr>
+            </a:br>
+            <a:r>
+              <a:rPr lang="en-US" b="0" dirty="0">
+                <a:solidFill>
+                  <a:srgbClr val="FFA759"/>
+                </a:solidFill>
+                <a:effectLst/>
+                <a:latin typeface="Consolas" panose="020B0609020204030204" pitchFamily="49" charset="0"/>
+              </a:rPr>
+              <a:t>int</a:t>
+            </a:r>
+            <a:r>
+              <a:rPr lang="en-US" b="0" dirty="0">
+                <a:solidFill>
+                  <a:srgbClr val="CBCCC6"/>
+                </a:solidFill>
+                <a:effectLst/>
+                <a:latin typeface="Consolas" panose="020B0609020204030204" pitchFamily="49" charset="0"/>
+              </a:rPr>
+              <a:t> </a:t>
+            </a:r>
+            <a:r>
+              <a:rPr lang="en-US" b="0" dirty="0">
+                <a:solidFill>
+                  <a:srgbClr val="FFD580"/>
+                </a:solidFill>
+                <a:effectLst/>
+                <a:latin typeface="Consolas" panose="020B0609020204030204" pitchFamily="49" charset="0"/>
+              </a:rPr>
+              <a:t>main</a:t>
+            </a:r>
+            <a:r>
+              <a:rPr lang="en-US" b="0" dirty="0">
+                <a:solidFill>
+                  <a:srgbClr val="CBCCC6"/>
+                </a:solidFill>
+                <a:effectLst/>
+                <a:latin typeface="Consolas" panose="020B0609020204030204" pitchFamily="49" charset="0"/>
+              </a:rPr>
+              <a:t>()</a:t>
+            </a:r>
+          </a:p>
+          <a:p>
+            <a:r>
+              <a:rPr lang="en-US" b="0" dirty="0">
+                <a:solidFill>
+                  <a:srgbClr val="CBCCC6"/>
+                </a:solidFill>
+                <a:effectLst/>
+                <a:latin typeface="Consolas" panose="020B0609020204030204" pitchFamily="49" charset="0"/>
+              </a:rPr>
+              <a:t>{</a:t>
+            </a:r>
+          </a:p>
+          <a:p>
+            <a:r>
+              <a:rPr lang="en-US" b="0" dirty="0">
+                <a:solidFill>
+                  <a:srgbClr val="CBCCC6"/>
+                </a:solidFill>
+                <a:effectLst/>
+                <a:latin typeface="Consolas" panose="020B0609020204030204" pitchFamily="49" charset="0"/>
+              </a:rPr>
+              <a:t>    </a:t>
+            </a:r>
+            <a:r>
+              <a:rPr lang="en-US" b="0" dirty="0">
+                <a:solidFill>
+                  <a:srgbClr val="FFA759"/>
+                </a:solidFill>
+                <a:effectLst/>
+                <a:latin typeface="Consolas" panose="020B0609020204030204" pitchFamily="49" charset="0"/>
+              </a:rPr>
+              <a:t>int</a:t>
+            </a:r>
+            <a:r>
+              <a:rPr lang="en-US" b="0" dirty="0">
+                <a:solidFill>
+                  <a:srgbClr val="CBCCC6"/>
+                </a:solidFill>
+                <a:effectLst/>
+                <a:latin typeface="Consolas" panose="020B0609020204030204" pitchFamily="49" charset="0"/>
+              </a:rPr>
+              <a:t> </a:t>
+            </a:r>
+            <a:r>
+              <a:rPr lang="en-US" b="0" dirty="0" err="1">
+                <a:solidFill>
+                  <a:srgbClr val="CBCCC6"/>
+                </a:solidFill>
+                <a:effectLst/>
+                <a:latin typeface="Consolas" panose="020B0609020204030204" pitchFamily="49" charset="0"/>
+              </a:rPr>
+              <a:t>broevi</a:t>
+            </a:r>
+            <a:r>
+              <a:rPr lang="en-US" b="0" dirty="0">
+                <a:solidFill>
+                  <a:srgbClr val="CBCCC6"/>
+                </a:solidFill>
+                <a:effectLst/>
+                <a:latin typeface="Consolas" panose="020B0609020204030204" pitchFamily="49" charset="0"/>
+              </a:rPr>
+              <a:t>[] </a:t>
+            </a:r>
+            <a:r>
+              <a:rPr lang="en-US" b="0" dirty="0">
+                <a:solidFill>
+                  <a:srgbClr val="F29E74"/>
+                </a:solidFill>
+                <a:effectLst/>
+                <a:latin typeface="Consolas" panose="020B0609020204030204" pitchFamily="49" charset="0"/>
+              </a:rPr>
+              <a:t>=</a:t>
+            </a:r>
+            <a:r>
+              <a:rPr lang="en-US" b="0" dirty="0">
+                <a:solidFill>
+                  <a:srgbClr val="CBCCC6"/>
+                </a:solidFill>
+                <a:effectLst/>
+                <a:latin typeface="Consolas" panose="020B0609020204030204" pitchFamily="49" charset="0"/>
+              </a:rPr>
+              <a:t> {</a:t>
+            </a:r>
+            <a:r>
+              <a:rPr lang="en-US" b="0" dirty="0">
+                <a:solidFill>
+                  <a:srgbClr val="FFCC66"/>
+                </a:solidFill>
+                <a:effectLst/>
+                <a:latin typeface="Consolas" panose="020B0609020204030204" pitchFamily="49" charset="0"/>
+              </a:rPr>
+              <a:t>3</a:t>
+            </a:r>
+            <a:r>
+              <a:rPr lang="en-US" b="0" dirty="0">
+                <a:solidFill>
+                  <a:srgbClr val="CBCCC6"/>
+                </a:solidFill>
+                <a:effectLst/>
+                <a:latin typeface="Consolas" panose="020B0609020204030204" pitchFamily="49" charset="0"/>
+              </a:rPr>
+              <a:t>, </a:t>
+            </a:r>
+            <a:r>
+              <a:rPr lang="en-US" b="0" dirty="0">
+                <a:solidFill>
+                  <a:srgbClr val="FFCC66"/>
+                </a:solidFill>
+                <a:effectLst/>
+                <a:latin typeface="Consolas" panose="020B0609020204030204" pitchFamily="49" charset="0"/>
+              </a:rPr>
+              <a:t>6</a:t>
+            </a:r>
+            <a:r>
+              <a:rPr lang="en-US" b="0" dirty="0">
+                <a:solidFill>
+                  <a:srgbClr val="CBCCC6"/>
+                </a:solidFill>
+                <a:effectLst/>
+                <a:latin typeface="Consolas" panose="020B0609020204030204" pitchFamily="49" charset="0"/>
+              </a:rPr>
+              <a:t>, </a:t>
+            </a:r>
+            <a:r>
+              <a:rPr lang="en-US" b="0" dirty="0">
+                <a:solidFill>
+                  <a:srgbClr val="FFCC66"/>
+                </a:solidFill>
+                <a:effectLst/>
+                <a:latin typeface="Consolas" panose="020B0609020204030204" pitchFamily="49" charset="0"/>
+              </a:rPr>
+              <a:t>14</a:t>
+            </a:r>
+            <a:r>
+              <a:rPr lang="en-US" b="0" dirty="0">
+                <a:solidFill>
+                  <a:srgbClr val="CBCCC6"/>
+                </a:solidFill>
+                <a:effectLst/>
+                <a:latin typeface="Consolas" panose="020B0609020204030204" pitchFamily="49" charset="0"/>
+              </a:rPr>
+              <a:t>, </a:t>
+            </a:r>
+            <a:r>
+              <a:rPr lang="en-US" b="0" dirty="0">
+                <a:solidFill>
+                  <a:srgbClr val="FFCC66"/>
+                </a:solidFill>
+                <a:effectLst/>
+                <a:latin typeface="Consolas" panose="020B0609020204030204" pitchFamily="49" charset="0"/>
+              </a:rPr>
+              <a:t>100</a:t>
+            </a:r>
+            <a:r>
+              <a:rPr lang="en-US" b="0" dirty="0">
+                <a:solidFill>
+                  <a:srgbClr val="CBCCC6"/>
+                </a:solidFill>
+                <a:effectLst/>
+                <a:latin typeface="Consolas" panose="020B0609020204030204" pitchFamily="49" charset="0"/>
+              </a:rPr>
+              <a:t>, </a:t>
+            </a:r>
+            <a:r>
+              <a:rPr lang="en-US" b="0" dirty="0">
+                <a:solidFill>
+                  <a:srgbClr val="FFCC66"/>
+                </a:solidFill>
+                <a:effectLst/>
+                <a:latin typeface="Consolas" panose="020B0609020204030204" pitchFamily="49" charset="0"/>
+              </a:rPr>
+              <a:t>89</a:t>
+            </a:r>
+            <a:r>
+              <a:rPr lang="en-US" b="0" dirty="0">
+                <a:solidFill>
+                  <a:srgbClr val="CBCCC6"/>
+                </a:solidFill>
+                <a:effectLst/>
+                <a:latin typeface="Consolas" panose="020B0609020204030204" pitchFamily="49" charset="0"/>
+              </a:rPr>
+              <a:t>, </a:t>
+            </a:r>
+            <a:r>
+              <a:rPr lang="en-US" b="0" dirty="0">
+                <a:solidFill>
+                  <a:srgbClr val="FFCC66"/>
+                </a:solidFill>
+                <a:effectLst/>
+                <a:latin typeface="Consolas" panose="020B0609020204030204" pitchFamily="49" charset="0"/>
+              </a:rPr>
+              <a:t>33</a:t>
+            </a:r>
+            <a:r>
+              <a:rPr lang="en-US" b="0" dirty="0">
+                <a:solidFill>
+                  <a:srgbClr val="CBCCC6"/>
+                </a:solidFill>
+                <a:effectLst/>
+                <a:latin typeface="Consolas" panose="020B0609020204030204" pitchFamily="49" charset="0"/>
+              </a:rPr>
+              <a:t>, </a:t>
+            </a:r>
+            <a:r>
+              <a:rPr lang="en-US" b="0" dirty="0">
+                <a:solidFill>
+                  <a:srgbClr val="FFCC66"/>
+                </a:solidFill>
+                <a:effectLst/>
+                <a:latin typeface="Consolas" panose="020B0609020204030204" pitchFamily="49" charset="0"/>
+              </a:rPr>
+              <a:t>124</a:t>
+            </a:r>
+            <a:r>
+              <a:rPr lang="en-US" b="0" dirty="0">
+                <a:solidFill>
+                  <a:srgbClr val="CBCCC6"/>
+                </a:solidFill>
+                <a:effectLst/>
+                <a:latin typeface="Consolas" panose="020B0609020204030204" pitchFamily="49" charset="0"/>
+              </a:rPr>
+              <a:t>, </a:t>
+            </a:r>
+            <a:r>
+              <a:rPr lang="en-US" b="0" dirty="0">
+                <a:solidFill>
+                  <a:srgbClr val="FFCC66"/>
+                </a:solidFill>
+                <a:effectLst/>
+                <a:latin typeface="Consolas" panose="020B0609020204030204" pitchFamily="49" charset="0"/>
+              </a:rPr>
+              <a:t>322</a:t>
+            </a:r>
+            <a:r>
+              <a:rPr lang="en-US" b="0" dirty="0">
+                <a:solidFill>
+                  <a:srgbClr val="CBCCC6"/>
+                </a:solidFill>
+                <a:effectLst/>
+                <a:latin typeface="Consolas" panose="020B0609020204030204" pitchFamily="49" charset="0"/>
+              </a:rPr>
+              <a:t>};</a:t>
+            </a:r>
+          </a:p>
+          <a:p>
+            <a:br>
+              <a:rPr lang="en-US" b="0" dirty="0">
+                <a:solidFill>
+                  <a:srgbClr val="CBCCC6"/>
+                </a:solidFill>
+                <a:effectLst/>
+                <a:latin typeface="Consolas" panose="020B0609020204030204" pitchFamily="49" charset="0"/>
+              </a:rPr>
+            </a:br>
+            <a:r>
+              <a:rPr lang="en-US" b="0" dirty="0">
+                <a:solidFill>
+                  <a:srgbClr val="CBCCC6"/>
+                </a:solidFill>
+                <a:effectLst/>
+                <a:latin typeface="Consolas" panose="020B0609020204030204" pitchFamily="49" charset="0"/>
+              </a:rPr>
+              <a:t>    </a:t>
+            </a:r>
+            <a:r>
+              <a:rPr lang="en-US" b="0" dirty="0" err="1">
+                <a:solidFill>
+                  <a:srgbClr val="CBCCC6"/>
+                </a:solidFill>
+                <a:effectLst/>
+                <a:latin typeface="Consolas" panose="020B0609020204030204" pitchFamily="49" charset="0"/>
+              </a:rPr>
+              <a:t>cout</a:t>
+            </a:r>
+            <a:r>
+              <a:rPr lang="en-US" b="0" dirty="0">
+                <a:solidFill>
+                  <a:srgbClr val="CBCCC6"/>
+                </a:solidFill>
+                <a:effectLst/>
+                <a:latin typeface="Consolas" panose="020B0609020204030204" pitchFamily="49" charset="0"/>
+              </a:rPr>
+              <a:t> </a:t>
+            </a:r>
+            <a:r>
+              <a:rPr lang="en-US" b="0" dirty="0">
+                <a:solidFill>
+                  <a:srgbClr val="F29E74"/>
+                </a:solidFill>
+                <a:effectLst/>
+                <a:latin typeface="Consolas" panose="020B0609020204030204" pitchFamily="49" charset="0"/>
+              </a:rPr>
+              <a:t>&lt;&lt;</a:t>
+            </a:r>
+            <a:r>
+              <a:rPr lang="en-US" b="0" dirty="0">
+                <a:solidFill>
+                  <a:srgbClr val="CBCCC6"/>
+                </a:solidFill>
+                <a:effectLst/>
+                <a:latin typeface="Consolas" panose="020B0609020204030204" pitchFamily="49" charset="0"/>
+              </a:rPr>
+              <a:t> </a:t>
+            </a:r>
+            <a:r>
+              <a:rPr lang="en-US" b="0" dirty="0">
+                <a:solidFill>
+                  <a:srgbClr val="BAE67E"/>
+                </a:solidFill>
+                <a:effectLst/>
+                <a:latin typeface="Consolas" panose="020B0609020204030204" pitchFamily="49" charset="0"/>
+              </a:rPr>
+              <a:t>"</a:t>
+            </a:r>
+            <a:r>
+              <a:rPr lang="en-US" b="0" dirty="0" err="1">
+                <a:solidFill>
+                  <a:srgbClr val="BAE67E"/>
+                </a:solidFill>
+                <a:effectLst/>
+                <a:latin typeface="Consolas" panose="020B0609020204030204" pitchFamily="49" charset="0"/>
+              </a:rPr>
+              <a:t>Broevite</a:t>
+            </a:r>
+            <a:r>
+              <a:rPr lang="en-US" b="0" dirty="0">
+                <a:solidFill>
+                  <a:srgbClr val="BAE67E"/>
+                </a:solidFill>
+                <a:effectLst/>
+                <a:latin typeface="Consolas" panose="020B0609020204030204" pitchFamily="49" charset="0"/>
+              </a:rPr>
+              <a:t> se: "</a:t>
+            </a:r>
+            <a:r>
+              <a:rPr lang="en-US" b="0" dirty="0">
+                <a:solidFill>
+                  <a:srgbClr val="CBCCC6"/>
+                </a:solidFill>
+                <a:effectLst/>
+                <a:latin typeface="Consolas" panose="020B0609020204030204" pitchFamily="49" charset="0"/>
+              </a:rPr>
+              <a:t>;</a:t>
+            </a:r>
+          </a:p>
+          <a:p>
+            <a:br>
+              <a:rPr lang="en-US" b="0" dirty="0">
+                <a:solidFill>
+                  <a:srgbClr val="CBCCC6"/>
+                </a:solidFill>
+                <a:effectLst/>
+                <a:latin typeface="Consolas" panose="020B0609020204030204" pitchFamily="49" charset="0"/>
+              </a:rPr>
+            </a:br>
+            <a:r>
+              <a:rPr lang="en-US" b="0" dirty="0">
+                <a:solidFill>
+                  <a:srgbClr val="CBCCC6"/>
+                </a:solidFill>
+                <a:effectLst/>
+                <a:latin typeface="Consolas" panose="020B0609020204030204" pitchFamily="49" charset="0"/>
+              </a:rPr>
+              <a:t>    </a:t>
+            </a:r>
+            <a:r>
+              <a:rPr lang="en-US" b="0" dirty="0">
+                <a:solidFill>
+                  <a:srgbClr val="FFA759"/>
+                </a:solidFill>
+                <a:effectLst/>
+                <a:latin typeface="Consolas" panose="020B0609020204030204" pitchFamily="49" charset="0"/>
+              </a:rPr>
+              <a:t>for</a:t>
+            </a:r>
+            <a:r>
+              <a:rPr lang="en-US" b="0" dirty="0">
+                <a:solidFill>
+                  <a:srgbClr val="CBCCC6"/>
+                </a:solidFill>
+                <a:effectLst/>
+                <a:latin typeface="Consolas" panose="020B0609020204030204" pitchFamily="49" charset="0"/>
+              </a:rPr>
+              <a:t> (</a:t>
+            </a:r>
+            <a:r>
+              <a:rPr lang="en-US" b="0" dirty="0">
+                <a:solidFill>
+                  <a:srgbClr val="FFA759"/>
+                </a:solidFill>
+                <a:effectLst/>
+                <a:latin typeface="Consolas" panose="020B0609020204030204" pitchFamily="49" charset="0"/>
+              </a:rPr>
+              <a:t>int</a:t>
+            </a:r>
+            <a:r>
+              <a:rPr lang="en-US" b="0" dirty="0">
+                <a:solidFill>
+                  <a:srgbClr val="CBCCC6"/>
+                </a:solidFill>
+                <a:effectLst/>
+                <a:latin typeface="Consolas" panose="020B0609020204030204" pitchFamily="49" charset="0"/>
+              </a:rPr>
+              <a:t> </a:t>
+            </a:r>
+            <a:r>
+              <a:rPr lang="en-US" b="0" dirty="0" err="1">
+                <a:solidFill>
+                  <a:srgbClr val="CBCCC6"/>
+                </a:solidFill>
+                <a:effectLst/>
+                <a:latin typeface="Consolas" panose="020B0609020204030204" pitchFamily="49" charset="0"/>
+              </a:rPr>
+              <a:t>i</a:t>
+            </a:r>
+            <a:r>
+              <a:rPr lang="en-US" b="0" dirty="0">
+                <a:solidFill>
+                  <a:srgbClr val="CBCCC6"/>
+                </a:solidFill>
+                <a:effectLst/>
+                <a:latin typeface="Consolas" panose="020B0609020204030204" pitchFamily="49" charset="0"/>
+              </a:rPr>
+              <a:t> </a:t>
+            </a:r>
+            <a:r>
+              <a:rPr lang="en-US" b="0" dirty="0">
+                <a:solidFill>
+                  <a:srgbClr val="F29E74"/>
+                </a:solidFill>
+                <a:effectLst/>
+                <a:latin typeface="Consolas" panose="020B0609020204030204" pitchFamily="49" charset="0"/>
+              </a:rPr>
+              <a:t>=</a:t>
+            </a:r>
+            <a:r>
+              <a:rPr lang="en-US" b="0" dirty="0">
+                <a:solidFill>
+                  <a:srgbClr val="CBCCC6"/>
+                </a:solidFill>
+                <a:effectLst/>
+                <a:latin typeface="Consolas" panose="020B0609020204030204" pitchFamily="49" charset="0"/>
+              </a:rPr>
+              <a:t> </a:t>
+            </a:r>
+            <a:r>
+              <a:rPr lang="en-US" b="0" dirty="0">
+                <a:solidFill>
+                  <a:srgbClr val="FFCC66"/>
+                </a:solidFill>
+                <a:effectLst/>
+                <a:latin typeface="Consolas" panose="020B0609020204030204" pitchFamily="49" charset="0"/>
+              </a:rPr>
+              <a:t>0</a:t>
+            </a:r>
+            <a:r>
+              <a:rPr lang="en-US" b="0" dirty="0">
+                <a:solidFill>
+                  <a:srgbClr val="CBCCC6"/>
+                </a:solidFill>
+                <a:effectLst/>
+                <a:latin typeface="Consolas" panose="020B0609020204030204" pitchFamily="49" charset="0"/>
+              </a:rPr>
+              <a:t>; </a:t>
+            </a:r>
+            <a:r>
+              <a:rPr lang="en-US" b="0" dirty="0" err="1">
+                <a:solidFill>
+                  <a:srgbClr val="CBCCC6"/>
+                </a:solidFill>
+                <a:effectLst/>
+                <a:latin typeface="Consolas" panose="020B0609020204030204" pitchFamily="49" charset="0"/>
+              </a:rPr>
+              <a:t>i</a:t>
+            </a:r>
+            <a:r>
+              <a:rPr lang="en-US" b="0" dirty="0">
+                <a:solidFill>
+                  <a:srgbClr val="CBCCC6"/>
+                </a:solidFill>
+                <a:effectLst/>
+                <a:latin typeface="Consolas" panose="020B0609020204030204" pitchFamily="49" charset="0"/>
+              </a:rPr>
+              <a:t> </a:t>
+            </a:r>
+            <a:r>
+              <a:rPr lang="en-US" b="0" dirty="0">
+                <a:solidFill>
+                  <a:srgbClr val="F29E74"/>
+                </a:solidFill>
+                <a:effectLst/>
+                <a:latin typeface="Consolas" panose="020B0609020204030204" pitchFamily="49" charset="0"/>
+              </a:rPr>
+              <a:t>&lt;</a:t>
+            </a:r>
+            <a:r>
+              <a:rPr lang="en-US" b="0" dirty="0">
+                <a:solidFill>
+                  <a:srgbClr val="CBCCC6"/>
+                </a:solidFill>
+                <a:effectLst/>
+                <a:latin typeface="Consolas" panose="020B0609020204030204" pitchFamily="49" charset="0"/>
+              </a:rPr>
+              <a:t> </a:t>
+            </a:r>
+            <a:r>
+              <a:rPr lang="en-US" b="0" dirty="0">
+                <a:solidFill>
+                  <a:srgbClr val="FFCC66"/>
+                </a:solidFill>
+                <a:effectLst/>
+                <a:latin typeface="Consolas" panose="020B0609020204030204" pitchFamily="49" charset="0"/>
+              </a:rPr>
+              <a:t>8</a:t>
+            </a:r>
+            <a:r>
+              <a:rPr lang="en-US" b="0" dirty="0">
+                <a:solidFill>
+                  <a:srgbClr val="CBCCC6"/>
+                </a:solidFill>
+                <a:effectLst/>
+                <a:latin typeface="Consolas" panose="020B0609020204030204" pitchFamily="49" charset="0"/>
+              </a:rPr>
+              <a:t>; </a:t>
+            </a:r>
+            <a:r>
+              <a:rPr lang="en-US" b="0" dirty="0" err="1">
+                <a:solidFill>
+                  <a:srgbClr val="CBCCC6"/>
+                </a:solidFill>
+                <a:effectLst/>
+                <a:latin typeface="Consolas" panose="020B0609020204030204" pitchFamily="49" charset="0"/>
+              </a:rPr>
+              <a:t>i</a:t>
+            </a:r>
+            <a:r>
+              <a:rPr lang="en-US" b="0" dirty="0">
+                <a:solidFill>
+                  <a:srgbClr val="F29E74"/>
+                </a:solidFill>
+                <a:effectLst/>
+                <a:latin typeface="Consolas" panose="020B0609020204030204" pitchFamily="49" charset="0"/>
+              </a:rPr>
+              <a:t>++</a:t>
+            </a:r>
+            <a:r>
+              <a:rPr lang="en-US" b="0" dirty="0">
+                <a:solidFill>
+                  <a:srgbClr val="CBCCC6"/>
+                </a:solidFill>
+                <a:effectLst/>
+                <a:latin typeface="Consolas" panose="020B0609020204030204" pitchFamily="49" charset="0"/>
+              </a:rPr>
+              <a:t>)</a:t>
+            </a:r>
+          </a:p>
+          <a:p>
+            <a:r>
+              <a:rPr lang="en-US" b="0" dirty="0">
+                <a:solidFill>
+                  <a:srgbClr val="CBCCC6"/>
+                </a:solidFill>
+                <a:effectLst/>
+                <a:latin typeface="Consolas" panose="020B0609020204030204" pitchFamily="49" charset="0"/>
+              </a:rPr>
+              <a:t>    {</a:t>
+            </a:r>
+          </a:p>
+          <a:p>
+            <a:r>
+              <a:rPr lang="en-US" b="0" dirty="0">
+                <a:solidFill>
+                  <a:srgbClr val="CBCCC6"/>
+                </a:solidFill>
+                <a:effectLst/>
+                <a:latin typeface="Consolas" panose="020B0609020204030204" pitchFamily="49" charset="0"/>
+              </a:rPr>
+              <a:t>        </a:t>
+            </a:r>
+            <a:r>
+              <a:rPr lang="en-US" b="0" dirty="0" err="1">
+                <a:solidFill>
+                  <a:srgbClr val="CBCCC6"/>
+                </a:solidFill>
+                <a:effectLst/>
+                <a:latin typeface="Consolas" panose="020B0609020204030204" pitchFamily="49" charset="0"/>
+              </a:rPr>
+              <a:t>cout</a:t>
+            </a:r>
+            <a:r>
+              <a:rPr lang="en-US" b="0" dirty="0">
+                <a:solidFill>
+                  <a:srgbClr val="CBCCC6"/>
+                </a:solidFill>
+                <a:effectLst/>
+                <a:latin typeface="Consolas" panose="020B0609020204030204" pitchFamily="49" charset="0"/>
+              </a:rPr>
+              <a:t> </a:t>
+            </a:r>
+            <a:r>
+              <a:rPr lang="en-US" b="0" dirty="0">
+                <a:solidFill>
+                  <a:srgbClr val="F29E74"/>
+                </a:solidFill>
+                <a:effectLst/>
+                <a:latin typeface="Consolas" panose="020B0609020204030204" pitchFamily="49" charset="0"/>
+              </a:rPr>
+              <a:t>&lt;&lt;</a:t>
+            </a:r>
+            <a:r>
+              <a:rPr lang="en-US" b="0" dirty="0">
+                <a:solidFill>
+                  <a:srgbClr val="CBCCC6"/>
+                </a:solidFill>
+                <a:effectLst/>
+                <a:latin typeface="Consolas" panose="020B0609020204030204" pitchFamily="49" charset="0"/>
+              </a:rPr>
+              <a:t> </a:t>
+            </a:r>
+            <a:r>
+              <a:rPr lang="en-US" b="0" dirty="0" err="1">
+                <a:solidFill>
+                  <a:srgbClr val="CBCCC6"/>
+                </a:solidFill>
+                <a:effectLst/>
+                <a:latin typeface="Consolas" panose="020B0609020204030204" pitchFamily="49" charset="0"/>
+              </a:rPr>
+              <a:t>broevi</a:t>
+            </a:r>
+            <a:r>
+              <a:rPr lang="en-US" b="0" dirty="0">
+                <a:solidFill>
+                  <a:srgbClr val="CBCCC6"/>
+                </a:solidFill>
+                <a:effectLst/>
+                <a:latin typeface="Consolas" panose="020B0609020204030204" pitchFamily="49" charset="0"/>
+              </a:rPr>
+              <a:t>[</a:t>
+            </a:r>
+            <a:r>
+              <a:rPr lang="en-US" b="0" dirty="0" err="1">
+                <a:solidFill>
+                  <a:srgbClr val="CBCCC6"/>
+                </a:solidFill>
+                <a:effectLst/>
+                <a:latin typeface="Consolas" panose="020B0609020204030204" pitchFamily="49" charset="0"/>
+              </a:rPr>
+              <a:t>i</a:t>
+            </a:r>
+            <a:r>
+              <a:rPr lang="en-US" b="0" dirty="0">
+                <a:solidFill>
+                  <a:srgbClr val="CBCCC6"/>
+                </a:solidFill>
+                <a:effectLst/>
+                <a:latin typeface="Consolas" panose="020B0609020204030204" pitchFamily="49" charset="0"/>
+              </a:rPr>
+              <a:t>] </a:t>
+            </a:r>
+            <a:r>
+              <a:rPr lang="en-US" b="0" dirty="0">
+                <a:solidFill>
+                  <a:srgbClr val="F29E74"/>
+                </a:solidFill>
+                <a:effectLst/>
+                <a:latin typeface="Consolas" panose="020B0609020204030204" pitchFamily="49" charset="0"/>
+              </a:rPr>
+              <a:t>&lt;&lt;</a:t>
+            </a:r>
+            <a:r>
+              <a:rPr lang="en-US" b="0" dirty="0">
+                <a:solidFill>
+                  <a:srgbClr val="CBCCC6"/>
+                </a:solidFill>
+                <a:effectLst/>
+                <a:latin typeface="Consolas" panose="020B0609020204030204" pitchFamily="49" charset="0"/>
+              </a:rPr>
+              <a:t> </a:t>
+            </a:r>
+            <a:r>
+              <a:rPr lang="en-US" b="0" dirty="0">
+                <a:solidFill>
+                  <a:srgbClr val="BAE67E"/>
+                </a:solidFill>
+                <a:effectLst/>
+                <a:latin typeface="Consolas" panose="020B0609020204030204" pitchFamily="49" charset="0"/>
+              </a:rPr>
+              <a:t>" "</a:t>
+            </a:r>
+            <a:r>
+              <a:rPr lang="en-US" b="0" dirty="0">
+                <a:solidFill>
+                  <a:srgbClr val="CBCCC6"/>
+                </a:solidFill>
+                <a:effectLst/>
+                <a:latin typeface="Consolas" panose="020B0609020204030204" pitchFamily="49" charset="0"/>
+              </a:rPr>
+              <a:t>;</a:t>
+            </a:r>
+          </a:p>
+          <a:p>
+            <a:r>
+              <a:rPr lang="en-US" b="0" dirty="0">
+                <a:solidFill>
+                  <a:srgbClr val="CBCCC6"/>
+                </a:solidFill>
+                <a:effectLst/>
+                <a:latin typeface="Consolas" panose="020B0609020204030204" pitchFamily="49" charset="0"/>
+              </a:rPr>
+              <a:t>    }</a:t>
+            </a:r>
+          </a:p>
+          <a:p>
+            <a:br>
+              <a:rPr lang="en-US" b="0" dirty="0">
+                <a:solidFill>
+                  <a:srgbClr val="CBCCC6"/>
+                </a:solidFill>
+                <a:effectLst/>
+                <a:latin typeface="Consolas" panose="020B0609020204030204" pitchFamily="49" charset="0"/>
+              </a:rPr>
+            </a:br>
+            <a:r>
+              <a:rPr lang="en-US" b="0" dirty="0">
+                <a:solidFill>
+                  <a:srgbClr val="CBCCC6"/>
+                </a:solidFill>
+                <a:effectLst/>
+                <a:latin typeface="Consolas" panose="020B0609020204030204" pitchFamily="49" charset="0"/>
+              </a:rPr>
+              <a:t>    </a:t>
+            </a:r>
+            <a:r>
+              <a:rPr lang="en-US" b="0" dirty="0">
+                <a:solidFill>
+                  <a:srgbClr val="FFA759"/>
+                </a:solidFill>
+                <a:effectLst/>
+                <a:latin typeface="Consolas" panose="020B0609020204030204" pitchFamily="49" charset="0"/>
+              </a:rPr>
+              <a:t>return</a:t>
+            </a:r>
+            <a:r>
+              <a:rPr lang="en-US" b="0" dirty="0">
+                <a:solidFill>
+                  <a:srgbClr val="CBCCC6"/>
+                </a:solidFill>
+                <a:effectLst/>
+                <a:latin typeface="Consolas" panose="020B0609020204030204" pitchFamily="49" charset="0"/>
+              </a:rPr>
+              <a:t> </a:t>
+            </a:r>
+            <a:r>
+              <a:rPr lang="en-US" b="0" dirty="0">
+                <a:solidFill>
+                  <a:srgbClr val="FFCC66"/>
+                </a:solidFill>
+                <a:effectLst/>
+                <a:latin typeface="Consolas" panose="020B0609020204030204" pitchFamily="49" charset="0"/>
+              </a:rPr>
+              <a:t>0</a:t>
+            </a:r>
+            <a:r>
+              <a:rPr lang="en-US" b="0" dirty="0">
+                <a:solidFill>
+                  <a:srgbClr val="CBCCC6"/>
+                </a:solidFill>
+                <a:effectLst/>
+                <a:latin typeface="Consolas" panose="020B0609020204030204" pitchFamily="49" charset="0"/>
+              </a:rPr>
+              <a:t>;</a:t>
+            </a:r>
+          </a:p>
+          <a:p>
+            <a:r>
+              <a:rPr lang="en-US" b="0" dirty="0">
+                <a:solidFill>
+                  <a:srgbClr val="CBCCC6"/>
+                </a:solidFill>
+                <a:effectLst/>
+                <a:latin typeface="Consolas" panose="020B0609020204030204" pitchFamily="49" charset="0"/>
+              </a:rPr>
+              <a:t>}</a:t>
+            </a:r>
+          </a:p>
+        </p:txBody>
+      </p:sp>
+      <p:sp>
+        <p:nvSpPr>
+          <p:cNvPr id="4" name="Slide Number Placeholder 3"/>
+          <p:cNvSpPr>
+            <a:spLocks noGrp="1"/>
+          </p:cNvSpPr>
+          <p:nvPr>
+            <p:ph type="sldNum" sz="quarter" idx="5"/>
+          </p:nvPr>
+        </p:nvSpPr>
+        <p:spPr/>
+        <p:txBody>
+          <a:bodyPr/>
+          <a:lstStyle/>
+          <a:p>
+            <a:fld id="{927A7433-3D10-4FDD-9EF2-B174CF946C18}" type="slidenum">
+              <a:rPr lang="en-US" smtClean="0"/>
+              <a:t>9</a:t>
+            </a:fld>
+            <a:endParaRPr lang="en-US"/>
+          </a:p>
+        </p:txBody>
+      </p:sp>
+    </p:spTree>
+    <p:extLst>
+      <p:ext uri="{BB962C8B-B14F-4D97-AF65-F5344CB8AC3E}">
+        <p14:creationId xmlns:p14="http://schemas.microsoft.com/office/powerpoint/2010/main" val="4278271375"/>
+      </p:ext>
+    </p:extLst>
+  </p:cSld>
+  <p:clrMapOvr>
+    <a:masterClrMapping/>
+  </p:clrMapOvr>
+</p:notes>
+</file>
+
+<file path=ppt/notesSlides/notesSlide7.xml><?xml version="1.0" encoding="utf-8"?>
 <p:notes xmlns:a="http://schemas.openxmlformats.org/drawingml/2006/main" xmlns:r="http://schemas.openxmlformats.org/officeDocument/2006/relationships" xmlns:p="http://schemas.openxmlformats.org/presentationml/2006/main">
   <p:cSld>
     <p:spTree>
@@ -14341,7 +15368,7 @@
           <p:nvPr/>
         </p:nvPicPr>
         <p:blipFill>
-          <a:blip r:embed="rId2">
+          <a:blip r:embed="rId3">
             <a:extLst>
               <a:ext uri="{28A0092B-C50C-407E-A947-70E740481C1C}">
                 <a14:useLocalDpi xmlns:a14="http://schemas.microsoft.com/office/drawing/2010/main" val="0"/>
@@ -14413,7 +15440,7 @@
           <p:nvPr/>
         </p:nvPicPr>
         <p:blipFill>
-          <a:blip r:embed="rId3">
+          <a:blip r:embed="rId4">
             <a:extLst>
               <a:ext uri="{28A0092B-C50C-407E-A947-70E740481C1C}">
                 <a14:useLocalDpi xmlns:a14="http://schemas.microsoft.com/office/drawing/2010/main" val="0"/>
@@ -14449,7 +15476,7 @@
           <p:nvPr/>
         </p:nvPicPr>
         <p:blipFill>
-          <a:blip r:embed="rId4">
+          <a:blip r:embed="rId5">
             <a:extLst>
               <a:ext uri="{28A0092B-C50C-407E-A947-70E740481C1C}">
                 <a14:useLocalDpi xmlns:a14="http://schemas.microsoft.com/office/drawing/2010/main" val="0"/>
